--- a/REACT JS.pptx
+++ b/REACT JS.pptx
@@ -5,20 +5,20 @@
     <p:sldMasterId id="2147483648" r:id="rId1"/>
   </p:sldMasterIdLst>
   <p:sldIdLst>
-    <p:sldId id="256" r:id="rId3"/>
-    <p:sldId id="257" r:id="rId4"/>
-    <p:sldId id="265" r:id="rId5"/>
-    <p:sldId id="258" r:id="rId6"/>
-    <p:sldId id="261" r:id="rId7"/>
-    <p:sldId id="259" r:id="rId8"/>
-    <p:sldId id="260" r:id="rId9"/>
-    <p:sldId id="264" r:id="rId10"/>
-    <p:sldId id="266" r:id="rId11"/>
-    <p:sldId id="267" r:id="rId12"/>
-    <p:sldId id="268" r:id="rId13"/>
+    <p:sldId id="256" r:id="rId2"/>
+    <p:sldId id="257" r:id="rId3"/>
+    <p:sldId id="265" r:id="rId4"/>
+    <p:sldId id="258" r:id="rId5"/>
+    <p:sldId id="261" r:id="rId6"/>
+    <p:sldId id="259" r:id="rId7"/>
+    <p:sldId id="260" r:id="rId8"/>
+    <p:sldId id="264" r:id="rId9"/>
+    <p:sldId id="266" r:id="rId10"/>
+    <p:sldId id="267" r:id="rId11"/>
+    <p:sldId id="268" r:id="rId12"/>
   </p:sldIdLst>
   <p:sldSz cx="12192000" cy="6858000"/>
-  <p:notesSz cx="7103745" cy="10234295"/>
+  <p:notesSz cx="7104063" cy="10234613"/>
   <p:defaultTextStyle>
     <a:defPPr>
       <a:defRPr lang="en-US"/>
@@ -114,11 +114,19 @@
       </a:defRPr>
     </a:lvl9pPr>
   </p:defaultTextStyle>
+  <p:extLst>
+    <p:ext uri="{EFAFB233-063F-42B5-8137-9DF3F51BA10A}">
+      <p15:sldGuideLst xmlns:p15="http://schemas.microsoft.com/office/powerpoint/2012/main"/>
+    </p:ext>
+    <p:ext uri="{2D200454-40CA-4A62-9FC3-DE9A4176ACB9}">
+      <p15:notesGuideLst xmlns:p15="http://schemas.microsoft.com/office/powerpoint/2012/main"/>
+    </p:ext>
+  </p:extLst>
 </p:presentation>
 </file>
 
 <file path=ppt/slideLayouts/slideLayout1.xml><?xml version="1.0" encoding="utf-8"?>
-<p:sldLayout xmlns:a="http://schemas.openxmlformats.org/drawingml/2006/main" xmlns:r="http://schemas.openxmlformats.org/officeDocument/2006/relationships" xmlns:p="http://schemas.openxmlformats.org/presentationml/2006/main" type="title" preserve="1" showMasterSp="0">
+<p:sldLayout xmlns:a="http://schemas.openxmlformats.org/drawingml/2006/main" xmlns:r="http://schemas.openxmlformats.org/officeDocument/2006/relationships" xmlns:p="http://schemas.openxmlformats.org/presentationml/2006/main" showMasterSp="0" type="title" preserve="1">
   <p:cSld name="Title Slide">
     <p:bg>
       <p:bgPr>
@@ -199,7 +207,6 @@
               <a:rPr lang="en-US" altLang="zh-CN" noProof="0" smtClean="0"/>
               <a:t>Click to edit Master title style</a:t>
             </a:r>
-            <a:endParaRPr lang="en-US" altLang="zh-CN" noProof="0" smtClean="0"/>
           </a:p>
         </p:txBody>
       </p:sp>
@@ -238,7 +245,6 @@
               <a:rPr lang="en-US" altLang="zh-CN" noProof="0" smtClean="0"/>
               <a:t>Click to edit Master subtitle style</a:t>
             </a:r>
-            <a:endParaRPr lang="en-US" altLang="zh-CN" noProof="0" smtClean="0"/>
           </a:p>
         </p:txBody>
       </p:sp>
@@ -300,6 +306,7 @@
           <a:p>
             <a:fld id="{FDE934FF-F4E1-47C5-9CA5-30A81DDE2BE4}" type="datetimeFigureOut">
               <a:rPr lang="en-US" smtClean="0"/>
+              <a:t>12/10/2020</a:t>
             </a:fld>
             <a:endParaRPr lang="en-US"/>
           </a:p>
@@ -423,6 +430,7 @@
           <a:p>
             <a:fld id="{B3561BA9-CDCF-4958-B8AB-66F3BF063E13}" type="slidenum">
               <a:rPr lang="en-US" smtClean="0"/>
+              <a:t>‹#›</a:t>
             </a:fld>
             <a:endParaRPr lang="en-US"/>
           </a:p>
@@ -497,7 +505,6 @@
               <a:rPr lang="en-US" smtClean="0"/>
               <a:t>Click to edit Master text styles</a:t>
             </a:r>
-            <a:endParaRPr lang="en-US" smtClean="0"/>
           </a:p>
           <a:p>
             <a:pPr lvl="1"/>
@@ -505,7 +512,6 @@
               <a:rPr lang="en-US" smtClean="0"/>
               <a:t>Second level</a:t>
             </a:r>
-            <a:endParaRPr lang="en-US" smtClean="0"/>
           </a:p>
           <a:p>
             <a:pPr lvl="2"/>
@@ -513,7 +519,6 @@
               <a:rPr lang="en-US" smtClean="0"/>
               <a:t>Third level</a:t>
             </a:r>
-            <a:endParaRPr lang="en-US" smtClean="0"/>
           </a:p>
           <a:p>
             <a:pPr lvl="3"/>
@@ -521,7 +526,6 @@
               <a:rPr lang="en-US" smtClean="0"/>
               <a:t>Fourth level</a:t>
             </a:r>
-            <a:endParaRPr lang="en-US" smtClean="0"/>
           </a:p>
           <a:p>
             <a:pPr lvl="4"/>
@@ -546,6 +550,7 @@
         <p:spPr/>
         <p:txBody>
           <a:bodyPr/>
+          <a:lstStyle/>
           <a:p>
             <a:pPr marL="0" marR="0" lvl="0" indent="0" algn="l" defTabSz="914400" rtl="0" eaLnBrk="1" fontAlgn="base" latinLnBrk="0" hangingPunct="1">
               <a:lnSpc>
@@ -593,6 +598,7 @@
         <p:spPr/>
         <p:txBody>
           <a:bodyPr/>
+          <a:lstStyle/>
           <a:p>
             <a:pPr marL="0" marR="0" lvl="0" indent="0" algn="ctr" defTabSz="914400" rtl="0" eaLnBrk="1" fontAlgn="base" latinLnBrk="0" hangingPunct="1">
               <a:lnSpc>
@@ -640,6 +646,7 @@
         <p:spPr/>
         <p:txBody>
           <a:bodyPr/>
+          <a:lstStyle/>
           <a:p>
             <a:pPr marL="0" marR="0" lvl="0" indent="0" algn="r" defTabSz="914400" rtl="0" eaLnBrk="1" fontAlgn="base" latinLnBrk="0" hangingPunct="1">
               <a:lnSpc>
@@ -672,6 +679,7 @@
                 <a:ea typeface="SimSun" pitchFamily="2" charset="-122"/>
                 <a:cs typeface="+mn-cs"/>
               </a:rPr>
+              <a:t>‹#›</a:t>
             </a:fld>
             <a:endParaRPr kumimoji="0" lang="en-US" altLang="zh-CN" sz="1400" b="0" i="0" u="none" strike="noStrike" kern="1200" cap="none" spc="0" normalizeH="0" baseline="0" noProof="0" smtClean="0">
               <a:ln>
@@ -769,7 +777,6 @@
               <a:rPr lang="en-US" smtClean="0"/>
               <a:t>Click to edit Master text styles</a:t>
             </a:r>
-            <a:endParaRPr lang="en-US" smtClean="0"/>
           </a:p>
           <a:p>
             <a:pPr lvl="1"/>
@@ -777,7 +784,6 @@
               <a:rPr lang="en-US" smtClean="0"/>
               <a:t>Second level</a:t>
             </a:r>
-            <a:endParaRPr lang="en-US" smtClean="0"/>
           </a:p>
           <a:p>
             <a:pPr lvl="2"/>
@@ -785,7 +791,6 @@
               <a:rPr lang="en-US" smtClean="0"/>
               <a:t>Third level</a:t>
             </a:r>
-            <a:endParaRPr lang="en-US" smtClean="0"/>
           </a:p>
           <a:p>
             <a:pPr lvl="3"/>
@@ -793,7 +798,6 @@
               <a:rPr lang="en-US" smtClean="0"/>
               <a:t>Fourth level</a:t>
             </a:r>
-            <a:endParaRPr lang="en-US" smtClean="0"/>
           </a:p>
           <a:p>
             <a:pPr lvl="4"/>
@@ -818,9 +822,11 @@
         <p:spPr/>
         <p:txBody>
           <a:bodyPr/>
+          <a:lstStyle/>
           <a:p>
             <a:fld id="{FDE934FF-F4E1-47C5-9CA5-30A81DDE2BE4}" type="datetimeFigureOut">
               <a:rPr lang="en-US" smtClean="0"/>
+              <a:t>12/10/2020</a:t>
             </a:fld>
             <a:endParaRPr lang="en-US"/>
           </a:p>
@@ -839,6 +845,7 @@
         <p:spPr/>
         <p:txBody>
           <a:bodyPr/>
+          <a:lstStyle/>
           <a:p>
             <a:endParaRPr lang="en-US"/>
           </a:p>
@@ -857,9 +864,11 @@
         <p:spPr/>
         <p:txBody>
           <a:bodyPr/>
+          <a:lstStyle/>
           <a:p>
             <a:fld id="{B3561BA9-CDCF-4958-B8AB-66F3BF063E13}" type="slidenum">
               <a:rPr lang="en-US" smtClean="0"/>
+              <a:t>‹#›</a:t>
             </a:fld>
             <a:endParaRPr lang="en-US"/>
           </a:p>
@@ -934,7 +943,6 @@
               <a:rPr lang="en-US" smtClean="0"/>
               <a:t>Click to edit Master text styles</a:t>
             </a:r>
-            <a:endParaRPr lang="en-US" smtClean="0"/>
           </a:p>
           <a:p>
             <a:pPr lvl="1"/>
@@ -942,7 +950,6 @@
               <a:rPr lang="en-US" smtClean="0"/>
               <a:t>Second level</a:t>
             </a:r>
-            <a:endParaRPr lang="en-US" smtClean="0"/>
           </a:p>
           <a:p>
             <a:pPr lvl="2"/>
@@ -950,7 +957,6 @@
               <a:rPr lang="en-US" smtClean="0"/>
               <a:t>Third level</a:t>
             </a:r>
-            <a:endParaRPr lang="en-US" smtClean="0"/>
           </a:p>
           <a:p>
             <a:pPr lvl="3"/>
@@ -958,7 +964,6 @@
               <a:rPr lang="en-US" smtClean="0"/>
               <a:t>Fourth level</a:t>
             </a:r>
-            <a:endParaRPr lang="en-US" smtClean="0"/>
           </a:p>
           <a:p>
             <a:pPr lvl="4"/>
@@ -983,9 +988,11 @@
         <p:spPr/>
         <p:txBody>
           <a:bodyPr/>
+          <a:lstStyle/>
           <a:p>
             <a:fld id="{FDE934FF-F4E1-47C5-9CA5-30A81DDE2BE4}" type="datetimeFigureOut">
               <a:rPr lang="en-US" smtClean="0"/>
+              <a:t>12/10/2020</a:t>
             </a:fld>
             <a:endParaRPr lang="en-US"/>
           </a:p>
@@ -1004,6 +1011,7 @@
         <p:spPr/>
         <p:txBody>
           <a:bodyPr/>
+          <a:lstStyle/>
           <a:p>
             <a:endParaRPr lang="en-US"/>
           </a:p>
@@ -1022,9 +1030,11 @@
         <p:spPr/>
         <p:txBody>
           <a:bodyPr/>
+          <a:lstStyle/>
           <a:p>
             <a:fld id="{B3561BA9-CDCF-4958-B8AB-66F3BF063E13}" type="slidenum">
               <a:rPr lang="en-US" smtClean="0"/>
+              <a:t>‹#›</a:t>
             </a:fld>
             <a:endParaRPr lang="en-US"/>
           </a:p>
@@ -1150,7 +1160,6 @@
               <a:rPr lang="en-US" smtClean="0"/>
               <a:t>Click to edit Master text styles</a:t>
             </a:r>
-            <a:endParaRPr lang="en-US" smtClean="0"/>
           </a:p>
         </p:txBody>
       </p:sp>
@@ -1167,9 +1176,11 @@
         <p:spPr/>
         <p:txBody>
           <a:bodyPr/>
+          <a:lstStyle/>
           <a:p>
             <a:fld id="{FDE934FF-F4E1-47C5-9CA5-30A81DDE2BE4}" type="datetimeFigureOut">
               <a:rPr lang="en-US" smtClean="0"/>
+              <a:t>12/10/2020</a:t>
             </a:fld>
             <a:endParaRPr lang="en-US"/>
           </a:p>
@@ -1188,6 +1199,7 @@
         <p:spPr/>
         <p:txBody>
           <a:bodyPr/>
+          <a:lstStyle/>
           <a:p>
             <a:endParaRPr lang="en-US"/>
           </a:p>
@@ -1206,9 +1218,11 @@
         <p:spPr/>
         <p:txBody>
           <a:bodyPr/>
+          <a:lstStyle/>
           <a:p>
             <a:fld id="{B3561BA9-CDCF-4958-B8AB-66F3BF063E13}" type="slidenum">
               <a:rPr lang="en-US" smtClean="0"/>
+              <a:t>‹#›</a:t>
             </a:fld>
             <a:endParaRPr lang="en-US"/>
           </a:p>
@@ -1288,7 +1302,6 @@
               <a:rPr lang="en-US" smtClean="0"/>
               <a:t>Click to edit Master text styles</a:t>
             </a:r>
-            <a:endParaRPr lang="en-US" smtClean="0"/>
           </a:p>
           <a:p>
             <a:pPr lvl="1"/>
@@ -1296,7 +1309,6 @@
               <a:rPr lang="en-US" smtClean="0"/>
               <a:t>Second level</a:t>
             </a:r>
-            <a:endParaRPr lang="en-US" smtClean="0"/>
           </a:p>
           <a:p>
             <a:pPr lvl="2"/>
@@ -1304,7 +1316,6 @@
               <a:rPr lang="en-US" smtClean="0"/>
               <a:t>Third level</a:t>
             </a:r>
-            <a:endParaRPr lang="en-US" smtClean="0"/>
           </a:p>
           <a:p>
             <a:pPr lvl="3"/>
@@ -1312,7 +1323,6 @@
               <a:rPr lang="en-US" smtClean="0"/>
               <a:t>Fourth level</a:t>
             </a:r>
-            <a:endParaRPr lang="en-US" smtClean="0"/>
           </a:p>
           <a:p>
             <a:pPr lvl="4"/>
@@ -1349,7 +1359,6 @@
               <a:rPr lang="en-US" smtClean="0"/>
               <a:t>Click to edit Master text styles</a:t>
             </a:r>
-            <a:endParaRPr lang="en-US" smtClean="0"/>
           </a:p>
           <a:p>
             <a:pPr lvl="1"/>
@@ -1357,7 +1366,6 @@
               <a:rPr lang="en-US" smtClean="0"/>
               <a:t>Second level</a:t>
             </a:r>
-            <a:endParaRPr lang="en-US" smtClean="0"/>
           </a:p>
           <a:p>
             <a:pPr lvl="2"/>
@@ -1365,7 +1373,6 @@
               <a:rPr lang="en-US" smtClean="0"/>
               <a:t>Third level</a:t>
             </a:r>
-            <a:endParaRPr lang="en-US" smtClean="0"/>
           </a:p>
           <a:p>
             <a:pPr lvl="3"/>
@@ -1373,7 +1380,6 @@
               <a:rPr lang="en-US" smtClean="0"/>
               <a:t>Fourth level</a:t>
             </a:r>
-            <a:endParaRPr lang="en-US" smtClean="0"/>
           </a:p>
           <a:p>
             <a:pPr lvl="4"/>
@@ -1398,9 +1404,11 @@
         <p:spPr/>
         <p:txBody>
           <a:bodyPr/>
+          <a:lstStyle/>
           <a:p>
             <a:fld id="{FDE934FF-F4E1-47C5-9CA5-30A81DDE2BE4}" type="datetimeFigureOut">
               <a:rPr lang="en-US" smtClean="0"/>
+              <a:t>12/10/2020</a:t>
             </a:fld>
             <a:endParaRPr lang="en-US"/>
           </a:p>
@@ -1419,6 +1427,7 @@
         <p:spPr/>
         <p:txBody>
           <a:bodyPr/>
+          <a:lstStyle/>
           <a:p>
             <a:endParaRPr lang="en-US"/>
           </a:p>
@@ -1437,9 +1446,11 @@
         <p:spPr/>
         <p:txBody>
           <a:bodyPr/>
+          <a:lstStyle/>
           <a:p>
             <a:fld id="{B3561BA9-CDCF-4958-B8AB-66F3BF063E13}" type="slidenum">
               <a:rPr lang="en-US" smtClean="0"/>
+              <a:t>‹#›</a:t>
             </a:fld>
             <a:endParaRPr lang="en-US"/>
           </a:p>
@@ -1561,7 +1572,6 @@
               <a:rPr lang="en-US" smtClean="0"/>
               <a:t>Click to edit Master text styles</a:t>
             </a:r>
-            <a:endParaRPr lang="en-US" smtClean="0"/>
           </a:p>
         </p:txBody>
       </p:sp>
@@ -1590,7 +1600,6 @@
               <a:rPr lang="en-US" smtClean="0"/>
               <a:t>Click to edit Master text styles</a:t>
             </a:r>
-            <a:endParaRPr lang="en-US" smtClean="0"/>
           </a:p>
           <a:p>
             <a:pPr lvl="1"/>
@@ -1598,7 +1607,6 @@
               <a:rPr lang="en-US" smtClean="0"/>
               <a:t>Second level</a:t>
             </a:r>
-            <a:endParaRPr lang="en-US" smtClean="0"/>
           </a:p>
           <a:p>
             <a:pPr lvl="2"/>
@@ -1606,7 +1614,6 @@
               <a:rPr lang="en-US" smtClean="0"/>
               <a:t>Third level</a:t>
             </a:r>
-            <a:endParaRPr lang="en-US" smtClean="0"/>
           </a:p>
           <a:p>
             <a:pPr lvl="3"/>
@@ -1614,7 +1621,6 @@
               <a:rPr lang="en-US" smtClean="0"/>
               <a:t>Fourth level</a:t>
             </a:r>
-            <a:endParaRPr lang="en-US" smtClean="0"/>
           </a:p>
           <a:p>
             <a:pPr lvl="4"/>
@@ -1688,7 +1694,6 @@
               <a:rPr lang="en-US" smtClean="0"/>
               <a:t>Click to edit Master text styles</a:t>
             </a:r>
-            <a:endParaRPr lang="en-US" smtClean="0"/>
           </a:p>
         </p:txBody>
       </p:sp>
@@ -1717,7 +1722,6 @@
               <a:rPr lang="en-US" smtClean="0"/>
               <a:t>Click to edit Master text styles</a:t>
             </a:r>
-            <a:endParaRPr lang="en-US" smtClean="0"/>
           </a:p>
           <a:p>
             <a:pPr lvl="1"/>
@@ -1725,7 +1729,6 @@
               <a:rPr lang="en-US" smtClean="0"/>
               <a:t>Second level</a:t>
             </a:r>
-            <a:endParaRPr lang="en-US" smtClean="0"/>
           </a:p>
           <a:p>
             <a:pPr lvl="2"/>
@@ -1733,7 +1736,6 @@
               <a:rPr lang="en-US" smtClean="0"/>
               <a:t>Third level</a:t>
             </a:r>
-            <a:endParaRPr lang="en-US" smtClean="0"/>
           </a:p>
           <a:p>
             <a:pPr lvl="3"/>
@@ -1741,7 +1743,6 @@
               <a:rPr lang="en-US" smtClean="0"/>
               <a:t>Fourth level</a:t>
             </a:r>
-            <a:endParaRPr lang="en-US" smtClean="0"/>
           </a:p>
           <a:p>
             <a:pPr lvl="4"/>
@@ -1766,9 +1767,11 @@
         <p:spPr/>
         <p:txBody>
           <a:bodyPr/>
+          <a:lstStyle/>
           <a:p>
             <a:fld id="{FDE934FF-F4E1-47C5-9CA5-30A81DDE2BE4}" type="datetimeFigureOut">
               <a:rPr lang="en-US" smtClean="0"/>
+              <a:t>12/10/2020</a:t>
             </a:fld>
             <a:endParaRPr lang="en-US"/>
           </a:p>
@@ -1787,6 +1790,7 @@
         <p:spPr/>
         <p:txBody>
           <a:bodyPr/>
+          <a:lstStyle/>
           <a:p>
             <a:endParaRPr lang="en-US"/>
           </a:p>
@@ -1805,9 +1809,11 @@
         <p:spPr/>
         <p:txBody>
           <a:bodyPr/>
+          <a:lstStyle/>
           <a:p>
             <a:fld id="{B3561BA9-CDCF-4958-B8AB-66F3BF063E13}" type="slidenum">
               <a:rPr lang="en-US" smtClean="0"/>
+              <a:t>‹#›</a:t>
             </a:fld>
             <a:endParaRPr lang="en-US"/>
           </a:p>
@@ -1875,9 +1881,11 @@
         <p:spPr/>
         <p:txBody>
           <a:bodyPr/>
+          <a:lstStyle/>
           <a:p>
             <a:fld id="{FDE934FF-F4E1-47C5-9CA5-30A81DDE2BE4}" type="datetimeFigureOut">
               <a:rPr lang="en-US" smtClean="0"/>
+              <a:t>12/10/2020</a:t>
             </a:fld>
             <a:endParaRPr lang="en-US"/>
           </a:p>
@@ -1896,6 +1904,7 @@
         <p:spPr/>
         <p:txBody>
           <a:bodyPr/>
+          <a:lstStyle/>
           <a:p>
             <a:endParaRPr lang="en-US"/>
           </a:p>
@@ -1914,9 +1923,11 @@
         <p:spPr/>
         <p:txBody>
           <a:bodyPr/>
+          <a:lstStyle/>
           <a:p>
             <a:fld id="{B3561BA9-CDCF-4958-B8AB-66F3BF063E13}" type="slidenum">
               <a:rPr lang="en-US" smtClean="0"/>
+              <a:t>‹#›</a:t>
             </a:fld>
             <a:endParaRPr lang="en-US"/>
           </a:p>
@@ -1961,9 +1972,11 @@
         <p:spPr/>
         <p:txBody>
           <a:bodyPr/>
+          <a:lstStyle/>
           <a:p>
             <a:fld id="{FDE934FF-F4E1-47C5-9CA5-30A81DDE2BE4}" type="datetimeFigureOut">
               <a:rPr lang="en-US" smtClean="0"/>
+              <a:t>12/10/2020</a:t>
             </a:fld>
             <a:endParaRPr lang="en-US"/>
           </a:p>
@@ -1982,6 +1995,7 @@
         <p:spPr/>
         <p:txBody>
           <a:bodyPr/>
+          <a:lstStyle/>
           <a:p>
             <a:endParaRPr lang="en-US"/>
           </a:p>
@@ -2000,9 +2014,11 @@
         <p:spPr/>
         <p:txBody>
           <a:bodyPr/>
+          <a:lstStyle/>
           <a:p>
             <a:fld id="{B3561BA9-CDCF-4958-B8AB-66F3BF063E13}" type="slidenum">
               <a:rPr lang="en-US" smtClean="0"/>
+              <a:t>‹#›</a:t>
             </a:fld>
             <a:endParaRPr lang="en-US"/>
           </a:p>
@@ -2119,7 +2135,6 @@
               <a:rPr lang="en-US" smtClean="0"/>
               <a:t>Click to edit Master text styles</a:t>
             </a:r>
-            <a:endParaRPr lang="en-US" smtClean="0"/>
           </a:p>
           <a:p>
             <a:pPr lvl="1"/>
@@ -2127,7 +2142,6 @@
               <a:rPr lang="en-US" smtClean="0"/>
               <a:t>Second level</a:t>
             </a:r>
-            <a:endParaRPr lang="en-US" smtClean="0"/>
           </a:p>
           <a:p>
             <a:pPr lvl="2"/>
@@ -2135,7 +2149,6 @@
               <a:rPr lang="en-US" smtClean="0"/>
               <a:t>Third level</a:t>
             </a:r>
-            <a:endParaRPr lang="en-US" smtClean="0"/>
           </a:p>
           <a:p>
             <a:pPr lvl="3"/>
@@ -2143,7 +2156,6 @@
               <a:rPr lang="en-US" smtClean="0"/>
               <a:t>Fourth level</a:t>
             </a:r>
-            <a:endParaRPr lang="en-US" smtClean="0"/>
           </a:p>
           <a:p>
             <a:pPr lvl="4"/>
@@ -2217,7 +2229,6 @@
               <a:rPr lang="en-US" smtClean="0"/>
               <a:t>Click to edit Master text styles</a:t>
             </a:r>
-            <a:endParaRPr lang="en-US" smtClean="0"/>
           </a:p>
         </p:txBody>
       </p:sp>
@@ -2234,6 +2245,7 @@
         <p:spPr/>
         <p:txBody>
           <a:bodyPr/>
+          <a:lstStyle/>
           <a:p>
             <a:pPr marL="0" marR="0" lvl="0" indent="0" algn="l" defTabSz="914400" rtl="0" eaLnBrk="1" fontAlgn="base" latinLnBrk="0" hangingPunct="1">
               <a:lnSpc>
@@ -2281,6 +2293,7 @@
         <p:spPr/>
         <p:txBody>
           <a:bodyPr/>
+          <a:lstStyle/>
           <a:p>
             <a:pPr marL="0" marR="0" lvl="0" indent="0" algn="ctr" defTabSz="914400" rtl="0" eaLnBrk="1" fontAlgn="base" latinLnBrk="0" hangingPunct="1">
               <a:lnSpc>
@@ -2328,6 +2341,7 @@
         <p:spPr/>
         <p:txBody>
           <a:bodyPr/>
+          <a:lstStyle/>
           <a:p>
             <a:pPr marL="0" marR="0" lvl="0" indent="0" algn="r" defTabSz="914400" rtl="0" eaLnBrk="1" fontAlgn="base" latinLnBrk="0" hangingPunct="1">
               <a:lnSpc>
@@ -2360,6 +2374,7 @@
                 <a:ea typeface="SimSun" pitchFamily="2" charset="-122"/>
                 <a:cs typeface="+mn-cs"/>
               </a:rPr>
+              <a:t>‹#›</a:t>
             </a:fld>
             <a:endParaRPr kumimoji="0" lang="en-US" altLang="zh-CN" sz="1400" b="0" i="0" u="none" strike="noStrike" kern="1200" cap="none" spc="0" normalizeH="0" baseline="0" noProof="0" smtClean="0">
               <a:ln>
@@ -2588,7 +2603,6 @@
               <a:rPr lang="en-US" smtClean="0"/>
               <a:t>Click to edit Master text styles</a:t>
             </a:r>
-            <a:endParaRPr lang="en-US" smtClean="0"/>
           </a:p>
         </p:txBody>
       </p:sp>
@@ -2605,9 +2619,11 @@
         <p:spPr/>
         <p:txBody>
           <a:bodyPr/>
+          <a:lstStyle/>
           <a:p>
             <a:fld id="{FDE934FF-F4E1-47C5-9CA5-30A81DDE2BE4}" type="datetimeFigureOut">
               <a:rPr lang="en-US" smtClean="0"/>
+              <a:t>12/10/2020</a:t>
             </a:fld>
             <a:endParaRPr lang="en-US"/>
           </a:p>
@@ -2626,6 +2642,7 @@
         <p:spPr/>
         <p:txBody>
           <a:bodyPr/>
+          <a:lstStyle/>
           <a:p>
             <a:endParaRPr lang="en-US"/>
           </a:p>
@@ -2644,9 +2661,11 @@
         <p:spPr/>
         <p:txBody>
           <a:bodyPr/>
+          <a:lstStyle/>
           <a:p>
             <a:fld id="{B3561BA9-CDCF-4958-B8AB-66F3BF063E13}" type="slidenum">
               <a:rPr lang="en-US" smtClean="0"/>
+              <a:t>‹#›</a:t>
             </a:fld>
             <a:endParaRPr lang="en-US"/>
           </a:p>
@@ -2678,7 +2697,14 @@
         <p:cNvGrpSpPr/>
         <p:nvPr/>
       </p:nvGrpSpPr>
-      <p:grpSpPr/>
+      <p:grpSpPr>
+        <a:xfrm>
+          <a:off x="0" y="0"/>
+          <a:ext cx="0" cy="0"/>
+          <a:chOff x="0" y="0"/>
+          <a:chExt cx="0" cy="0"/>
+        </a:xfrm>
+      </p:grpSpPr>
       <p:pic>
         <p:nvPicPr>
           <p:cNvPr id="1026" name="Picture 6"/>
@@ -2688,7 +2714,7 @@
           <p:nvPr/>
         </p:nvPicPr>
         <p:blipFill>
-          <a:blip r:embed="rId12"/>
+          <a:blip r:embed="rId13"/>
           <a:stretch>
             <a:fillRect/>
           </a:stretch>
@@ -2732,13 +2758,13 @@
         </p:spPr>
         <p:txBody>
           <a:bodyPr anchor="ctr"/>
+          <a:lstStyle/>
           <a:p>
             <a:pPr lvl="0"/>
             <a:r>
               <a:rPr lang="en-US" altLang="zh-CN" dirty="0"/>
               <a:t>Click to edit Master title style</a:t>
             </a:r>
-            <a:endParaRPr lang="en-US" altLang="zh-CN" dirty="0"/>
           </a:p>
         </p:txBody>
       </p:sp>
@@ -2767,13 +2793,13 @@
         </p:spPr>
         <p:txBody>
           <a:bodyPr/>
+          <a:lstStyle/>
           <a:p>
             <a:pPr lvl="0"/>
             <a:r>
               <a:rPr lang="en-US" altLang="zh-CN" dirty="0"/>
               <a:t>Click to edit Master text styles</a:t>
             </a:r>
-            <a:endParaRPr lang="en-US" altLang="zh-CN" dirty="0"/>
           </a:p>
           <a:p>
             <a:pPr lvl="1"/>
@@ -2781,7 +2807,6 @@
               <a:rPr lang="en-US" altLang="zh-CN" dirty="0"/>
               <a:t>Second level</a:t>
             </a:r>
-            <a:endParaRPr lang="en-US" altLang="zh-CN" dirty="0"/>
           </a:p>
           <a:p>
             <a:pPr lvl="2"/>
@@ -2789,7 +2814,6 @@
               <a:rPr lang="en-US" altLang="zh-CN" dirty="0"/>
               <a:t>Third level</a:t>
             </a:r>
-            <a:endParaRPr lang="en-US" altLang="zh-CN" dirty="0"/>
           </a:p>
           <a:p>
             <a:pPr lvl="3"/>
@@ -2797,7 +2821,6 @@
               <a:rPr lang="en-US" altLang="zh-CN" dirty="0"/>
               <a:t>Fourth level</a:t>
             </a:r>
-            <a:endParaRPr lang="en-US" altLang="zh-CN" dirty="0"/>
           </a:p>
           <a:p>
             <a:pPr lvl="4"/>
@@ -2805,7 +2828,6 @@
               <a:rPr lang="en-US" altLang="zh-CN" dirty="0"/>
               <a:t>Fifth level</a:t>
             </a:r>
-            <a:endParaRPr lang="en-US" altLang="zh-CN" dirty="0"/>
           </a:p>
         </p:txBody>
       </p:sp>
@@ -2871,6 +2893,7 @@
           <a:p>
             <a:fld id="{FDE934FF-F4E1-47C5-9CA5-30A81DDE2BE4}" type="datetimeFigureOut">
               <a:rPr lang="en-US" smtClean="0"/>
+              <a:t>12/10/2020</a:t>
             </a:fld>
             <a:endParaRPr lang="en-US"/>
           </a:p>
@@ -3002,6 +3025,7 @@
           <a:p>
             <a:fld id="{B3561BA9-CDCF-4958-B8AB-66F3BF063E13}" type="slidenum">
               <a:rPr lang="en-US" smtClean="0"/>
+              <a:t>‹#›</a:t>
             </a:fld>
             <a:endParaRPr lang="en-US"/>
           </a:p>
@@ -3430,7 +3454,14 @@
         <p:cNvGrpSpPr/>
         <p:nvPr/>
       </p:nvGrpSpPr>
-      <p:grpSpPr/>
+      <p:grpSpPr>
+        <a:xfrm>
+          <a:off x="0" y="0"/>
+          <a:ext cx="0" cy="0"/>
+          <a:chOff x="0" y="0"/>
+          <a:chExt cx="0" cy="0"/>
+        </a:xfrm>
+      </p:grpSpPr>
       <p:sp>
         <p:nvSpPr>
           <p:cNvPr id="2" name="Title 1"/>
@@ -3444,6 +3475,7 @@
         <p:spPr/>
         <p:txBody>
           <a:bodyPr/>
+          <a:lstStyle/>
           <a:p>
             <a:r>
               <a:rPr lang="en-US" b="1">
@@ -3452,10 +3484,6 @@
               </a:rPr>
               <a:t>REACT JS</a:t>
             </a:r>
-            <a:endParaRPr lang="en-US" b="1">
-              <a:latin typeface="Arial Bold" panose="020B0604020202090204" charset="0"/>
-              <a:cs typeface="Arial Bold" panose="020B0604020202090204" charset="0"/>
-            </a:endParaRPr>
           </a:p>
         </p:txBody>
       </p:sp>
@@ -3472,12 +3500,12 @@
         <p:spPr/>
         <p:txBody>
           <a:bodyPr/>
+          <a:lstStyle/>
           <a:p>
             <a:r>
               <a:rPr lang="en-US" sz="2400"/>
               <a:t>ADVANCE JAVASCRIPT</a:t>
             </a:r>
-            <a:endParaRPr lang="en-US" sz="2400"/>
           </a:p>
         </p:txBody>
       </p:sp>
@@ -3501,7 +3529,14 @@
         <p:cNvGrpSpPr/>
         <p:nvPr/>
       </p:nvGrpSpPr>
-      <p:grpSpPr/>
+      <p:grpSpPr>
+        <a:xfrm>
+          <a:off x="0" y="0"/>
+          <a:ext cx="0" cy="0"/>
+          <a:chOff x="0" y="0"/>
+          <a:chExt cx="0" cy="0"/>
+        </a:xfrm>
+      </p:grpSpPr>
       <p:sp>
         <p:nvSpPr>
           <p:cNvPr id="2" name="Title 1"/>
@@ -3515,12 +3550,12 @@
         <p:spPr/>
         <p:txBody>
           <a:bodyPr/>
+          <a:lstStyle/>
           <a:p>
             <a:r>
               <a:rPr lang="en-US"/>
               <a:t>ADVANCE JAVASCRIPT</a:t>
             </a:r>
-            <a:endParaRPr lang="en-US"/>
           </a:p>
         </p:txBody>
       </p:sp>
@@ -3544,6 +3579,7 @@
           <a:bodyPr wrap="none" rtlCol="0">
             <a:spAutoFit/>
           </a:bodyPr>
+          <a:lstStyle/>
           <a:p>
             <a:r>
               <a:rPr lang="en-US" b="1">
@@ -3552,10 +3588,6 @@
               </a:rPr>
               <a:t>OBJECT : DEFINING A PROPERTY #2</a:t>
             </a:r>
-            <a:endParaRPr lang="en-US" b="1">
-              <a:latin typeface="Arial Bold" panose="020B0604020202090204" charset="0"/>
-              <a:cs typeface="Arial Bold" panose="020B0604020202090204" charset="0"/>
-            </a:endParaRPr>
           </a:p>
         </p:txBody>
       </p:sp>
@@ -3598,6 +3630,7 @@
         </p:spPr>
         <p:txBody>
           <a:bodyPr vert="horz" wrap="none" lIns="91440" tIns="45720" rIns="91440" bIns="45720" numCol="1" anchor="t" anchorCtr="0" compatLnSpc="1"/>
+          <a:lstStyle/>
           <a:p>
             <a:pPr marR="0" indent="0" algn="l" defTabSz="914400" rtl="0" eaLnBrk="1" fontAlgn="base" latinLnBrk="0" hangingPunct="1">
               <a:lnSpc>
@@ -3639,6 +3672,51 @@
               </a:rPr>
               <a:t>className {</a:t>
             </a:r>
+          </a:p>
+          <a:p>
+            <a:pPr marR="0" indent="0" algn="l" defTabSz="914400" rtl="0" eaLnBrk="1" fontAlgn="base" latinLnBrk="0" hangingPunct="1">
+              <a:lnSpc>
+                <a:spcPct val="100000"/>
+              </a:lnSpc>
+              <a:spcBef>
+                <a:spcPct val="0"/>
+              </a:spcBef>
+              <a:spcAft>
+                <a:spcPct val="0"/>
+              </a:spcAft>
+              <a:buClrTx/>
+              <a:buSzTx/>
+              <a:buNone/>
+            </a:pPr>
+            <a:r>
+              <a:rPr lang="en-US" altLang="zh-CN" b="1" smtClean="0">
+                <a:ln>
+                  <a:noFill/>
+                </a:ln>
+                <a:effectLst/>
+                <a:latin typeface="Arial Bold" panose="020B0604020202090204" charset="0"/>
+                <a:ea typeface="SimSun" pitchFamily="2" charset="-122"/>
+                <a:cs typeface="Arial Bold" panose="020B0604020202090204" charset="0"/>
+                <a:sym typeface="+mn-ea"/>
+              </a:rPr>
+              <a:t>    ...</a:t>
+            </a:r>
+          </a:p>
+          <a:p>
+            <a:pPr marR="0" indent="0" algn="l" defTabSz="914400" rtl="0" eaLnBrk="1" fontAlgn="base" latinLnBrk="0" hangingPunct="1">
+              <a:lnSpc>
+                <a:spcPct val="100000"/>
+              </a:lnSpc>
+              <a:spcBef>
+                <a:spcPct val="0"/>
+              </a:spcBef>
+              <a:spcAft>
+                <a:spcPct val="0"/>
+              </a:spcAft>
+              <a:buClrTx/>
+              <a:buSzTx/>
+              <a:buNone/>
+            </a:pPr>
             <a:endParaRPr lang="en-US" altLang="zh-CN" b="1" smtClean="0">
               <a:ln>
                 <a:noFill/>
@@ -3676,8 +3754,227 @@
                 <a:cs typeface="Arial Bold" panose="020B0604020202090204" charset="0"/>
                 <a:sym typeface="+mn-ea"/>
               </a:rPr>
-              <a:t>    ...</a:t>
-            </a:r>
+              <a:t>    get [propertyName]() {</a:t>
+            </a:r>
+          </a:p>
+          <a:p>
+            <a:pPr marR="0" indent="0" algn="l" defTabSz="914400" rtl="0" eaLnBrk="1" fontAlgn="base" latinLnBrk="0" hangingPunct="1">
+              <a:lnSpc>
+                <a:spcPct val="100000"/>
+              </a:lnSpc>
+              <a:spcBef>
+                <a:spcPct val="0"/>
+              </a:spcBef>
+              <a:spcAft>
+                <a:spcPct val="0"/>
+              </a:spcAft>
+              <a:buClrTx/>
+              <a:buSzTx/>
+              <a:buNone/>
+            </a:pPr>
+            <a:r>
+              <a:rPr lang="en-US" altLang="zh-CN" b="1" smtClean="0">
+                <a:ln>
+                  <a:noFill/>
+                </a:ln>
+                <a:effectLst/>
+                <a:latin typeface="Arial Bold" panose="020B0604020202090204" charset="0"/>
+                <a:ea typeface="SimSun" pitchFamily="2" charset="-122"/>
+                <a:cs typeface="Arial Bold" panose="020B0604020202090204" charset="0"/>
+                <a:sym typeface="+mn-ea"/>
+              </a:rPr>
+              <a:t>         ...</a:t>
+            </a:r>
+          </a:p>
+          <a:p>
+            <a:pPr marR="0" indent="0" algn="l" defTabSz="914400" rtl="0" eaLnBrk="1" fontAlgn="base" latinLnBrk="0" hangingPunct="1">
+              <a:lnSpc>
+                <a:spcPct val="100000"/>
+              </a:lnSpc>
+              <a:spcBef>
+                <a:spcPct val="0"/>
+              </a:spcBef>
+              <a:spcAft>
+                <a:spcPct val="0"/>
+              </a:spcAft>
+              <a:buClrTx/>
+              <a:buSzTx/>
+              <a:buNone/>
+            </a:pPr>
+            <a:r>
+              <a:rPr lang="en-US" altLang="zh-CN" b="1" smtClean="0">
+                <a:ln>
+                  <a:noFill/>
+                </a:ln>
+                <a:effectLst/>
+                <a:latin typeface="Arial Bold" panose="020B0604020202090204" charset="0"/>
+                <a:ea typeface="SimSun" pitchFamily="2" charset="-122"/>
+                <a:cs typeface="Arial Bold" panose="020B0604020202090204" charset="0"/>
+                <a:sym typeface="+mn-ea"/>
+              </a:rPr>
+              <a:t>         return ...</a:t>
+            </a:r>
+          </a:p>
+          <a:p>
+            <a:pPr marR="0" indent="0" algn="l" defTabSz="914400" rtl="0" eaLnBrk="1" fontAlgn="base" latinLnBrk="0" hangingPunct="1">
+              <a:lnSpc>
+                <a:spcPct val="100000"/>
+              </a:lnSpc>
+              <a:spcBef>
+                <a:spcPct val="0"/>
+              </a:spcBef>
+              <a:spcAft>
+                <a:spcPct val="0"/>
+              </a:spcAft>
+              <a:buClrTx/>
+              <a:buSzTx/>
+              <a:buNone/>
+            </a:pPr>
+            <a:r>
+              <a:rPr lang="en-US" altLang="zh-CN" b="1" smtClean="0">
+                <a:ln>
+                  <a:noFill/>
+                </a:ln>
+                <a:effectLst/>
+                <a:latin typeface="Arial Bold" panose="020B0604020202090204" charset="0"/>
+                <a:ea typeface="SimSun" pitchFamily="2" charset="-122"/>
+                <a:cs typeface="Arial Bold" panose="020B0604020202090204" charset="0"/>
+                <a:sym typeface="+mn-ea"/>
+              </a:rPr>
+              <a:t>    }</a:t>
+            </a:r>
+          </a:p>
+          <a:p>
+            <a:pPr marR="0" indent="0" algn="l" defTabSz="914400" rtl="0" eaLnBrk="1" fontAlgn="base" latinLnBrk="0" hangingPunct="1">
+              <a:lnSpc>
+                <a:spcPct val="100000"/>
+              </a:lnSpc>
+              <a:spcBef>
+                <a:spcPct val="0"/>
+              </a:spcBef>
+              <a:spcAft>
+                <a:spcPct val="0"/>
+              </a:spcAft>
+              <a:buClrTx/>
+              <a:buSzTx/>
+              <a:buNone/>
+            </a:pPr>
+            <a:r>
+              <a:rPr lang="en-US" altLang="zh-CN" b="1" smtClean="0">
+                <a:ln>
+                  <a:noFill/>
+                </a:ln>
+                <a:effectLst/>
+                <a:latin typeface="Arial Bold" panose="020B0604020202090204" charset="0"/>
+                <a:ea typeface="SimSun" pitchFamily="2" charset="-122"/>
+                <a:cs typeface="Arial Bold" panose="020B0604020202090204" charset="0"/>
+                <a:sym typeface="+mn-ea"/>
+              </a:rPr>
+              <a:t>    set [propertyName](value) {</a:t>
+            </a:r>
+          </a:p>
+          <a:p>
+            <a:pPr marR="0" indent="0" algn="l" defTabSz="914400" rtl="0" eaLnBrk="1" fontAlgn="base" latinLnBrk="0" hangingPunct="1">
+              <a:lnSpc>
+                <a:spcPct val="100000"/>
+              </a:lnSpc>
+              <a:spcBef>
+                <a:spcPct val="0"/>
+              </a:spcBef>
+              <a:spcAft>
+                <a:spcPct val="0"/>
+              </a:spcAft>
+              <a:buClrTx/>
+              <a:buSzTx/>
+              <a:buNone/>
+            </a:pPr>
+            <a:r>
+              <a:rPr lang="en-US" altLang="zh-CN" b="1" smtClean="0">
+                <a:ln>
+                  <a:noFill/>
+                </a:ln>
+                <a:effectLst/>
+                <a:latin typeface="Arial Bold" panose="020B0604020202090204" charset="0"/>
+                <a:ea typeface="SimSun" pitchFamily="2" charset="-122"/>
+                <a:cs typeface="Arial Bold" panose="020B0604020202090204" charset="0"/>
+                <a:sym typeface="+mn-ea"/>
+              </a:rPr>
+              <a:t>        ....</a:t>
+            </a:r>
+          </a:p>
+          <a:p>
+            <a:pPr marR="0" indent="0" algn="l" defTabSz="914400" rtl="0" eaLnBrk="1" fontAlgn="base" latinLnBrk="0" hangingPunct="1">
+              <a:lnSpc>
+                <a:spcPct val="100000"/>
+              </a:lnSpc>
+              <a:spcBef>
+                <a:spcPct val="0"/>
+              </a:spcBef>
+              <a:spcAft>
+                <a:spcPct val="0"/>
+              </a:spcAft>
+              <a:buClrTx/>
+              <a:buSzTx/>
+              <a:buNone/>
+            </a:pPr>
+            <a:r>
+              <a:rPr lang="en-US" altLang="zh-CN" b="1" smtClean="0">
+                <a:ln>
+                  <a:noFill/>
+                </a:ln>
+                <a:effectLst/>
+                <a:latin typeface="Arial Bold" panose="020B0604020202090204" charset="0"/>
+                <a:ea typeface="SimSun" pitchFamily="2" charset="-122"/>
+                <a:cs typeface="Arial Bold" panose="020B0604020202090204" charset="0"/>
+                <a:sym typeface="+mn-ea"/>
+              </a:rPr>
+              <a:t>        ...</a:t>
+            </a:r>
+          </a:p>
+          <a:p>
+            <a:pPr marR="0" indent="0" algn="l" defTabSz="914400" rtl="0" eaLnBrk="1" fontAlgn="base" latinLnBrk="0" hangingPunct="1">
+              <a:lnSpc>
+                <a:spcPct val="100000"/>
+              </a:lnSpc>
+              <a:spcBef>
+                <a:spcPct val="0"/>
+              </a:spcBef>
+              <a:spcAft>
+                <a:spcPct val="0"/>
+              </a:spcAft>
+              <a:buClrTx/>
+              <a:buSzTx/>
+              <a:buNone/>
+            </a:pPr>
+            <a:r>
+              <a:rPr lang="en-US" altLang="zh-CN" b="1" smtClean="0">
+                <a:ln>
+                  <a:noFill/>
+                </a:ln>
+                <a:effectLst/>
+                <a:latin typeface="Arial Bold" panose="020B0604020202090204" charset="0"/>
+                <a:ea typeface="SimSun" pitchFamily="2" charset="-122"/>
+                <a:cs typeface="Arial Bold" panose="020B0604020202090204" charset="0"/>
+                <a:sym typeface="+mn-ea"/>
+              </a:rPr>
+              <a:t>    }</a:t>
+            </a:r>
+          </a:p>
+          <a:p>
+            <a:pPr marR="0" indent="0" algn="l" defTabSz="914400" rtl="0" eaLnBrk="1" fontAlgn="base" latinLnBrk="0" hangingPunct="1">
+              <a:lnSpc>
+                <a:spcPct val="100000"/>
+              </a:lnSpc>
+              <a:spcBef>
+                <a:spcPct val="0"/>
+              </a:spcBef>
+              <a:spcAft>
+                <a:spcPct val="0"/>
+              </a:spcAft>
+              <a:buClrTx/>
+              <a:buSzTx/>
+              <a:buNone/>
+            </a:pPr>
             <a:endParaRPr lang="en-US" altLang="zh-CN" b="1" smtClean="0">
               <a:ln>
                 <a:noFill/>
@@ -3704,370 +4001,6 @@
               <a:buSzTx/>
               <a:buNone/>
             </a:pPr>
-            <a:endParaRPr lang="en-US" altLang="zh-CN" b="1" smtClean="0">
-              <a:ln>
-                <a:noFill/>
-              </a:ln>
-              <a:effectLst/>
-              <a:latin typeface="Arial Bold" panose="020B0604020202090204" charset="0"/>
-              <a:ea typeface="SimSun" pitchFamily="2" charset="-122"/>
-              <a:cs typeface="Arial Bold" panose="020B0604020202090204" charset="0"/>
-              <a:sym typeface="+mn-ea"/>
-            </a:endParaRPr>
-          </a:p>
-          <a:p>
-            <a:pPr marR="0" indent="0" algn="l" defTabSz="914400" rtl="0" eaLnBrk="1" fontAlgn="base" latinLnBrk="0" hangingPunct="1">
-              <a:lnSpc>
-                <a:spcPct val="100000"/>
-              </a:lnSpc>
-              <a:spcBef>
-                <a:spcPct val="0"/>
-              </a:spcBef>
-              <a:spcAft>
-                <a:spcPct val="0"/>
-              </a:spcAft>
-              <a:buClrTx/>
-              <a:buSzTx/>
-              <a:buNone/>
-            </a:pPr>
-            <a:r>
-              <a:rPr lang="en-US" altLang="zh-CN" b="1" smtClean="0">
-                <a:ln>
-                  <a:noFill/>
-                </a:ln>
-                <a:effectLst/>
-                <a:latin typeface="Arial Bold" panose="020B0604020202090204" charset="0"/>
-                <a:ea typeface="SimSun" pitchFamily="2" charset="-122"/>
-                <a:cs typeface="Arial Bold" panose="020B0604020202090204" charset="0"/>
-                <a:sym typeface="+mn-ea"/>
-              </a:rPr>
-              <a:t>    get [propertyName]() {</a:t>
-            </a:r>
-            <a:endParaRPr lang="en-US" altLang="zh-CN" b="1" smtClean="0">
-              <a:ln>
-                <a:noFill/>
-              </a:ln>
-              <a:effectLst/>
-              <a:latin typeface="Arial Bold" panose="020B0604020202090204" charset="0"/>
-              <a:ea typeface="SimSun" pitchFamily="2" charset="-122"/>
-              <a:cs typeface="Arial Bold" panose="020B0604020202090204" charset="0"/>
-              <a:sym typeface="+mn-ea"/>
-            </a:endParaRPr>
-          </a:p>
-          <a:p>
-            <a:pPr marR="0" indent="0" algn="l" defTabSz="914400" rtl="0" eaLnBrk="1" fontAlgn="base" latinLnBrk="0" hangingPunct="1">
-              <a:lnSpc>
-                <a:spcPct val="100000"/>
-              </a:lnSpc>
-              <a:spcBef>
-                <a:spcPct val="0"/>
-              </a:spcBef>
-              <a:spcAft>
-                <a:spcPct val="0"/>
-              </a:spcAft>
-              <a:buClrTx/>
-              <a:buSzTx/>
-              <a:buNone/>
-            </a:pPr>
-            <a:r>
-              <a:rPr lang="en-US" altLang="zh-CN" b="1" smtClean="0">
-                <a:ln>
-                  <a:noFill/>
-                </a:ln>
-                <a:effectLst/>
-                <a:latin typeface="Arial Bold" panose="020B0604020202090204" charset="0"/>
-                <a:ea typeface="SimSun" pitchFamily="2" charset="-122"/>
-                <a:cs typeface="Arial Bold" panose="020B0604020202090204" charset="0"/>
-                <a:sym typeface="+mn-ea"/>
-              </a:rPr>
-              <a:t>         ...</a:t>
-            </a:r>
-            <a:endParaRPr lang="en-US" altLang="zh-CN" b="1" smtClean="0">
-              <a:ln>
-                <a:noFill/>
-              </a:ln>
-              <a:effectLst/>
-              <a:latin typeface="Arial Bold" panose="020B0604020202090204" charset="0"/>
-              <a:ea typeface="SimSun" pitchFamily="2" charset="-122"/>
-              <a:cs typeface="Arial Bold" panose="020B0604020202090204" charset="0"/>
-              <a:sym typeface="+mn-ea"/>
-            </a:endParaRPr>
-          </a:p>
-          <a:p>
-            <a:pPr marR="0" indent="0" algn="l" defTabSz="914400" rtl="0" eaLnBrk="1" fontAlgn="base" latinLnBrk="0" hangingPunct="1">
-              <a:lnSpc>
-                <a:spcPct val="100000"/>
-              </a:lnSpc>
-              <a:spcBef>
-                <a:spcPct val="0"/>
-              </a:spcBef>
-              <a:spcAft>
-                <a:spcPct val="0"/>
-              </a:spcAft>
-              <a:buClrTx/>
-              <a:buSzTx/>
-              <a:buNone/>
-            </a:pPr>
-            <a:r>
-              <a:rPr lang="en-US" altLang="zh-CN" b="1" smtClean="0">
-                <a:ln>
-                  <a:noFill/>
-                </a:ln>
-                <a:effectLst/>
-                <a:latin typeface="Arial Bold" panose="020B0604020202090204" charset="0"/>
-                <a:ea typeface="SimSun" pitchFamily="2" charset="-122"/>
-                <a:cs typeface="Arial Bold" panose="020B0604020202090204" charset="0"/>
-                <a:sym typeface="+mn-ea"/>
-              </a:rPr>
-              <a:t>         return ...</a:t>
-            </a:r>
-            <a:endParaRPr lang="en-US" altLang="zh-CN" b="1" smtClean="0">
-              <a:ln>
-                <a:noFill/>
-              </a:ln>
-              <a:effectLst/>
-              <a:latin typeface="Arial Bold" panose="020B0604020202090204" charset="0"/>
-              <a:ea typeface="SimSun" pitchFamily="2" charset="-122"/>
-              <a:cs typeface="Arial Bold" panose="020B0604020202090204" charset="0"/>
-              <a:sym typeface="+mn-ea"/>
-            </a:endParaRPr>
-          </a:p>
-          <a:p>
-            <a:pPr marR="0" indent="0" algn="l" defTabSz="914400" rtl="0" eaLnBrk="1" fontAlgn="base" latinLnBrk="0" hangingPunct="1">
-              <a:lnSpc>
-                <a:spcPct val="100000"/>
-              </a:lnSpc>
-              <a:spcBef>
-                <a:spcPct val="0"/>
-              </a:spcBef>
-              <a:spcAft>
-                <a:spcPct val="0"/>
-              </a:spcAft>
-              <a:buClrTx/>
-              <a:buSzTx/>
-              <a:buNone/>
-            </a:pPr>
-            <a:r>
-              <a:rPr lang="en-US" altLang="zh-CN" b="1" smtClean="0">
-                <a:ln>
-                  <a:noFill/>
-                </a:ln>
-                <a:effectLst/>
-                <a:latin typeface="Arial Bold" panose="020B0604020202090204" charset="0"/>
-                <a:ea typeface="SimSun" pitchFamily="2" charset="-122"/>
-                <a:cs typeface="Arial Bold" panose="020B0604020202090204" charset="0"/>
-                <a:sym typeface="+mn-ea"/>
-              </a:rPr>
-              <a:t>    }</a:t>
-            </a:r>
-            <a:endParaRPr lang="en-US" altLang="zh-CN" b="1" smtClean="0">
-              <a:ln>
-                <a:noFill/>
-              </a:ln>
-              <a:effectLst/>
-              <a:latin typeface="Arial Bold" panose="020B0604020202090204" charset="0"/>
-              <a:ea typeface="SimSun" pitchFamily="2" charset="-122"/>
-              <a:cs typeface="Arial Bold" panose="020B0604020202090204" charset="0"/>
-              <a:sym typeface="+mn-ea"/>
-            </a:endParaRPr>
-          </a:p>
-          <a:p>
-            <a:pPr marR="0" indent="0" algn="l" defTabSz="914400" rtl="0" eaLnBrk="1" fontAlgn="base" latinLnBrk="0" hangingPunct="1">
-              <a:lnSpc>
-                <a:spcPct val="100000"/>
-              </a:lnSpc>
-              <a:spcBef>
-                <a:spcPct val="0"/>
-              </a:spcBef>
-              <a:spcAft>
-                <a:spcPct val="0"/>
-              </a:spcAft>
-              <a:buClrTx/>
-              <a:buSzTx/>
-              <a:buNone/>
-            </a:pPr>
-            <a:r>
-              <a:rPr lang="en-US" altLang="zh-CN" b="1" smtClean="0">
-                <a:ln>
-                  <a:noFill/>
-                </a:ln>
-                <a:effectLst/>
-                <a:latin typeface="Arial Bold" panose="020B0604020202090204" charset="0"/>
-                <a:ea typeface="SimSun" pitchFamily="2" charset="-122"/>
-                <a:cs typeface="Arial Bold" panose="020B0604020202090204" charset="0"/>
-                <a:sym typeface="+mn-ea"/>
-              </a:rPr>
-              <a:t>    set [propertyName](value) {</a:t>
-            </a:r>
-            <a:endParaRPr lang="en-US" altLang="zh-CN" b="1" smtClean="0">
-              <a:ln>
-                <a:noFill/>
-              </a:ln>
-              <a:effectLst/>
-              <a:latin typeface="Arial Bold" panose="020B0604020202090204" charset="0"/>
-              <a:ea typeface="SimSun" pitchFamily="2" charset="-122"/>
-              <a:cs typeface="Arial Bold" panose="020B0604020202090204" charset="0"/>
-              <a:sym typeface="+mn-ea"/>
-            </a:endParaRPr>
-          </a:p>
-          <a:p>
-            <a:pPr marR="0" indent="0" algn="l" defTabSz="914400" rtl="0" eaLnBrk="1" fontAlgn="base" latinLnBrk="0" hangingPunct="1">
-              <a:lnSpc>
-                <a:spcPct val="100000"/>
-              </a:lnSpc>
-              <a:spcBef>
-                <a:spcPct val="0"/>
-              </a:spcBef>
-              <a:spcAft>
-                <a:spcPct val="0"/>
-              </a:spcAft>
-              <a:buClrTx/>
-              <a:buSzTx/>
-              <a:buNone/>
-            </a:pPr>
-            <a:r>
-              <a:rPr lang="en-US" altLang="zh-CN" b="1" smtClean="0">
-                <a:ln>
-                  <a:noFill/>
-                </a:ln>
-                <a:effectLst/>
-                <a:latin typeface="Arial Bold" panose="020B0604020202090204" charset="0"/>
-                <a:ea typeface="SimSun" pitchFamily="2" charset="-122"/>
-                <a:cs typeface="Arial Bold" panose="020B0604020202090204" charset="0"/>
-                <a:sym typeface="+mn-ea"/>
-              </a:rPr>
-              <a:t>        ....</a:t>
-            </a:r>
-            <a:endParaRPr lang="en-US" altLang="zh-CN" b="1" smtClean="0">
-              <a:ln>
-                <a:noFill/>
-              </a:ln>
-              <a:effectLst/>
-              <a:latin typeface="Arial Bold" panose="020B0604020202090204" charset="0"/>
-              <a:ea typeface="SimSun" pitchFamily="2" charset="-122"/>
-              <a:cs typeface="Arial Bold" panose="020B0604020202090204" charset="0"/>
-              <a:sym typeface="+mn-ea"/>
-            </a:endParaRPr>
-          </a:p>
-          <a:p>
-            <a:pPr marR="0" indent="0" algn="l" defTabSz="914400" rtl="0" eaLnBrk="1" fontAlgn="base" latinLnBrk="0" hangingPunct="1">
-              <a:lnSpc>
-                <a:spcPct val="100000"/>
-              </a:lnSpc>
-              <a:spcBef>
-                <a:spcPct val="0"/>
-              </a:spcBef>
-              <a:spcAft>
-                <a:spcPct val="0"/>
-              </a:spcAft>
-              <a:buClrTx/>
-              <a:buSzTx/>
-              <a:buNone/>
-            </a:pPr>
-            <a:r>
-              <a:rPr lang="en-US" altLang="zh-CN" b="1" smtClean="0">
-                <a:ln>
-                  <a:noFill/>
-                </a:ln>
-                <a:effectLst/>
-                <a:latin typeface="Arial Bold" panose="020B0604020202090204" charset="0"/>
-                <a:ea typeface="SimSun" pitchFamily="2" charset="-122"/>
-                <a:cs typeface="Arial Bold" panose="020B0604020202090204" charset="0"/>
-                <a:sym typeface="+mn-ea"/>
-              </a:rPr>
-              <a:t>        ...</a:t>
-            </a:r>
-            <a:endParaRPr lang="en-US" altLang="zh-CN" b="1" smtClean="0">
-              <a:ln>
-                <a:noFill/>
-              </a:ln>
-              <a:effectLst/>
-              <a:latin typeface="Arial Bold" panose="020B0604020202090204" charset="0"/>
-              <a:ea typeface="SimSun" pitchFamily="2" charset="-122"/>
-              <a:cs typeface="Arial Bold" panose="020B0604020202090204" charset="0"/>
-              <a:sym typeface="+mn-ea"/>
-            </a:endParaRPr>
-          </a:p>
-          <a:p>
-            <a:pPr marR="0" indent="0" algn="l" defTabSz="914400" rtl="0" eaLnBrk="1" fontAlgn="base" latinLnBrk="0" hangingPunct="1">
-              <a:lnSpc>
-                <a:spcPct val="100000"/>
-              </a:lnSpc>
-              <a:spcBef>
-                <a:spcPct val="0"/>
-              </a:spcBef>
-              <a:spcAft>
-                <a:spcPct val="0"/>
-              </a:spcAft>
-              <a:buClrTx/>
-              <a:buSzTx/>
-              <a:buNone/>
-            </a:pPr>
-            <a:r>
-              <a:rPr lang="en-US" altLang="zh-CN" b="1" smtClean="0">
-                <a:ln>
-                  <a:noFill/>
-                </a:ln>
-                <a:effectLst/>
-                <a:latin typeface="Arial Bold" panose="020B0604020202090204" charset="0"/>
-                <a:ea typeface="SimSun" pitchFamily="2" charset="-122"/>
-                <a:cs typeface="Arial Bold" panose="020B0604020202090204" charset="0"/>
-                <a:sym typeface="+mn-ea"/>
-              </a:rPr>
-              <a:t>    }</a:t>
-            </a:r>
-            <a:endParaRPr lang="en-US" altLang="zh-CN" b="1" smtClean="0">
-              <a:ln>
-                <a:noFill/>
-              </a:ln>
-              <a:effectLst/>
-              <a:latin typeface="Arial Bold" panose="020B0604020202090204" charset="0"/>
-              <a:ea typeface="SimSun" pitchFamily="2" charset="-122"/>
-              <a:cs typeface="Arial Bold" panose="020B0604020202090204" charset="0"/>
-              <a:sym typeface="+mn-ea"/>
-            </a:endParaRPr>
-          </a:p>
-          <a:p>
-            <a:pPr marR="0" indent="0" algn="l" defTabSz="914400" rtl="0" eaLnBrk="1" fontAlgn="base" latinLnBrk="0" hangingPunct="1">
-              <a:lnSpc>
-                <a:spcPct val="100000"/>
-              </a:lnSpc>
-              <a:spcBef>
-                <a:spcPct val="0"/>
-              </a:spcBef>
-              <a:spcAft>
-                <a:spcPct val="0"/>
-              </a:spcAft>
-              <a:buClrTx/>
-              <a:buSzTx/>
-              <a:buNone/>
-            </a:pPr>
-            <a:endParaRPr lang="en-US" altLang="zh-CN" b="1" smtClean="0">
-              <a:ln>
-                <a:noFill/>
-              </a:ln>
-              <a:effectLst/>
-              <a:latin typeface="Arial Bold" panose="020B0604020202090204" charset="0"/>
-              <a:ea typeface="SimSun" pitchFamily="2" charset="-122"/>
-              <a:cs typeface="Arial Bold" panose="020B0604020202090204" charset="0"/>
-              <a:sym typeface="+mn-ea"/>
-            </a:endParaRPr>
-          </a:p>
-          <a:p>
-            <a:pPr marR="0" indent="0" algn="l" defTabSz="914400" rtl="0" eaLnBrk="1" fontAlgn="base" latinLnBrk="0" hangingPunct="1">
-              <a:lnSpc>
-                <a:spcPct val="100000"/>
-              </a:lnSpc>
-              <a:spcBef>
-                <a:spcPct val="0"/>
-              </a:spcBef>
-              <a:spcAft>
-                <a:spcPct val="0"/>
-              </a:spcAft>
-              <a:buClrTx/>
-              <a:buSzTx/>
-              <a:buNone/>
-            </a:pPr>
             <a:r>
               <a:rPr lang="en-US" altLang="zh-CN" b="1" smtClean="0">
                 <a:ln>
@@ -4099,6 +4032,13 @@
   <p:clrMapOvr>
     <a:masterClrMapping/>
   </p:clrMapOvr>
+  <p:timing>
+    <p:tnLst>
+      <p:par>
+        <p:cTn id="1" dur="indefinite" restart="never" nodeType="tmRoot"/>
+      </p:par>
+    </p:tnLst>
+  </p:timing>
 </p:sld>
 </file>
 
@@ -4111,7 +4051,14 @@
         <p:cNvGrpSpPr/>
         <p:nvPr/>
       </p:nvGrpSpPr>
-      <p:grpSpPr/>
+      <p:grpSpPr>
+        <a:xfrm>
+          <a:off x="0" y="0"/>
+          <a:ext cx="0" cy="0"/>
+          <a:chOff x="0" y="0"/>
+          <a:chExt cx="0" cy="0"/>
+        </a:xfrm>
+      </p:grpSpPr>
       <p:sp>
         <p:nvSpPr>
           <p:cNvPr id="2" name="Title 1"/>
@@ -4125,12 +4072,12 @@
         <p:spPr/>
         <p:txBody>
           <a:bodyPr/>
+          <a:lstStyle/>
           <a:p>
             <a:r>
               <a:rPr lang="en-US"/>
               <a:t>ADVANCE JAVASCRIPT</a:t>
             </a:r>
-            <a:endParaRPr lang="en-US"/>
           </a:p>
         </p:txBody>
       </p:sp>
@@ -4154,6 +4101,7 @@
           <a:bodyPr wrap="none" rtlCol="0">
             <a:spAutoFit/>
           </a:bodyPr>
+          <a:lstStyle/>
           <a:p>
             <a:r>
               <a:rPr lang="en-US" b="1">
@@ -4162,10 +4110,6 @@
               </a:rPr>
               <a:t>OBJECT : DEFINING METHOD IN OBJECT</a:t>
             </a:r>
-            <a:endParaRPr lang="en-US" b="1">
-              <a:latin typeface="Arial Bold" panose="020B0604020202090204" charset="0"/>
-              <a:cs typeface="Arial Bold" panose="020B0604020202090204" charset="0"/>
-            </a:endParaRPr>
           </a:p>
         </p:txBody>
       </p:sp>
@@ -4208,6 +4152,7 @@
         </p:spPr>
         <p:txBody>
           <a:bodyPr vert="horz" wrap="none" lIns="91440" tIns="45720" rIns="91440" bIns="45720" numCol="1" anchor="t" anchorCtr="0" compatLnSpc="1"/>
+          <a:lstStyle/>
           <a:p>
             <a:pPr marR="0" indent="0" algn="l" defTabSz="914400" rtl="0" eaLnBrk="1" fontAlgn="base" latinLnBrk="0" hangingPunct="1">
               <a:lnSpc>
@@ -4236,16 +4181,6 @@
               </a:rPr>
               <a:t>Method is just a function, when its defined within an object as its elements, we call it as method</a:t>
             </a:r>
-            <a:endParaRPr lang="en-US" altLang="zh-CN" smtClean="0">
-              <a:ln>
-                <a:noFill/>
-              </a:ln>
-              <a:effectLst/>
-              <a:latin typeface="Arial Bold" panose="020B0604020202090204" charset="0"/>
-              <a:ea typeface="SimSun" pitchFamily="2" charset="-122"/>
-              <a:cs typeface="Arial Bold" panose="020B0604020202090204" charset="0"/>
-              <a:sym typeface="+mn-ea"/>
-            </a:endParaRPr>
           </a:p>
           <a:p>
             <a:pPr marR="0" indent="0" algn="l" defTabSz="914400" rtl="0" eaLnBrk="1" fontAlgn="base" latinLnBrk="0" hangingPunct="1">
@@ -4363,18 +4298,6 @@
               </a:rPr>
               <a:t> </a:t>
             </a:r>
-            <a:endParaRPr kumimoji="0" lang="en-US" altLang="zh-CN" sz="1800" i="0" u="none" strike="noStrike" cap="none" normalizeH="0" baseline="0" smtClean="0">
-              <a:ln>
-                <a:noFill/>
-              </a:ln>
-              <a:solidFill>
-                <a:schemeClr val="tx1"/>
-              </a:solidFill>
-              <a:effectLst/>
-              <a:latin typeface="Arial" panose="020B0604020202090204" pitchFamily="34" charset="0"/>
-              <a:ea typeface="SimSun" pitchFamily="2" charset="-122"/>
-              <a:cs typeface="Arial" panose="020B0604020202090204" pitchFamily="34" charset="0"/>
-            </a:endParaRPr>
           </a:p>
           <a:p>
             <a:pPr marR="0" indent="0" algn="l" defTabSz="914400" rtl="0" eaLnBrk="1" fontAlgn="base" latinLnBrk="0" hangingPunct="1">
@@ -4421,18 +4344,6 @@
               </a:rPr>
               <a:t>super</a:t>
             </a:r>
-            <a:endParaRPr kumimoji="0" lang="en-US" altLang="zh-CN" sz="1800" b="1" i="0" u="none" strike="noStrike" cap="none" normalizeH="0" baseline="0" smtClean="0">
-              <a:ln>
-                <a:noFill/>
-              </a:ln>
-              <a:solidFill>
-                <a:schemeClr val="tx1"/>
-              </a:solidFill>
-              <a:effectLst/>
-              <a:latin typeface="Arial Bold" panose="020B0604020202090204" charset="0"/>
-              <a:ea typeface="SimSun" pitchFamily="2" charset="-122"/>
-              <a:cs typeface="Arial Bold" panose="020B0604020202090204" charset="0"/>
-            </a:endParaRPr>
           </a:p>
         </p:txBody>
       </p:sp>
@@ -4472,6 +4383,7 @@
         </p:spPr>
         <p:txBody>
           <a:bodyPr vert="horz" wrap="none" lIns="91440" tIns="45720" rIns="91440" bIns="45720" numCol="1" anchor="t" anchorCtr="0" compatLnSpc="1"/>
+          <a:lstStyle/>
           <a:p>
             <a:pPr marR="0" indent="0" algn="l" defTabSz="914400" rtl="0" eaLnBrk="1" fontAlgn="base" latinLnBrk="0" hangingPunct="1">
               <a:lnSpc>
@@ -4542,6 +4454,22 @@
               </a:rPr>
               <a:t>= {</a:t>
             </a:r>
+          </a:p>
+          <a:p>
+            <a:pPr marR="0" indent="0" algn="l" defTabSz="914400" rtl="0" eaLnBrk="1" fontAlgn="base" latinLnBrk="0" hangingPunct="1">
+              <a:lnSpc>
+                <a:spcPct val="100000"/>
+              </a:lnSpc>
+              <a:spcBef>
+                <a:spcPct val="0"/>
+              </a:spcBef>
+              <a:spcAft>
+                <a:spcPct val="0"/>
+              </a:spcAft>
+              <a:buClrTx/>
+              <a:buSzTx/>
+              <a:buNone/>
+            </a:pPr>
             <a:endParaRPr lang="en-US" altLang="zh-CN" smtClean="0">
               <a:ln>
                 <a:noFill/>
@@ -4554,32 +4482,6 @@
             </a:endParaRPr>
           </a:p>
           <a:p>
-            <a:pPr marR="0" indent="0" algn="l" defTabSz="914400" rtl="0" eaLnBrk="1" fontAlgn="base" latinLnBrk="0" hangingPunct="1">
-              <a:lnSpc>
-                <a:spcPct val="100000"/>
-              </a:lnSpc>
-              <a:spcBef>
-                <a:spcPct val="0"/>
-              </a:spcBef>
-              <a:spcAft>
-                <a:spcPct val="0"/>
-              </a:spcAft>
-              <a:buClrTx/>
-              <a:buSzTx/>
-              <a:buNone/>
-            </a:pPr>
-            <a:endParaRPr lang="en-US" altLang="zh-CN" smtClean="0">
-              <a:ln>
-                <a:noFill/>
-              </a:ln>
-              <a:effectLst/>
-              <a:latin typeface="Arial" panose="020B0604020202090204" pitchFamily="34" charset="0"/>
-              <a:ea typeface="SimSun" pitchFamily="2" charset="-122"/>
-              <a:cs typeface="Arial" panose="020B0604020202090204" pitchFamily="34" charset="0"/>
-              <a:sym typeface="+mn-ea"/>
-            </a:endParaRPr>
-          </a:p>
-          <a:p>
             <a:pPr marL="171450" marR="0" indent="-33020" algn="l" defTabSz="914400" rtl="0" eaLnBrk="1" fontAlgn="base" latinLnBrk="0" hangingPunct="1">
               <a:lnSpc>
                 <a:spcPct val="100000"/>
@@ -4620,16 +4522,6 @@
               </a:rPr>
               <a:t>[field_method]:function(</a:t>
             </a:r>
-            <a:endParaRPr lang="en-US" altLang="zh-CN" b="1" smtClean="0">
-              <a:ln>
-                <a:noFill/>
-              </a:ln>
-              <a:effectLst/>
-              <a:latin typeface="Arial Bold" panose="020B0604020202090204" charset="0"/>
-              <a:ea typeface="SimSun" pitchFamily="2" charset="-122"/>
-              <a:cs typeface="Arial Bold" panose="020B0604020202090204" charset="0"/>
-              <a:sym typeface="+mn-ea"/>
-            </a:endParaRPr>
           </a:p>
           <a:p>
             <a:pPr marL="171450" marR="0" indent="-33020" algn="l" defTabSz="914400" rtl="0" eaLnBrk="1" fontAlgn="base" latinLnBrk="0" hangingPunct="1">
@@ -4659,16 +4551,6 @@
               </a:rPr>
               <a:t>    param1, param2, param3,</a:t>
             </a:r>
-            <a:endParaRPr lang="en-US" altLang="zh-CN" b="1" smtClean="0">
-              <a:ln>
-                <a:noFill/>
-              </a:ln>
-              <a:effectLst/>
-              <a:latin typeface="Arial Bold" panose="020B0604020202090204" charset="0"/>
-              <a:ea typeface="SimSun" pitchFamily="2" charset="-122"/>
-              <a:cs typeface="Arial Bold" panose="020B0604020202090204" charset="0"/>
-              <a:sym typeface="+mn-ea"/>
-            </a:endParaRPr>
           </a:p>
           <a:p>
             <a:pPr marL="171450" marR="0" indent="-33020" algn="l" defTabSz="914400" rtl="0" eaLnBrk="1" fontAlgn="base" latinLnBrk="0" hangingPunct="1">
@@ -4698,16 +4580,6 @@
               </a:rPr>
               <a:t>    ..</a:t>
             </a:r>
-            <a:endParaRPr lang="en-US" altLang="zh-CN" b="1" smtClean="0">
-              <a:ln>
-                <a:noFill/>
-              </a:ln>
-              <a:effectLst/>
-              <a:latin typeface="Arial Bold" panose="020B0604020202090204" charset="0"/>
-              <a:ea typeface="SimSun" pitchFamily="2" charset="-122"/>
-              <a:cs typeface="Arial Bold" panose="020B0604020202090204" charset="0"/>
-              <a:sym typeface="+mn-ea"/>
-            </a:endParaRPr>
           </a:p>
           <a:p>
             <a:pPr marL="171450" marR="0" indent="-33020" algn="l" defTabSz="914400" rtl="0" eaLnBrk="1" fontAlgn="base" latinLnBrk="0" hangingPunct="1">
@@ -4737,16 +4609,6 @@
               </a:rPr>
               <a:t> )   </a:t>
             </a:r>
-            <a:endParaRPr lang="en-US" altLang="zh-CN" b="1" smtClean="0">
-              <a:ln>
-                <a:noFill/>
-              </a:ln>
-              <a:effectLst/>
-              <a:latin typeface="Arial Bold" panose="020B0604020202090204" charset="0"/>
-              <a:ea typeface="SimSun" pitchFamily="2" charset="-122"/>
-              <a:cs typeface="Arial Bold" panose="020B0604020202090204" charset="0"/>
-              <a:sym typeface="+mn-ea"/>
-            </a:endParaRPr>
           </a:p>
           <a:p>
             <a:pPr marL="171450" marR="0" indent="-33020" algn="l" defTabSz="914400" rtl="0" eaLnBrk="1" fontAlgn="base" latinLnBrk="0" hangingPunct="1">
@@ -4776,16 +4638,6 @@
               </a:rPr>
               <a:t>{</a:t>
             </a:r>
-            <a:endParaRPr lang="en-US" altLang="zh-CN" b="1" smtClean="0">
-              <a:ln>
-                <a:noFill/>
-              </a:ln>
-              <a:effectLst/>
-              <a:latin typeface="Arial Bold" panose="020B0604020202090204" charset="0"/>
-              <a:ea typeface="SimSun" pitchFamily="2" charset="-122"/>
-              <a:cs typeface="Arial Bold" panose="020B0604020202090204" charset="0"/>
-              <a:sym typeface="+mn-ea"/>
-            </a:endParaRPr>
           </a:p>
           <a:p>
             <a:pPr marL="171450" marR="0" indent="-33020" algn="l" defTabSz="914400" rtl="0" eaLnBrk="1" fontAlgn="base" latinLnBrk="0" hangingPunct="1">
@@ -4815,16 +4667,6 @@
               </a:rPr>
               <a:t>    ......</a:t>
             </a:r>
-            <a:endParaRPr lang="en-US" altLang="zh-CN" b="1" smtClean="0">
-              <a:ln>
-                <a:noFill/>
-              </a:ln>
-              <a:effectLst/>
-              <a:latin typeface="Arial Bold" panose="020B0604020202090204" charset="0"/>
-              <a:ea typeface="SimSun" pitchFamily="2" charset="-122"/>
-              <a:cs typeface="Arial Bold" panose="020B0604020202090204" charset="0"/>
-              <a:sym typeface="+mn-ea"/>
-            </a:endParaRPr>
           </a:p>
           <a:p>
             <a:pPr marL="171450" marR="0" indent="-33020" algn="l" defTabSz="914400" rtl="0" eaLnBrk="1" fontAlgn="base" latinLnBrk="0" hangingPunct="1">
@@ -4854,16 +4696,6 @@
               </a:rPr>
               <a:t>    return ...</a:t>
             </a:r>
-            <a:endParaRPr lang="en-US" altLang="zh-CN" b="1" smtClean="0">
-              <a:ln>
-                <a:noFill/>
-              </a:ln>
-              <a:effectLst/>
-              <a:latin typeface="Arial Bold" panose="020B0604020202090204" charset="0"/>
-              <a:ea typeface="SimSun" pitchFamily="2" charset="-122"/>
-              <a:cs typeface="Arial Bold" panose="020B0604020202090204" charset="0"/>
-              <a:sym typeface="+mn-ea"/>
-            </a:endParaRPr>
           </a:p>
           <a:p>
             <a:pPr marL="171450" marR="0" indent="-33020" algn="l" defTabSz="914400" rtl="0" eaLnBrk="1" fontAlgn="base" latinLnBrk="0" hangingPunct="1">
@@ -4893,16 +4725,6 @@
               </a:rPr>
               <a:t>}</a:t>
             </a:r>
-            <a:endParaRPr lang="en-US" altLang="zh-CN" b="1" smtClean="0">
-              <a:ln>
-                <a:noFill/>
-              </a:ln>
-              <a:effectLst/>
-              <a:latin typeface="Arial Bold" panose="020B0604020202090204" charset="0"/>
-              <a:ea typeface="SimSun" pitchFamily="2" charset="-122"/>
-              <a:cs typeface="Arial Bold" panose="020B0604020202090204" charset="0"/>
-              <a:sym typeface="+mn-ea"/>
-            </a:endParaRPr>
           </a:p>
           <a:p>
             <a:pPr marR="0" indent="0" algn="l" defTabSz="914400" rtl="0" eaLnBrk="1" fontAlgn="base" latinLnBrk="0" hangingPunct="1">
@@ -4964,19 +4786,6 @@
               </a:rPr>
               <a:t>}</a:t>
             </a:r>
-            <a:endParaRPr kumimoji="0" lang="en-US" altLang="zh-CN" sz="1800" i="0" u="none" strike="noStrike" cap="none" normalizeH="0" baseline="0" smtClean="0">
-              <a:ln>
-                <a:noFill/>
-              </a:ln>
-              <a:solidFill>
-                <a:schemeClr val="tx1"/>
-              </a:solidFill>
-              <a:effectLst/>
-              <a:latin typeface="Arial" panose="020B0604020202090204" pitchFamily="34" charset="0"/>
-              <a:ea typeface="SimSun" pitchFamily="2" charset="-122"/>
-              <a:cs typeface="Arial" panose="020B0604020202090204" pitchFamily="34" charset="0"/>
-              <a:sym typeface="+mn-ea"/>
-            </a:endParaRPr>
           </a:p>
           <a:p>
             <a:pPr marR="0" indent="0" algn="l" defTabSz="914400" rtl="0" eaLnBrk="1" fontAlgn="base" latinLnBrk="0" hangingPunct="1">
@@ -5045,6 +4854,7 @@
         </p:spPr>
         <p:txBody>
           <a:bodyPr vert="horz" wrap="none" lIns="91440" tIns="45720" rIns="91440" bIns="45720" numCol="1" anchor="t" anchorCtr="0" compatLnSpc="1"/>
+          <a:lstStyle/>
           <a:p>
             <a:pPr marR="0" indent="0" algn="l" defTabSz="914400" rtl="0" eaLnBrk="1" fontAlgn="base" latinLnBrk="0" hangingPunct="1">
               <a:lnSpc>
@@ -5073,16 +4883,6 @@
               </a:rPr>
               <a:t>class className {</a:t>
             </a:r>
-            <a:endParaRPr lang="en-US" altLang="zh-CN" smtClean="0">
-              <a:ln>
-                <a:noFill/>
-              </a:ln>
-              <a:effectLst/>
-              <a:latin typeface="Arial" panose="020B0604020202090204" pitchFamily="34" charset="0"/>
-              <a:ea typeface="SimSun" pitchFamily="2" charset="-122"/>
-              <a:cs typeface="Arial" panose="020B0604020202090204" pitchFamily="34" charset="0"/>
-              <a:sym typeface="+mn-ea"/>
-            </a:endParaRPr>
           </a:p>
           <a:p>
             <a:pPr marR="0" indent="0" algn="l" defTabSz="914400" rtl="0" eaLnBrk="1" fontAlgn="base" latinLnBrk="0" hangingPunct="1">
@@ -5125,16 +4925,6 @@
               </a:rPr>
               <a:t>[field_method](</a:t>
             </a:r>
-            <a:endParaRPr lang="en-US" altLang="zh-CN" b="1" smtClean="0">
-              <a:ln>
-                <a:noFill/>
-              </a:ln>
-              <a:effectLst/>
-              <a:latin typeface="Arial Bold" panose="020B0604020202090204" charset="0"/>
-              <a:ea typeface="SimSun" pitchFamily="2" charset="-122"/>
-              <a:cs typeface="Arial Bold" panose="020B0604020202090204" charset="0"/>
-              <a:sym typeface="+mn-ea"/>
-            </a:endParaRPr>
           </a:p>
           <a:p>
             <a:pPr marR="0" indent="0" algn="l" defTabSz="914400" rtl="0" eaLnBrk="1" fontAlgn="base" latinLnBrk="0" hangingPunct="1">
@@ -5164,16 +4954,6 @@
               </a:rPr>
               <a:t>        param1, param2, param3, ...</a:t>
             </a:r>
-            <a:endParaRPr lang="en-US" altLang="zh-CN" b="1" smtClean="0">
-              <a:ln>
-                <a:noFill/>
-              </a:ln>
-              <a:effectLst/>
-              <a:latin typeface="Arial Bold" panose="020B0604020202090204" charset="0"/>
-              <a:ea typeface="SimSun" pitchFamily="2" charset="-122"/>
-              <a:cs typeface="Arial Bold" panose="020B0604020202090204" charset="0"/>
-              <a:sym typeface="+mn-ea"/>
-            </a:endParaRPr>
           </a:p>
           <a:p>
             <a:pPr marR="0" indent="0" algn="l" defTabSz="914400" rtl="0" eaLnBrk="1" fontAlgn="base" latinLnBrk="0" hangingPunct="1">
@@ -5203,16 +4983,6 @@
               </a:rPr>
               <a:t>    ) </a:t>
             </a:r>
-            <a:endParaRPr lang="en-US" altLang="zh-CN" b="1" smtClean="0">
-              <a:ln>
-                <a:noFill/>
-              </a:ln>
-              <a:effectLst/>
-              <a:latin typeface="Arial Bold" panose="020B0604020202090204" charset="0"/>
-              <a:ea typeface="SimSun" pitchFamily="2" charset="-122"/>
-              <a:cs typeface="Arial Bold" panose="020B0604020202090204" charset="0"/>
-              <a:sym typeface="+mn-ea"/>
-            </a:endParaRPr>
           </a:p>
           <a:p>
             <a:pPr marR="0" indent="0" algn="l" defTabSz="914400" rtl="0" eaLnBrk="1" fontAlgn="base" latinLnBrk="0" hangingPunct="1">
@@ -5242,16 +5012,6 @@
               </a:rPr>
               <a:t>    {</a:t>
             </a:r>
-            <a:endParaRPr lang="en-US" altLang="zh-CN" b="1" smtClean="0">
-              <a:ln>
-                <a:noFill/>
-              </a:ln>
-              <a:effectLst/>
-              <a:latin typeface="Arial Bold" panose="020B0604020202090204" charset="0"/>
-              <a:ea typeface="SimSun" pitchFamily="2" charset="-122"/>
-              <a:cs typeface="Arial Bold" panose="020B0604020202090204" charset="0"/>
-              <a:sym typeface="+mn-ea"/>
-            </a:endParaRPr>
           </a:p>
           <a:p>
             <a:pPr marR="0" indent="0" algn="l" defTabSz="914400" rtl="0" eaLnBrk="1" fontAlgn="base" latinLnBrk="0" hangingPunct="1">
@@ -5281,16 +5041,6 @@
               </a:rPr>
               <a:t>       .....</a:t>
             </a:r>
-            <a:endParaRPr lang="en-US" altLang="zh-CN" b="1" smtClean="0">
-              <a:ln>
-                <a:noFill/>
-              </a:ln>
-              <a:effectLst/>
-              <a:latin typeface="Arial Bold" panose="020B0604020202090204" charset="0"/>
-              <a:ea typeface="SimSun" pitchFamily="2" charset="-122"/>
-              <a:cs typeface="Arial Bold" panose="020B0604020202090204" charset="0"/>
-              <a:sym typeface="+mn-ea"/>
-            </a:endParaRPr>
           </a:p>
           <a:p>
             <a:pPr marR="0" indent="0" algn="l" defTabSz="914400" rtl="0" eaLnBrk="1" fontAlgn="base" latinLnBrk="0" hangingPunct="1">
@@ -5320,16 +5070,6 @@
               </a:rPr>
               <a:t>       return ...</a:t>
             </a:r>
-            <a:endParaRPr lang="en-US" altLang="zh-CN" b="1" smtClean="0">
-              <a:ln>
-                <a:noFill/>
-              </a:ln>
-              <a:effectLst/>
-              <a:latin typeface="Arial Bold" panose="020B0604020202090204" charset="0"/>
-              <a:ea typeface="SimSun" pitchFamily="2" charset="-122"/>
-              <a:cs typeface="Arial Bold" panose="020B0604020202090204" charset="0"/>
-              <a:sym typeface="+mn-ea"/>
-            </a:endParaRPr>
           </a:p>
           <a:p>
             <a:pPr marR="0" indent="0" algn="l" defTabSz="914400" rtl="0" eaLnBrk="1" fontAlgn="base" latinLnBrk="0" hangingPunct="1">
@@ -5359,16 +5099,6 @@
               </a:rPr>
               <a:t>    }</a:t>
             </a:r>
-            <a:endParaRPr lang="en-US" altLang="zh-CN" b="1" smtClean="0">
-              <a:ln>
-                <a:noFill/>
-              </a:ln>
-              <a:effectLst/>
-              <a:latin typeface="Arial Bold" panose="020B0604020202090204" charset="0"/>
-              <a:ea typeface="SimSun" pitchFamily="2" charset="-122"/>
-              <a:cs typeface="Arial Bold" panose="020B0604020202090204" charset="0"/>
-              <a:sym typeface="+mn-ea"/>
-            </a:endParaRPr>
           </a:p>
           <a:p>
             <a:pPr marR="0" indent="0" algn="l" defTabSz="914400" rtl="0" eaLnBrk="1" fontAlgn="base" latinLnBrk="0" hangingPunct="1">
@@ -5534,6 +5264,7 @@
         </p:spPr>
         <p:txBody>
           <a:bodyPr vert="horz" wrap="none" lIns="91440" tIns="45720" rIns="91440" bIns="45720" numCol="1" anchor="t" anchorCtr="0" compatLnSpc="1"/>
+          <a:lstStyle/>
           <a:p>
             <a:pPr marR="0" indent="0" algn="l" defTabSz="914400" rtl="0" eaLnBrk="1" fontAlgn="base" latinLnBrk="0" hangingPunct="1">
               <a:lnSpc>
@@ -5562,16 +5293,6 @@
               </a:rPr>
               <a:t>function [className]([</a:t>
             </a:r>
-            <a:endParaRPr lang="en-US" altLang="zh-CN" smtClean="0">
-              <a:ln>
-                <a:noFill/>
-              </a:ln>
-              <a:effectLst/>
-              <a:latin typeface="Arial" panose="020B0604020202090204" pitchFamily="34" charset="0"/>
-              <a:ea typeface="SimSun" pitchFamily="2" charset="-122"/>
-              <a:cs typeface="Arial" panose="020B0604020202090204" pitchFamily="34" charset="0"/>
-              <a:sym typeface="+mn-ea"/>
-            </a:endParaRPr>
           </a:p>
           <a:p>
             <a:pPr marR="0" indent="0" algn="l" defTabSz="914400" rtl="0" eaLnBrk="1" fontAlgn="base" latinLnBrk="0" hangingPunct="1">
@@ -5601,16 +5322,6 @@
               </a:rPr>
               <a:t>   param1, param2, ...]</a:t>
             </a:r>
-            <a:endParaRPr lang="en-US" altLang="zh-CN" smtClean="0">
-              <a:ln>
-                <a:noFill/>
-              </a:ln>
-              <a:effectLst/>
-              <a:latin typeface="Arial" panose="020B0604020202090204" pitchFamily="34" charset="0"/>
-              <a:ea typeface="SimSun" pitchFamily="2" charset="-122"/>
-              <a:cs typeface="Arial" panose="020B0604020202090204" pitchFamily="34" charset="0"/>
-              <a:sym typeface="+mn-ea"/>
-            </a:endParaRPr>
           </a:p>
           <a:p>
             <a:pPr marR="0" indent="0" algn="l" defTabSz="914400" rtl="0" eaLnBrk="1" fontAlgn="base" latinLnBrk="0" hangingPunct="1">
@@ -5643,19 +5354,6 @@
               </a:rPr>
               <a:t>  </a:t>
             </a:r>
-            <a:endParaRPr lang="en-US" altLang="zh-CN" smtClean="0">
-              <a:ln>
-                <a:noFill/>
-              </a:ln>
-              <a:solidFill>
-                <a:srgbClr val="FF0000"/>
-              </a:solidFill>
-              <a:effectLst/>
-              <a:latin typeface="Arial" panose="020B0604020202090204" pitchFamily="34" charset="0"/>
-              <a:ea typeface="SimSun" pitchFamily="2" charset="-122"/>
-              <a:cs typeface="Arial" panose="020B0604020202090204" pitchFamily="34" charset="0"/>
-              <a:sym typeface="+mn-ea"/>
-            </a:endParaRPr>
           </a:p>
           <a:p>
             <a:pPr marR="0" indent="0" algn="l" defTabSz="914400" rtl="0" eaLnBrk="1" fontAlgn="base" latinLnBrk="0" hangingPunct="1">
@@ -5805,16 +5503,6 @@
               </a:rPr>
               <a:t>}</a:t>
             </a:r>
-            <a:endParaRPr lang="en-US" altLang="zh-CN" smtClean="0">
-              <a:ln>
-                <a:noFill/>
-              </a:ln>
-              <a:effectLst/>
-              <a:latin typeface="Arial" panose="020B0604020202090204" pitchFamily="34" charset="0"/>
-              <a:ea typeface="SimSun" pitchFamily="2" charset="-122"/>
-              <a:cs typeface="Arial" panose="020B0604020202090204" pitchFamily="34" charset="0"/>
-              <a:sym typeface="+mn-ea"/>
-            </a:endParaRPr>
           </a:p>
           <a:p>
             <a:pPr marR="0" indent="0" algn="l" defTabSz="914400" rtl="0" eaLnBrk="1" fontAlgn="base" latinLnBrk="0" hangingPunct="1">
@@ -5961,7 +5649,14 @@
         <p:cNvGrpSpPr/>
         <p:nvPr/>
       </p:nvGrpSpPr>
-      <p:grpSpPr/>
+      <p:grpSpPr>
+        <a:xfrm>
+          <a:off x="0" y="0"/>
+          <a:ext cx="0" cy="0"/>
+          <a:chOff x="0" y="0"/>
+          <a:chExt cx="0" cy="0"/>
+        </a:xfrm>
+      </p:grpSpPr>
       <p:sp>
         <p:nvSpPr>
           <p:cNvPr id="2" name="Title 1"/>
@@ -5975,12 +5670,12 @@
         <p:spPr/>
         <p:txBody>
           <a:bodyPr/>
+          <a:lstStyle/>
           <a:p>
             <a:r>
               <a:rPr lang="en-US"/>
               <a:t>ADVANCE JAVASCRIPT</a:t>
             </a:r>
-            <a:endParaRPr lang="en-US"/>
           </a:p>
         </p:txBody>
       </p:sp>
@@ -6004,6 +5699,7 @@
           <a:bodyPr wrap="none" rtlCol="0">
             <a:spAutoFit/>
           </a:bodyPr>
+          <a:lstStyle/>
           <a:p>
             <a:r>
               <a:rPr lang="en-US" b="1">
@@ -6012,10 +5708,6 @@
               </a:rPr>
               <a:t>VARIABLES</a:t>
             </a:r>
-            <a:endParaRPr lang="en-US" b="1">
-              <a:latin typeface="Arial Bold" panose="020B0604020202090204" charset="0"/>
-              <a:cs typeface="Arial Bold" panose="020B0604020202090204" charset="0"/>
-            </a:endParaRPr>
           </a:p>
         </p:txBody>
       </p:sp>
@@ -6058,6 +5750,7 @@
         </p:spPr>
         <p:txBody>
           <a:bodyPr vert="horz" wrap="none" lIns="91440" tIns="45720" rIns="91440" bIns="45720" numCol="1" anchor="ctr" anchorCtr="0" compatLnSpc="1"/>
+          <a:lstStyle/>
           <a:p>
             <a:pPr marL="0" marR="0" indent="0" algn="l" defTabSz="914400" rtl="0" eaLnBrk="1" fontAlgn="base" latinLnBrk="0" hangingPunct="1">
               <a:lnSpc>
@@ -6089,18 +5782,6 @@
               </a:rPr>
               <a:t>let | var | const</a:t>
             </a:r>
-            <a:endParaRPr kumimoji="0" lang="en-US" altLang="zh-CN" sz="1800" b="1" i="0" u="none" strike="noStrike" cap="none" normalizeH="0" baseline="0" smtClean="0">
-              <a:ln>
-                <a:noFill/>
-              </a:ln>
-              <a:solidFill>
-                <a:schemeClr val="tx1"/>
-              </a:solidFill>
-              <a:effectLst/>
-              <a:latin typeface="Arial Bold" panose="020B0604020202090204" charset="0"/>
-              <a:ea typeface="SimSun" pitchFamily="2" charset="-122"/>
-              <a:cs typeface="Arial Bold" panose="020B0604020202090204" charset="0"/>
-            </a:endParaRPr>
           </a:p>
         </p:txBody>
       </p:sp>
@@ -6143,6 +5824,7 @@
         </p:spPr>
         <p:txBody>
           <a:bodyPr vert="horz" wrap="none" lIns="91440" tIns="45720" rIns="91440" bIns="45720" numCol="1" anchor="ctr" anchorCtr="0" compatLnSpc="1"/>
+          <a:lstStyle/>
           <a:p>
             <a:pPr marL="0" marR="0" indent="0" algn="l" defTabSz="914400" rtl="0" eaLnBrk="1" fontAlgn="base" latinLnBrk="0" hangingPunct="1">
               <a:lnSpc>
@@ -6174,18 +5856,6 @@
               </a:rPr>
               <a:t>[variable_name]</a:t>
             </a:r>
-            <a:endParaRPr kumimoji="0" lang="en-US" altLang="zh-CN" sz="1800" b="1" i="0" u="none" strike="noStrike" cap="none" normalizeH="0" baseline="0" smtClean="0">
-              <a:ln>
-                <a:noFill/>
-              </a:ln>
-              <a:solidFill>
-                <a:schemeClr val="tx1"/>
-              </a:solidFill>
-              <a:effectLst/>
-              <a:latin typeface="Arial Bold" panose="020B0604020202090204" charset="0"/>
-              <a:ea typeface="SimSun" pitchFamily="2" charset="-122"/>
-              <a:cs typeface="Arial Bold" panose="020B0604020202090204" charset="0"/>
-            </a:endParaRPr>
           </a:p>
         </p:txBody>
       </p:sp>
@@ -6228,6 +5898,7 @@
         </p:spPr>
         <p:txBody>
           <a:bodyPr vert="horz" wrap="none" lIns="91440" tIns="45720" rIns="91440" bIns="45720" numCol="1" anchor="ctr" anchorCtr="0" compatLnSpc="1"/>
+          <a:lstStyle/>
           <a:p>
             <a:pPr marL="0" marR="0" indent="0" algn="l" defTabSz="914400" rtl="0" eaLnBrk="1" fontAlgn="base" latinLnBrk="0" hangingPunct="1">
               <a:lnSpc>
@@ -6259,18 +5930,6 @@
               </a:rPr>
               <a:t>[operator]</a:t>
             </a:r>
-            <a:endParaRPr kumimoji="0" lang="en-US" altLang="zh-CN" sz="1800" b="1" i="0" u="none" strike="noStrike" cap="none" normalizeH="0" baseline="0" smtClean="0">
-              <a:ln>
-                <a:noFill/>
-              </a:ln>
-              <a:solidFill>
-                <a:schemeClr val="tx1"/>
-              </a:solidFill>
-              <a:effectLst/>
-              <a:latin typeface="Arial Bold" panose="020B0604020202090204" charset="0"/>
-              <a:ea typeface="SimSun" pitchFamily="2" charset="-122"/>
-              <a:cs typeface="Arial Bold" panose="020B0604020202090204" charset="0"/>
-            </a:endParaRPr>
           </a:p>
         </p:txBody>
       </p:sp>
@@ -6313,6 +5972,7 @@
         </p:spPr>
         <p:txBody>
           <a:bodyPr vert="horz" wrap="none" lIns="91440" tIns="45720" rIns="91440" bIns="45720" numCol="1" anchor="ctr" anchorCtr="0" compatLnSpc="1"/>
+          <a:lstStyle/>
           <a:p>
             <a:pPr marL="0" marR="0" indent="0" algn="l" defTabSz="914400" rtl="0" eaLnBrk="1" fontAlgn="base" latinLnBrk="0" hangingPunct="1">
               <a:lnSpc>
@@ -6344,18 +6004,6 @@
               </a:rPr>
               <a:t>[value |  statement]</a:t>
             </a:r>
-            <a:endParaRPr kumimoji="0" lang="en-US" altLang="zh-CN" sz="1800" b="1" i="0" u="none" strike="noStrike" cap="none" normalizeH="0" baseline="0" smtClean="0">
-              <a:ln>
-                <a:noFill/>
-              </a:ln>
-              <a:solidFill>
-                <a:schemeClr val="tx1"/>
-              </a:solidFill>
-              <a:effectLst/>
-              <a:latin typeface="Arial Bold" panose="020B0604020202090204" charset="0"/>
-              <a:ea typeface="SimSun" pitchFamily="2" charset="-122"/>
-              <a:cs typeface="Arial Bold" panose="020B0604020202090204" charset="0"/>
-            </a:endParaRPr>
           </a:p>
         </p:txBody>
       </p:sp>
@@ -6398,6 +6046,7 @@
         </p:spPr>
         <p:txBody>
           <a:bodyPr vert="horz" wrap="none" lIns="91440" tIns="45720" rIns="91440" bIns="45720" numCol="1" anchor="ctr" anchorCtr="0" compatLnSpc="1"/>
+          <a:lstStyle/>
           <a:p>
             <a:pPr marL="0" marR="0" indent="0" algn="l" defTabSz="914400" rtl="0" eaLnBrk="1" fontAlgn="base" latinLnBrk="0" hangingPunct="1">
               <a:lnSpc>
@@ -6429,18 +6078,6 @@
               </a:rPr>
               <a:t>Example</a:t>
             </a:r>
-            <a:endParaRPr kumimoji="0" lang="en-US" altLang="zh-CN" sz="1800" b="1" i="0" u="none" strike="noStrike" cap="none" normalizeH="0" baseline="0" smtClean="0">
-              <a:ln>
-                <a:noFill/>
-              </a:ln>
-              <a:solidFill>
-                <a:schemeClr val="bg1"/>
-              </a:solidFill>
-              <a:effectLst/>
-              <a:latin typeface="Arial Bold" panose="020B0604020202090204" charset="0"/>
-              <a:ea typeface="SimSun" pitchFamily="2" charset="-122"/>
-              <a:cs typeface="Arial Bold" panose="020B0604020202090204" charset="0"/>
-            </a:endParaRPr>
           </a:p>
         </p:txBody>
       </p:sp>
@@ -6480,6 +6117,7 @@
         </p:spPr>
         <p:txBody>
           <a:bodyPr vert="horz" wrap="none" lIns="91440" tIns="45720" rIns="91440" bIns="45720" numCol="1" anchor="t" anchorCtr="0" compatLnSpc="1"/>
+          <a:lstStyle/>
           <a:p>
             <a:pPr marL="285750" marR="0" indent="-285750" algn="l" defTabSz="914400" rtl="0" eaLnBrk="1" fontAlgn="base" latinLnBrk="0" hangingPunct="1">
               <a:lnSpc>
@@ -6762,19 +6400,6 @@
               </a:rPr>
               <a:t>[1,2,3,4,5,6]</a:t>
             </a:r>
-            <a:endParaRPr lang="en-US" altLang="zh-CN" smtClean="0">
-              <a:ln>
-                <a:noFill/>
-              </a:ln>
-              <a:solidFill>
-                <a:srgbClr val="FF0000"/>
-              </a:solidFill>
-              <a:effectLst/>
-              <a:latin typeface="Arial" panose="020B0604020202090204" pitchFamily="34" charset="0"/>
-              <a:ea typeface="SimSun" pitchFamily="2" charset="-122"/>
-              <a:cs typeface="Arial" panose="020B0604020202090204" pitchFamily="34" charset="0"/>
-              <a:sym typeface="+mn-ea"/>
-            </a:endParaRPr>
           </a:p>
           <a:p>
             <a:pPr marL="285750" marR="0" indent="-285750" algn="l" defTabSz="914400" rtl="0" eaLnBrk="1" fontAlgn="base" latinLnBrk="0" hangingPunct="1">
@@ -6863,19 +6488,6 @@
               </a:rPr>
               <a:t>{id:'1', name:'bob'}</a:t>
             </a:r>
-            <a:endParaRPr lang="en-US" altLang="zh-CN" smtClean="0">
-              <a:ln>
-                <a:noFill/>
-              </a:ln>
-              <a:solidFill>
-                <a:srgbClr val="FF0000"/>
-              </a:solidFill>
-              <a:effectLst/>
-              <a:latin typeface="Arial" panose="020B0604020202090204" pitchFamily="34" charset="0"/>
-              <a:ea typeface="SimSun" pitchFamily="2" charset="-122"/>
-              <a:cs typeface="Arial" panose="020B0604020202090204" pitchFamily="34" charset="0"/>
-              <a:sym typeface="+mn-ea"/>
-            </a:endParaRPr>
           </a:p>
           <a:p>
             <a:pPr marL="285750" marR="0" indent="-285750" algn="l" defTabSz="914400" rtl="0" eaLnBrk="1" fontAlgn="base" latinLnBrk="0" hangingPunct="1">
@@ -6964,19 +6576,6 @@
               </a:rPr>
               <a:t>function() { ...... } </a:t>
             </a:r>
-            <a:endParaRPr lang="en-US" altLang="zh-CN" smtClean="0">
-              <a:ln>
-                <a:noFill/>
-              </a:ln>
-              <a:solidFill>
-                <a:srgbClr val="FF0000"/>
-              </a:solidFill>
-              <a:effectLst/>
-              <a:latin typeface="Arial" panose="020B0604020202090204" pitchFamily="34" charset="0"/>
-              <a:ea typeface="SimSun" pitchFamily="2" charset="-122"/>
-              <a:cs typeface="Arial" panose="020B0604020202090204" pitchFamily="34" charset="0"/>
-              <a:sym typeface="+mn-ea"/>
-            </a:endParaRPr>
           </a:p>
           <a:p>
             <a:pPr marL="285750" marR="0" indent="-285750" algn="l" defTabSz="914400" rtl="0" eaLnBrk="1" fontAlgn="base" latinLnBrk="0" hangingPunct="1">
@@ -7065,19 +6664,6 @@
               </a:rPr>
               <a:t>(id,name) =&gt; { ....... }</a:t>
             </a:r>
-            <a:endParaRPr lang="en-US" altLang="zh-CN" smtClean="0">
-              <a:ln>
-                <a:noFill/>
-              </a:ln>
-              <a:solidFill>
-                <a:srgbClr val="FF0000"/>
-              </a:solidFill>
-              <a:effectLst/>
-              <a:latin typeface="Arial" panose="020B0604020202090204" pitchFamily="34" charset="0"/>
-              <a:ea typeface="SimSun" pitchFamily="2" charset="-122"/>
-              <a:cs typeface="Arial" panose="020B0604020202090204" pitchFamily="34" charset="0"/>
-              <a:sym typeface="+mn-ea"/>
-            </a:endParaRPr>
           </a:p>
           <a:p>
             <a:pPr marL="285750" marR="0" indent="-285750" algn="l" defTabSz="914400" rtl="0" eaLnBrk="1" fontAlgn="base" latinLnBrk="0" hangingPunct="1">
@@ -7166,19 +6752,6 @@
               </a:rPr>
               <a:t>myothervariable</a:t>
             </a:r>
-            <a:endParaRPr lang="en-US" altLang="zh-CN" smtClean="0">
-              <a:ln>
-                <a:noFill/>
-              </a:ln>
-              <a:solidFill>
-                <a:srgbClr val="002060"/>
-              </a:solidFill>
-              <a:effectLst/>
-              <a:latin typeface="Arial" panose="020B0604020202090204" pitchFamily="34" charset="0"/>
-              <a:ea typeface="SimSun" pitchFamily="2" charset="-122"/>
-              <a:cs typeface="Arial" panose="020B0604020202090204" pitchFamily="34" charset="0"/>
-              <a:sym typeface="+mn-ea"/>
-            </a:endParaRPr>
           </a:p>
           <a:p>
             <a:pPr marL="285750" marR="0" indent="-285750" algn="l" defTabSz="914400" rtl="0" eaLnBrk="1" fontAlgn="base" latinLnBrk="0" hangingPunct="1">
@@ -7360,7 +6933,14 @@
         <p:cNvGrpSpPr/>
         <p:nvPr/>
       </p:nvGrpSpPr>
-      <p:grpSpPr/>
+      <p:grpSpPr>
+        <a:xfrm>
+          <a:off x="0" y="0"/>
+          <a:ext cx="0" cy="0"/>
+          <a:chOff x="0" y="0"/>
+          <a:chExt cx="0" cy="0"/>
+        </a:xfrm>
+      </p:grpSpPr>
       <p:sp>
         <p:nvSpPr>
           <p:cNvPr id="2" name="Title 1"/>
@@ -7374,12 +6954,12 @@
         <p:spPr/>
         <p:txBody>
           <a:bodyPr/>
+          <a:lstStyle/>
           <a:p>
             <a:r>
               <a:rPr lang="en-US"/>
               <a:t>ADVANCE JAVASCRIPT</a:t>
             </a:r>
-            <a:endParaRPr lang="en-US"/>
           </a:p>
         </p:txBody>
       </p:sp>
@@ -7403,6 +6983,7 @@
           <a:bodyPr wrap="none" rtlCol="0">
             <a:spAutoFit/>
           </a:bodyPr>
+          <a:lstStyle/>
           <a:p>
             <a:r>
               <a:rPr lang="en-US" b="1">
@@ -7411,10 +6992,6 @@
               </a:rPr>
               <a:t>VARIABLES : assign array value to named variable</a:t>
             </a:r>
-            <a:endParaRPr lang="en-US" b="1">
-              <a:latin typeface="Arial Bold" panose="020B0604020202090204" charset="0"/>
-              <a:cs typeface="Arial Bold" panose="020B0604020202090204" charset="0"/>
-            </a:endParaRPr>
           </a:p>
         </p:txBody>
       </p:sp>
@@ -7457,6 +7034,7 @@
         </p:spPr>
         <p:txBody>
           <a:bodyPr vert="horz" wrap="none" lIns="91440" tIns="45720" rIns="91440" bIns="45720" numCol="1" anchor="ctr" anchorCtr="0" compatLnSpc="1"/>
+          <a:lstStyle/>
           <a:p>
             <a:pPr marL="0" marR="0" indent="0" algn="l" defTabSz="914400" rtl="0" eaLnBrk="1" fontAlgn="base" latinLnBrk="0" hangingPunct="1">
               <a:lnSpc>
@@ -7488,18 +7066,6 @@
               </a:rPr>
               <a:t>[named_var1, named_var2, ..]</a:t>
             </a:r>
-            <a:endParaRPr kumimoji="0" lang="en-US" altLang="zh-CN" sz="1800" b="1" i="0" u="none" strike="noStrike" cap="none" normalizeH="0" baseline="0" smtClean="0">
-              <a:ln>
-                <a:noFill/>
-              </a:ln>
-              <a:solidFill>
-                <a:schemeClr val="tx1"/>
-              </a:solidFill>
-              <a:effectLst/>
-              <a:latin typeface="Arial Bold" panose="020B0604020202090204" charset="0"/>
-              <a:ea typeface="SimSun" pitchFamily="2" charset="-122"/>
-              <a:cs typeface="Arial Bold" panose="020B0604020202090204" charset="0"/>
-            </a:endParaRPr>
           </a:p>
         </p:txBody>
       </p:sp>
@@ -7542,6 +7108,7 @@
         </p:spPr>
         <p:txBody>
           <a:bodyPr vert="horz" wrap="none" lIns="91440" tIns="45720" rIns="91440" bIns="45720" numCol="1" anchor="ctr" anchorCtr="0" compatLnSpc="1"/>
+          <a:lstStyle/>
           <a:p>
             <a:pPr marL="0" marR="0" indent="0" algn="l" defTabSz="914400" rtl="0" eaLnBrk="1" fontAlgn="base" latinLnBrk="0" hangingPunct="1">
               <a:lnSpc>
@@ -7573,18 +7140,6 @@
               </a:rPr>
               <a:t>=</a:t>
             </a:r>
-            <a:endParaRPr kumimoji="0" lang="en-US" altLang="zh-CN" sz="1800" b="1" i="0" u="none" strike="noStrike" cap="none" normalizeH="0" baseline="0" smtClean="0">
-              <a:ln>
-                <a:noFill/>
-              </a:ln>
-              <a:solidFill>
-                <a:schemeClr val="tx1"/>
-              </a:solidFill>
-              <a:effectLst/>
-              <a:latin typeface="Arial Bold" panose="020B0604020202090204" charset="0"/>
-              <a:ea typeface="SimSun" pitchFamily="2" charset="-122"/>
-              <a:cs typeface="Arial Bold" panose="020B0604020202090204" charset="0"/>
-            </a:endParaRPr>
           </a:p>
         </p:txBody>
       </p:sp>
@@ -7627,6 +7182,7 @@
         </p:spPr>
         <p:txBody>
           <a:bodyPr vert="horz" wrap="none" lIns="91440" tIns="45720" rIns="91440" bIns="45720" numCol="1" anchor="ctr" anchorCtr="0" compatLnSpc="1"/>
+          <a:lstStyle/>
           <a:p>
             <a:pPr marL="0" marR="0" indent="0" algn="l" defTabSz="914400" rtl="0" eaLnBrk="1" fontAlgn="base" latinLnBrk="0" hangingPunct="1">
               <a:lnSpc>
@@ -7658,18 +7214,6 @@
               </a:rPr>
               <a:t>[array]</a:t>
             </a:r>
-            <a:endParaRPr kumimoji="0" lang="en-US" altLang="zh-CN" sz="1800" b="1" i="0" u="none" strike="noStrike" cap="none" normalizeH="0" baseline="0" smtClean="0">
-              <a:ln>
-                <a:noFill/>
-              </a:ln>
-              <a:solidFill>
-                <a:schemeClr val="tx1"/>
-              </a:solidFill>
-              <a:effectLst/>
-              <a:latin typeface="Arial Bold" panose="020B0604020202090204" charset="0"/>
-              <a:ea typeface="SimSun" pitchFamily="2" charset="-122"/>
-              <a:cs typeface="Arial Bold" panose="020B0604020202090204" charset="0"/>
-            </a:endParaRPr>
           </a:p>
         </p:txBody>
       </p:sp>
@@ -7709,6 +7253,7 @@
         </p:spPr>
         <p:txBody>
           <a:bodyPr vert="horz" wrap="none" lIns="91440" tIns="45720" rIns="91440" bIns="45720" numCol="1" anchor="t" anchorCtr="0" compatLnSpc="1"/>
+          <a:lstStyle/>
           <a:p>
             <a:pPr marR="0" indent="0" algn="l" defTabSz="914400" rtl="0" eaLnBrk="1" fontAlgn="base" latinLnBrk="0" hangingPunct="1">
               <a:lnSpc>
@@ -7739,18 +7284,6 @@
               </a:rPr>
               <a:t>the array length should be the same size or more than the </a:t>
             </a:r>
-            <a:endParaRPr kumimoji="0" lang="en-US" altLang="zh-CN" sz="2400" i="0" u="none" strike="noStrike" cap="none" normalizeH="0" baseline="0" smtClean="0">
-              <a:ln>
-                <a:noFill/>
-              </a:ln>
-              <a:solidFill>
-                <a:srgbClr val="FF0000"/>
-              </a:solidFill>
-              <a:effectLst/>
-              <a:latin typeface="Arial" panose="020B0604020202090204" pitchFamily="34" charset="0"/>
-              <a:ea typeface="SimSun" pitchFamily="2" charset="-122"/>
-              <a:cs typeface="Arial" panose="020B0604020202090204" pitchFamily="34" charset="0"/>
-            </a:endParaRPr>
           </a:p>
           <a:p>
             <a:pPr marR="0" indent="0" algn="l" defTabSz="914400" rtl="0" eaLnBrk="1" fontAlgn="base" latinLnBrk="0" hangingPunct="1">
@@ -7894,6 +7427,7 @@
         </p:spPr>
         <p:txBody>
           <a:bodyPr vert="horz" wrap="none" lIns="91440" tIns="45720" rIns="91440" bIns="45720" numCol="1" anchor="t" anchorCtr="0" compatLnSpc="1"/>
+          <a:lstStyle/>
           <a:p>
             <a:pPr marR="0" indent="0" algn="l" defTabSz="914400" rtl="0" eaLnBrk="1" fontAlgn="base" latinLnBrk="0" hangingPunct="1">
               <a:lnSpc>
@@ -7982,7 +7516,7 @@
                 <a:ea typeface="SimSun" pitchFamily="2" charset="-122"/>
                 <a:cs typeface="Arial" panose="020B0604020202090204" pitchFamily="34" charset="0"/>
               </a:rPr>
-              <a:t>[name, address]</a:t>
+              <a:t>[name, address] </a:t>
             </a:r>
             <a:r>
               <a:rPr kumimoji="0" lang="en-US" altLang="zh-CN" sz="1800" i="0" u="none" strike="noStrike" cap="none" normalizeH="0" baseline="0" smtClean="0">
@@ -7990,14 +7524,14 @@
                   <a:noFill/>
                 </a:ln>
                 <a:solidFill>
-                  <a:srgbClr val="002060"/>
-                </a:solidFill>
-                <a:effectLst/>
-                <a:latin typeface="Arial" panose="020B0604020202090204" pitchFamily="34" charset="0"/>
-                <a:ea typeface="SimSun" pitchFamily="2" charset="-122"/>
-                <a:cs typeface="Arial" panose="020B0604020202090204" pitchFamily="34" charset="0"/>
-              </a:rPr>
-              <a:t> </a:t>
+                  <a:schemeClr val="tx1"/>
+                </a:solidFill>
+                <a:effectLst/>
+                <a:latin typeface="Arial" panose="020B0604020202090204" pitchFamily="34" charset="0"/>
+                <a:ea typeface="SimSun" pitchFamily="2" charset="-122"/>
+                <a:cs typeface="Arial" panose="020B0604020202090204" pitchFamily="34" charset="0"/>
+              </a:rPr>
+              <a:t>= [</a:t>
             </a:r>
             <a:r>
               <a:rPr kumimoji="0" lang="en-US" altLang="zh-CN" sz="1800" i="0" u="none" strike="noStrike" cap="none" normalizeH="0" baseline="0" smtClean="0">
@@ -8005,21 +7539,6 @@
                   <a:noFill/>
                 </a:ln>
                 <a:solidFill>
-                  <a:schemeClr val="tx1"/>
-                </a:solidFill>
-                <a:effectLst/>
-                <a:latin typeface="Arial" panose="020B0604020202090204" pitchFamily="34" charset="0"/>
-                <a:ea typeface="SimSun" pitchFamily="2" charset="-122"/>
-                <a:cs typeface="Arial" panose="020B0604020202090204" pitchFamily="34" charset="0"/>
-              </a:rPr>
-              <a:t>= [</a:t>
-            </a:r>
-            <a:r>
-              <a:rPr kumimoji="0" lang="en-US" altLang="zh-CN" sz="1800" i="0" u="none" strike="noStrike" cap="none" normalizeH="0" baseline="0" smtClean="0">
-                <a:ln>
-                  <a:noFill/>
-                </a:ln>
-                <a:solidFill>
                   <a:srgbClr val="FF0000"/>
                 </a:solidFill>
                 <a:effectLst/>
@@ -8029,18 +7548,6 @@
               </a:rPr>
               <a:t>“bobby”,”jl. kulang kaling”];</a:t>
             </a:r>
-            <a:endParaRPr kumimoji="0" lang="en-US" altLang="zh-CN" sz="1800" i="0" u="none" strike="noStrike" cap="none" normalizeH="0" baseline="0" smtClean="0">
-              <a:ln>
-                <a:noFill/>
-              </a:ln>
-              <a:solidFill>
-                <a:srgbClr val="FF0000"/>
-              </a:solidFill>
-              <a:effectLst/>
-              <a:latin typeface="Arial" panose="020B0604020202090204" pitchFamily="34" charset="0"/>
-              <a:ea typeface="SimSun" pitchFamily="2" charset="-122"/>
-              <a:cs typeface="Arial" panose="020B0604020202090204" pitchFamily="34" charset="0"/>
-            </a:endParaRPr>
           </a:p>
           <a:p>
             <a:pPr marR="0" indent="0" algn="l" defTabSz="914400" rtl="0" eaLnBrk="1" fontAlgn="base" latinLnBrk="0" hangingPunct="1">
@@ -8198,16 +7705,6 @@
               </a:rPr>
               <a:t>!!!THIS WILL BE NOT VALID</a:t>
             </a:r>
-            <a:endParaRPr lang="en-US" altLang="zh-CN" smtClean="0">
-              <a:ln>
-                <a:noFill/>
-              </a:ln>
-              <a:effectLst/>
-              <a:latin typeface="Arial Bold" panose="020B0604020202090204" charset="0"/>
-              <a:ea typeface="SimSun" pitchFamily="2" charset="-122"/>
-              <a:cs typeface="Arial Bold" panose="020B0604020202090204" charset="0"/>
-              <a:sym typeface="+mn-ea"/>
-            </a:endParaRPr>
           </a:p>
           <a:p>
             <a:pPr marR="0" indent="0" algn="l" defTabSz="914400" rtl="0" eaLnBrk="1" fontAlgn="base" latinLnBrk="0" hangingPunct="1">
@@ -8357,7 +7854,14 @@
         <p:cNvGrpSpPr/>
         <p:nvPr/>
       </p:nvGrpSpPr>
-      <p:grpSpPr/>
+      <p:grpSpPr>
+        <a:xfrm>
+          <a:off x="0" y="0"/>
+          <a:ext cx="0" cy="0"/>
+          <a:chOff x="0" y="0"/>
+          <a:chExt cx="0" cy="0"/>
+        </a:xfrm>
+      </p:grpSpPr>
       <p:sp>
         <p:nvSpPr>
           <p:cNvPr id="2" name="Title 1"/>
@@ -8371,12 +7875,12 @@
         <p:spPr/>
         <p:txBody>
           <a:bodyPr/>
+          <a:lstStyle/>
           <a:p>
             <a:r>
               <a:rPr lang="en-US"/>
               <a:t>ADVANCE JAVASCRIPT</a:t>
             </a:r>
-            <a:endParaRPr lang="en-US"/>
           </a:p>
         </p:txBody>
       </p:sp>
@@ -8400,6 +7904,7 @@
           <a:bodyPr wrap="none" rtlCol="0">
             <a:spAutoFit/>
           </a:bodyPr>
+          <a:lstStyle/>
           <a:p>
             <a:r>
               <a:rPr lang="en-US" b="1">
@@ -8408,10 +7913,6 @@
               </a:rPr>
               <a:t>FUNCTION</a:t>
             </a:r>
-            <a:endParaRPr lang="en-US" b="1">
-              <a:latin typeface="Arial Bold" panose="020B0604020202090204" charset="0"/>
-              <a:cs typeface="Arial Bold" panose="020B0604020202090204" charset="0"/>
-            </a:endParaRPr>
           </a:p>
         </p:txBody>
       </p:sp>
@@ -8454,6 +7955,7 @@
         </p:spPr>
         <p:txBody>
           <a:bodyPr vert="horz" wrap="none" lIns="91440" tIns="45720" rIns="91440" bIns="45720" numCol="1" anchor="ctr" anchorCtr="0" compatLnSpc="1"/>
+          <a:lstStyle/>
           <a:p>
             <a:pPr marL="0" marR="0" indent="0" algn="l" defTabSz="914400" rtl="0" eaLnBrk="1" fontAlgn="base" latinLnBrk="0" hangingPunct="1">
               <a:lnSpc>
@@ -8485,18 +7987,6 @@
               </a:rPr>
               <a:t>STANDARD DEFINITION</a:t>
             </a:r>
-            <a:endParaRPr kumimoji="0" lang="en-US" altLang="zh-CN" sz="1800" b="1" i="0" u="none" strike="noStrike" cap="none" normalizeH="0" baseline="0" smtClean="0">
-              <a:ln>
-                <a:noFill/>
-              </a:ln>
-              <a:solidFill>
-                <a:schemeClr val="bg1"/>
-              </a:solidFill>
-              <a:effectLst/>
-              <a:latin typeface="Arial Bold" panose="020B0604020202090204" charset="0"/>
-              <a:ea typeface="SimSun" pitchFamily="2" charset="-122"/>
-              <a:cs typeface="Arial Bold" panose="020B0604020202090204" charset="0"/>
-            </a:endParaRPr>
           </a:p>
         </p:txBody>
       </p:sp>
@@ -8536,6 +8026,7 @@
         </p:spPr>
         <p:txBody>
           <a:bodyPr vert="horz" wrap="none" lIns="91440" tIns="45720" rIns="91440" bIns="45720" numCol="1" anchor="t" anchorCtr="0" compatLnSpc="1"/>
+          <a:lstStyle/>
           <a:p>
             <a:pPr marR="0" indent="0" algn="l" defTabSz="914400" rtl="0" eaLnBrk="1" fontAlgn="base" latinLnBrk="0" hangingPunct="1">
               <a:lnSpc>
@@ -8567,19 +8058,6 @@
               </a:rPr>
               <a:t>function [functionname]()</a:t>
             </a:r>
-            <a:endParaRPr kumimoji="0" lang="en-US" altLang="zh-CN" sz="1800" i="0" u="none" strike="noStrike" cap="none" normalizeH="0" baseline="0" smtClean="0">
-              <a:ln>
-                <a:noFill/>
-              </a:ln>
-              <a:solidFill>
-                <a:schemeClr val="tx1"/>
-              </a:solidFill>
-              <a:effectLst/>
-              <a:latin typeface="Arial" panose="020B0604020202090204" pitchFamily="34" charset="0"/>
-              <a:ea typeface="SimSun" pitchFamily="2" charset="-122"/>
-              <a:cs typeface="Arial" panose="020B0604020202090204" pitchFamily="34" charset="0"/>
-              <a:sym typeface="+mn-ea"/>
-            </a:endParaRPr>
           </a:p>
           <a:p>
             <a:pPr marR="0" indent="0" algn="l" defTabSz="914400" rtl="0" eaLnBrk="1" fontAlgn="base" latinLnBrk="0" hangingPunct="1">
@@ -8657,19 +8135,6 @@
               </a:rPr>
               <a:t>    [statement1];</a:t>
             </a:r>
-            <a:endParaRPr kumimoji="0" lang="en-US" altLang="zh-CN" sz="1800" i="0" u="none" strike="noStrike" cap="none" normalizeH="0" baseline="0" smtClean="0">
-              <a:ln>
-                <a:noFill/>
-              </a:ln>
-              <a:solidFill>
-                <a:srgbClr val="002060"/>
-              </a:solidFill>
-              <a:effectLst/>
-              <a:latin typeface="Arial" panose="020B0604020202090204" pitchFamily="34" charset="0"/>
-              <a:ea typeface="SimSun" pitchFamily="2" charset="-122"/>
-              <a:cs typeface="Arial" panose="020B0604020202090204" pitchFamily="34" charset="0"/>
-              <a:sym typeface="+mn-ea"/>
-            </a:endParaRPr>
           </a:p>
           <a:p>
             <a:pPr marR="0" indent="0" algn="l" defTabSz="914400" rtl="0" eaLnBrk="1" fontAlgn="base" latinLnBrk="0" hangingPunct="1">
@@ -8702,19 +8167,6 @@
               </a:rPr>
               <a:t>    [statement2];</a:t>
             </a:r>
-            <a:endParaRPr kumimoji="0" lang="en-US" altLang="zh-CN" sz="1800" i="0" u="none" strike="noStrike" cap="none" normalizeH="0" baseline="0" smtClean="0">
-              <a:ln>
-                <a:noFill/>
-              </a:ln>
-              <a:solidFill>
-                <a:srgbClr val="002060"/>
-              </a:solidFill>
-              <a:effectLst/>
-              <a:latin typeface="Arial" panose="020B0604020202090204" pitchFamily="34" charset="0"/>
-              <a:ea typeface="SimSun" pitchFamily="2" charset="-122"/>
-              <a:cs typeface="Arial" panose="020B0604020202090204" pitchFamily="34" charset="0"/>
-              <a:sym typeface="+mn-ea"/>
-            </a:endParaRPr>
           </a:p>
           <a:p>
             <a:pPr marR="0" indent="0" algn="l" defTabSz="914400" rtl="0" eaLnBrk="1" fontAlgn="base" latinLnBrk="0" hangingPunct="1">
@@ -8824,19 +8276,6 @@
               </a:rPr>
               <a:t>[value]</a:t>
             </a:r>
-            <a:endParaRPr kumimoji="0" lang="en-US" altLang="zh-CN" sz="1800" i="0" u="none" strike="noStrike" cap="none" normalizeH="0" baseline="0" smtClean="0">
-              <a:ln>
-                <a:noFill/>
-              </a:ln>
-              <a:solidFill>
-                <a:srgbClr val="FF0000"/>
-              </a:solidFill>
-              <a:effectLst/>
-              <a:latin typeface="Arial" panose="020B0604020202090204" pitchFamily="34" charset="0"/>
-              <a:ea typeface="SimSun" pitchFamily="2" charset="-122"/>
-              <a:cs typeface="Arial" panose="020B0604020202090204" pitchFamily="34" charset="0"/>
-              <a:sym typeface="+mn-ea"/>
-            </a:endParaRPr>
           </a:p>
           <a:p>
             <a:pPr marR="0" indent="0" algn="l" defTabSz="914400" rtl="0" eaLnBrk="1" fontAlgn="base" latinLnBrk="0" hangingPunct="1">
@@ -8869,19 +8308,6 @@
               </a:rPr>
               <a:t>}</a:t>
             </a:r>
-            <a:endParaRPr kumimoji="0" lang="en-US" altLang="zh-CN" sz="1800" i="0" u="none" strike="noStrike" cap="none" normalizeH="0" baseline="0" smtClean="0">
-              <a:ln>
-                <a:noFill/>
-              </a:ln>
-              <a:solidFill>
-                <a:schemeClr val="tx1"/>
-              </a:solidFill>
-              <a:effectLst/>
-              <a:latin typeface="Arial" panose="020B0604020202090204" pitchFamily="34" charset="0"/>
-              <a:ea typeface="SimSun" pitchFamily="2" charset="-122"/>
-              <a:cs typeface="Arial" panose="020B0604020202090204" pitchFamily="34" charset="0"/>
-              <a:sym typeface="+mn-ea"/>
-            </a:endParaRPr>
           </a:p>
         </p:txBody>
       </p:sp>
@@ -8924,6 +8350,7 @@
         </p:spPr>
         <p:txBody>
           <a:bodyPr vert="horz" wrap="none" lIns="91440" tIns="45720" rIns="91440" bIns="45720" numCol="1" anchor="ctr" anchorCtr="0" compatLnSpc="1"/>
+          <a:lstStyle/>
           <a:p>
             <a:pPr marL="0" marR="0" indent="0" algn="l" defTabSz="914400" rtl="0" eaLnBrk="1" fontAlgn="base" latinLnBrk="0" hangingPunct="1">
               <a:lnSpc>
@@ -8955,18 +8382,6 @@
               </a:rPr>
               <a:t>ELEMENT :</a:t>
             </a:r>
-            <a:endParaRPr kumimoji="0" lang="en-US" altLang="zh-CN" sz="1800" b="1" i="0" u="none" strike="noStrike" cap="none" normalizeH="0" baseline="0" smtClean="0">
-              <a:ln>
-                <a:noFill/>
-              </a:ln>
-              <a:solidFill>
-                <a:schemeClr val="tx1"/>
-              </a:solidFill>
-              <a:effectLst/>
-              <a:latin typeface="Arial Bold" panose="020B0604020202090204" charset="0"/>
-              <a:ea typeface="SimSun" pitchFamily="2" charset="-122"/>
-              <a:cs typeface="Arial Bold" panose="020B0604020202090204" charset="0"/>
-            </a:endParaRPr>
           </a:p>
         </p:txBody>
       </p:sp>
@@ -9009,6 +8424,7 @@
         </p:spPr>
         <p:txBody>
           <a:bodyPr vert="horz" wrap="none" lIns="91440" tIns="45720" rIns="91440" bIns="45720" numCol="1" anchor="ctr" anchorCtr="0" compatLnSpc="1"/>
+          <a:lstStyle/>
           <a:p>
             <a:pPr marL="0" marR="0" indent="0" algn="l" defTabSz="914400" rtl="0" eaLnBrk="1" fontAlgn="base" latinLnBrk="0" hangingPunct="1">
               <a:lnSpc>
@@ -9040,18 +8456,6 @@
               </a:rPr>
               <a:t>PARAMETERS</a:t>
             </a:r>
-            <a:endParaRPr kumimoji="0" lang="en-US" altLang="zh-CN" sz="1800" b="1" i="0" u="none" strike="noStrike" cap="none" normalizeH="0" baseline="0" smtClean="0">
-              <a:ln>
-                <a:noFill/>
-              </a:ln>
-              <a:solidFill>
-                <a:schemeClr val="tx1"/>
-              </a:solidFill>
-              <a:effectLst/>
-              <a:latin typeface="Arial Bold" panose="020B0604020202090204" charset="0"/>
-              <a:ea typeface="SimSun" pitchFamily="2" charset="-122"/>
-              <a:cs typeface="Arial Bold" panose="020B0604020202090204" charset="0"/>
-            </a:endParaRPr>
           </a:p>
         </p:txBody>
       </p:sp>
@@ -9094,6 +8498,7 @@
         </p:spPr>
         <p:txBody>
           <a:bodyPr vert="horz" wrap="none" lIns="91440" tIns="45720" rIns="91440" bIns="45720" numCol="1" anchor="ctr" anchorCtr="0" compatLnSpc="1"/>
+          <a:lstStyle/>
           <a:p>
             <a:pPr marL="0" marR="0" indent="0" algn="l" defTabSz="914400" rtl="0" eaLnBrk="1" fontAlgn="base" latinLnBrk="0" hangingPunct="1">
               <a:lnSpc>
@@ -9125,18 +8530,6 @@
               </a:rPr>
               <a:t>FUNCTION_BODY</a:t>
             </a:r>
-            <a:endParaRPr kumimoji="0" lang="en-US" altLang="zh-CN" sz="1800" b="1" i="0" u="sng" strike="noStrike" cap="none" normalizeH="0" baseline="0" smtClean="0">
-              <a:ln>
-                <a:noFill/>
-              </a:ln>
-              <a:solidFill>
-                <a:schemeClr val="tx1"/>
-              </a:solidFill>
-              <a:effectLst/>
-              <a:latin typeface="Arial Bold" panose="020B0604020202090204" charset="0"/>
-              <a:ea typeface="SimSun" pitchFamily="2" charset="-122"/>
-              <a:cs typeface="Arial Bold" panose="020B0604020202090204" charset="0"/>
-            </a:endParaRPr>
           </a:p>
         </p:txBody>
       </p:sp>
@@ -9179,6 +8572,7 @@
         </p:spPr>
         <p:txBody>
           <a:bodyPr vert="horz" wrap="none" lIns="91440" tIns="45720" rIns="91440" bIns="45720" numCol="1" anchor="ctr" anchorCtr="0" compatLnSpc="1"/>
+          <a:lstStyle/>
           <a:p>
             <a:pPr marL="0" marR="0" indent="0" algn="l" defTabSz="914400" rtl="0" eaLnBrk="1" fontAlgn="base" latinLnBrk="0" hangingPunct="1">
               <a:lnSpc>
@@ -9240,18 +8634,6 @@
               </a:rPr>
               <a:t>]</a:t>
             </a:r>
-            <a:endParaRPr kumimoji="0" lang="en-US" altLang="zh-CN" sz="1800" b="1" i="0" u="none" strike="noStrike" cap="none" normalizeH="0" baseline="0" smtClean="0">
-              <a:ln>
-                <a:noFill/>
-              </a:ln>
-              <a:solidFill>
-                <a:schemeClr val="tx1"/>
-              </a:solidFill>
-              <a:effectLst/>
-              <a:latin typeface="Arial Bold" panose="020B0604020202090204" charset="0"/>
-              <a:ea typeface="SimSun" pitchFamily="2" charset="-122"/>
-              <a:cs typeface="Arial Bold" panose="020B0604020202090204" charset="0"/>
-            </a:endParaRPr>
           </a:p>
         </p:txBody>
       </p:sp>
@@ -9294,6 +8676,7 @@
         </p:spPr>
         <p:txBody>
           <a:bodyPr vert="horz" wrap="none" lIns="91440" tIns="45720" rIns="91440" bIns="45720" numCol="1" anchor="ctr" anchorCtr="0" compatLnSpc="1"/>
+          <a:lstStyle/>
           <a:p>
             <a:pPr marL="0" marR="0" indent="0" algn="l" defTabSz="914400" rtl="0" eaLnBrk="1" fontAlgn="base" latinLnBrk="0" hangingPunct="1">
               <a:lnSpc>
@@ -9325,18 +8708,6 @@
               </a:rPr>
               <a:t>AS A TYPE</a:t>
             </a:r>
-            <a:endParaRPr kumimoji="0" lang="en-US" altLang="zh-CN" sz="1800" b="1" i="0" u="none" strike="noStrike" cap="none" normalizeH="0" baseline="0" smtClean="0">
-              <a:ln>
-                <a:noFill/>
-              </a:ln>
-              <a:solidFill>
-                <a:schemeClr val="bg1"/>
-              </a:solidFill>
-              <a:effectLst/>
-              <a:latin typeface="Arial Bold" panose="020B0604020202090204" charset="0"/>
-              <a:ea typeface="SimSun" pitchFamily="2" charset="-122"/>
-              <a:cs typeface="Arial Bold" panose="020B0604020202090204" charset="0"/>
-            </a:endParaRPr>
           </a:p>
         </p:txBody>
       </p:sp>
@@ -9376,6 +8747,7 @@
         </p:spPr>
         <p:txBody>
           <a:bodyPr vert="horz" wrap="none" lIns="91440" tIns="45720" rIns="91440" bIns="45720" numCol="1" anchor="t" anchorCtr="0" compatLnSpc="1"/>
+          <a:lstStyle/>
           <a:p>
             <a:pPr marR="0" indent="0" algn="l" defTabSz="914400" rtl="0" eaLnBrk="1" fontAlgn="base" latinLnBrk="0" hangingPunct="1">
               <a:lnSpc>
@@ -9462,19 +8834,6 @@
               </a:rPr>
               <a:t>function(</a:t>
             </a:r>
-            <a:endParaRPr lang="en-US" altLang="zh-CN" smtClean="0">
-              <a:ln>
-                <a:noFill/>
-              </a:ln>
-              <a:solidFill>
-                <a:schemeClr val="tx1"/>
-              </a:solidFill>
-              <a:effectLst/>
-              <a:latin typeface="Arial" panose="020B0604020202090204" pitchFamily="34" charset="0"/>
-              <a:ea typeface="SimSun" pitchFamily="2" charset="-122"/>
-              <a:cs typeface="Arial" panose="020B0604020202090204" pitchFamily="34" charset="0"/>
-              <a:sym typeface="+mn-ea"/>
-            </a:endParaRPr>
           </a:p>
           <a:p>
             <a:pPr marR="0" indent="0" algn="l" defTabSz="914400" rtl="0" eaLnBrk="1" fontAlgn="base" latinLnBrk="0" hangingPunct="1">
@@ -9507,19 +8866,6 @@
               </a:rPr>
               <a:t>   [param1, param2, ...]</a:t>
             </a:r>
-            <a:endParaRPr lang="en-US" altLang="zh-CN" smtClean="0">
-              <a:ln>
-                <a:noFill/>
-              </a:ln>
-              <a:solidFill>
-                <a:schemeClr val="tx1"/>
-              </a:solidFill>
-              <a:effectLst/>
-              <a:latin typeface="Arial" panose="020B0604020202090204" pitchFamily="34" charset="0"/>
-              <a:ea typeface="SimSun" pitchFamily="2" charset="-122"/>
-              <a:cs typeface="Arial" panose="020B0604020202090204" pitchFamily="34" charset="0"/>
-              <a:sym typeface="+mn-ea"/>
-            </a:endParaRPr>
           </a:p>
           <a:p>
             <a:pPr marR="0" indent="0" algn="l" defTabSz="914400" rtl="0" eaLnBrk="1" fontAlgn="base" latinLnBrk="0" hangingPunct="1">
@@ -9568,19 +8914,6 @@
               </a:rPr>
               <a:t> </a:t>
             </a:r>
-            <a:endParaRPr lang="en-US" altLang="zh-CN" smtClean="0">
-              <a:ln>
-                <a:noFill/>
-              </a:ln>
-              <a:solidFill>
-                <a:srgbClr val="FF0000"/>
-              </a:solidFill>
-              <a:effectLst/>
-              <a:latin typeface="Arial" panose="020B0604020202090204" pitchFamily="34" charset="0"/>
-              <a:ea typeface="SimSun" pitchFamily="2" charset="-122"/>
-              <a:cs typeface="Arial" panose="020B0604020202090204" pitchFamily="34" charset="0"/>
-              <a:sym typeface="+mn-ea"/>
-            </a:endParaRPr>
           </a:p>
           <a:p>
             <a:pPr marR="0" indent="0" algn="l" defTabSz="914400" rtl="0" eaLnBrk="1" fontAlgn="base" latinLnBrk="0" hangingPunct="1">
@@ -9946,6 +9279,7 @@
         </p:spPr>
         <p:txBody>
           <a:bodyPr vert="horz" wrap="none" lIns="91440" tIns="45720" rIns="91440" bIns="45720" numCol="1" anchor="t" anchorCtr="0" compatLnSpc="1"/>
+          <a:lstStyle/>
           <a:p>
             <a:pPr marR="0" indent="0" algn="l" defTabSz="914400" rtl="0" eaLnBrk="1" fontAlgn="base" latinLnBrk="0" hangingPunct="1">
               <a:lnSpc>
@@ -10116,19 +9450,6 @@
               </a:rPr>
               <a:t>  =&gt; </a:t>
             </a:r>
-            <a:endParaRPr lang="en-US" altLang="zh-CN" smtClean="0">
-              <a:ln>
-                <a:noFill/>
-              </a:ln>
-              <a:solidFill>
-                <a:srgbClr val="FF0000"/>
-              </a:solidFill>
-              <a:effectLst/>
-              <a:latin typeface="Arial" panose="020B0604020202090204" pitchFamily="34" charset="0"/>
-              <a:ea typeface="SimSun" pitchFamily="2" charset="-122"/>
-              <a:cs typeface="Arial" panose="020B0604020202090204" pitchFamily="34" charset="0"/>
-              <a:sym typeface="+mn-ea"/>
-            </a:endParaRPr>
           </a:p>
           <a:p>
             <a:pPr marR="0" indent="0" algn="l" defTabSz="914400" rtl="0" eaLnBrk="1" fontAlgn="base" latinLnBrk="0" hangingPunct="1">
@@ -10494,6 +9815,7 @@
         </p:spPr>
         <p:txBody>
           <a:bodyPr vert="horz" wrap="none" lIns="91440" tIns="45720" rIns="91440" bIns="45720" numCol="1" anchor="ctr" anchorCtr="0" compatLnSpc="1"/>
+          <a:lstStyle/>
           <a:p>
             <a:pPr marL="0" marR="0" indent="0" algn="l" defTabSz="914400" rtl="0" eaLnBrk="1" fontAlgn="base" latinLnBrk="0" hangingPunct="1">
               <a:lnSpc>
@@ -10525,18 +9847,6 @@
               </a:rPr>
               <a:t>NORMAL FORM</a:t>
             </a:r>
-            <a:endParaRPr kumimoji="0" lang="en-US" altLang="zh-CN" sz="1800" b="1" i="0" u="none" strike="noStrike" cap="none" normalizeH="0" baseline="0" smtClean="0">
-              <a:ln>
-                <a:noFill/>
-              </a:ln>
-              <a:solidFill>
-                <a:schemeClr val="tx1"/>
-              </a:solidFill>
-              <a:effectLst/>
-              <a:latin typeface="Arial Bold" panose="020B0604020202090204" charset="0"/>
-              <a:ea typeface="SimSun" pitchFamily="2" charset="-122"/>
-              <a:cs typeface="Arial Bold" panose="020B0604020202090204" charset="0"/>
-            </a:endParaRPr>
           </a:p>
         </p:txBody>
       </p:sp>
@@ -10579,6 +9889,7 @@
         </p:spPr>
         <p:txBody>
           <a:bodyPr vert="horz" wrap="none" lIns="91440" tIns="45720" rIns="91440" bIns="45720" numCol="1" anchor="ctr" anchorCtr="0" compatLnSpc="1"/>
+          <a:lstStyle/>
           <a:p>
             <a:pPr marL="0" marR="0" indent="0" algn="l" defTabSz="914400" rtl="0" eaLnBrk="1" fontAlgn="base" latinLnBrk="0" hangingPunct="1">
               <a:lnSpc>
@@ -10610,18 +9921,6 @@
               </a:rPr>
               <a:t>LAMBDA | ARROW FORM</a:t>
             </a:r>
-            <a:endParaRPr kumimoji="0" lang="en-US" altLang="zh-CN" sz="1800" b="1" i="0" u="none" strike="noStrike" cap="none" normalizeH="0" baseline="0" smtClean="0">
-              <a:ln>
-                <a:noFill/>
-              </a:ln>
-              <a:solidFill>
-                <a:schemeClr val="tx1"/>
-              </a:solidFill>
-              <a:effectLst/>
-              <a:latin typeface="Arial Bold" panose="020B0604020202090204" charset="0"/>
-              <a:ea typeface="SimSun" pitchFamily="2" charset="-122"/>
-              <a:cs typeface="Arial Bold" panose="020B0604020202090204" charset="0"/>
-            </a:endParaRPr>
           </a:p>
         </p:txBody>
       </p:sp>
@@ -10642,7 +9941,14 @@
         <p:cNvGrpSpPr/>
         <p:nvPr/>
       </p:nvGrpSpPr>
-      <p:grpSpPr/>
+      <p:grpSpPr>
+        <a:xfrm>
+          <a:off x="0" y="0"/>
+          <a:ext cx="0" cy="0"/>
+          <a:chOff x="0" y="0"/>
+          <a:chExt cx="0" cy="0"/>
+        </a:xfrm>
+      </p:grpSpPr>
       <p:sp>
         <p:nvSpPr>
           <p:cNvPr id="2" name="Title 1"/>
@@ -10656,12 +9962,12 @@
         <p:spPr/>
         <p:txBody>
           <a:bodyPr/>
+          <a:lstStyle/>
           <a:p>
             <a:r>
               <a:rPr lang="en-US"/>
               <a:t>ADVANCE JAVASCRIPT</a:t>
             </a:r>
-            <a:endParaRPr lang="en-US"/>
           </a:p>
         </p:txBody>
       </p:sp>
@@ -10685,6 +9991,7 @@
           <a:bodyPr wrap="none" rtlCol="0">
             <a:spAutoFit/>
           </a:bodyPr>
+          <a:lstStyle/>
           <a:p>
             <a:r>
               <a:rPr lang="en-US" b="1">
@@ -10693,10 +10000,6 @@
               </a:rPr>
               <a:t>FUNCTION : ARGUMENTS</a:t>
             </a:r>
-            <a:endParaRPr lang="en-US" b="1">
-              <a:latin typeface="Arial Bold" panose="020B0604020202090204" charset="0"/>
-              <a:cs typeface="Arial Bold" panose="020B0604020202090204" charset="0"/>
-            </a:endParaRPr>
           </a:p>
         </p:txBody>
       </p:sp>
@@ -10739,6 +10042,7 @@
         </p:spPr>
         <p:txBody>
           <a:bodyPr vert="horz" wrap="none" lIns="91440" tIns="45720" rIns="91440" bIns="45720" numCol="1" anchor="ctr" anchorCtr="0" compatLnSpc="1"/>
+          <a:lstStyle/>
           <a:p>
             <a:pPr marL="0" marR="0" indent="0" algn="ctr" defTabSz="914400" rtl="0" eaLnBrk="1" fontAlgn="base" latinLnBrk="0" hangingPunct="1">
               <a:lnSpc>
@@ -10770,18 +10074,6 @@
               </a:rPr>
               <a:t>arguments</a:t>
             </a:r>
-            <a:endParaRPr kumimoji="0" lang="en-US" altLang="zh-CN" sz="1800" b="1" i="0" u="none" strike="noStrike" cap="none" normalizeH="0" baseline="0" smtClean="0">
-              <a:ln>
-                <a:noFill/>
-              </a:ln>
-              <a:solidFill>
-                <a:schemeClr val="bg1"/>
-              </a:solidFill>
-              <a:effectLst/>
-              <a:latin typeface="Arial Bold" panose="020B0604020202090204" charset="0"/>
-              <a:ea typeface="SimSun" pitchFamily="2" charset="-122"/>
-              <a:cs typeface="Arial Bold" panose="020B0604020202090204" charset="0"/>
-            </a:endParaRPr>
           </a:p>
         </p:txBody>
       </p:sp>
@@ -10821,6 +10113,7 @@
         </p:spPr>
         <p:txBody>
           <a:bodyPr vert="horz" wrap="none" lIns="91440" tIns="45720" rIns="91440" bIns="45720" numCol="1" anchor="t" anchorCtr="0" compatLnSpc="1"/>
+          <a:lstStyle/>
           <a:p>
             <a:pPr marR="0" indent="0" algn="l" defTabSz="914400" rtl="0" eaLnBrk="1" fontAlgn="base" latinLnBrk="0" hangingPunct="1">
               <a:lnSpc>
@@ -10852,19 +10145,6 @@
               </a:rPr>
               <a:t>function [functionname](</a:t>
             </a:r>
-            <a:endParaRPr kumimoji="0" lang="en-US" altLang="zh-CN" sz="1800" i="0" u="none" strike="noStrike" cap="none" normalizeH="0" baseline="0" smtClean="0">
-              <a:ln>
-                <a:noFill/>
-              </a:ln>
-              <a:solidFill>
-                <a:schemeClr val="tx1"/>
-              </a:solidFill>
-              <a:effectLst/>
-              <a:latin typeface="Arial" panose="020B0604020202090204" pitchFamily="34" charset="0"/>
-              <a:ea typeface="SimSun" pitchFamily="2" charset="-122"/>
-              <a:cs typeface="Arial" panose="020B0604020202090204" pitchFamily="34" charset="0"/>
-              <a:sym typeface="+mn-ea"/>
-            </a:endParaRPr>
           </a:p>
           <a:p>
             <a:pPr marR="0" indent="0" algn="l" defTabSz="914400" rtl="0" eaLnBrk="1" fontAlgn="base" latinLnBrk="0" hangingPunct="1">
@@ -10897,19 +10177,6 @@
               </a:rPr>
               <a:t>    [</a:t>
             </a:r>
-            <a:endParaRPr kumimoji="0" lang="en-US" altLang="zh-CN" sz="1800" i="0" u="none" strike="noStrike" cap="none" normalizeH="0" baseline="0" smtClean="0">
-              <a:ln>
-                <a:noFill/>
-              </a:ln>
-              <a:solidFill>
-                <a:schemeClr val="tx1"/>
-              </a:solidFill>
-              <a:effectLst/>
-              <a:latin typeface="Arial" panose="020B0604020202090204" pitchFamily="34" charset="0"/>
-              <a:ea typeface="SimSun" pitchFamily="2" charset="-122"/>
-              <a:cs typeface="Arial" panose="020B0604020202090204" pitchFamily="34" charset="0"/>
-              <a:sym typeface="+mn-ea"/>
-            </a:endParaRPr>
           </a:p>
           <a:p>
             <a:pPr marR="0" indent="0" algn="l" defTabSz="914400" rtl="0" eaLnBrk="1" fontAlgn="base" latinLnBrk="0" hangingPunct="1">
@@ -10942,19 +10209,6 @@
               </a:rPr>
               <a:t>	parameters1, </a:t>
             </a:r>
-            <a:endParaRPr kumimoji="0" lang="en-US" altLang="zh-CN" sz="1800" i="0" u="none" strike="noStrike" cap="none" normalizeH="0" baseline="0" smtClean="0">
-              <a:ln>
-                <a:noFill/>
-              </a:ln>
-              <a:solidFill>
-                <a:schemeClr val="tx1"/>
-              </a:solidFill>
-              <a:effectLst/>
-              <a:latin typeface="Arial" panose="020B0604020202090204" pitchFamily="34" charset="0"/>
-              <a:ea typeface="SimSun" pitchFamily="2" charset="-122"/>
-              <a:cs typeface="Arial" panose="020B0604020202090204" pitchFamily="34" charset="0"/>
-              <a:sym typeface="+mn-ea"/>
-            </a:endParaRPr>
           </a:p>
           <a:p>
             <a:pPr marR="0" indent="0" algn="l" defTabSz="914400" rtl="0" eaLnBrk="1" fontAlgn="base" latinLnBrk="0" hangingPunct="1">
@@ -10987,19 +10241,6 @@
               </a:rPr>
               <a:t>              parametes2, </a:t>
             </a:r>
-            <a:endParaRPr kumimoji="0" lang="en-US" altLang="zh-CN" sz="1800" i="0" u="none" strike="noStrike" cap="none" normalizeH="0" baseline="0" smtClean="0">
-              <a:ln>
-                <a:noFill/>
-              </a:ln>
-              <a:solidFill>
-                <a:schemeClr val="tx1"/>
-              </a:solidFill>
-              <a:effectLst/>
-              <a:latin typeface="Arial" panose="020B0604020202090204" pitchFamily="34" charset="0"/>
-              <a:ea typeface="SimSun" pitchFamily="2" charset="-122"/>
-              <a:cs typeface="Arial" panose="020B0604020202090204" pitchFamily="34" charset="0"/>
-              <a:sym typeface="+mn-ea"/>
-            </a:endParaRPr>
           </a:p>
           <a:p>
             <a:pPr marR="0" indent="0" algn="l" defTabSz="914400" rtl="0" eaLnBrk="1" fontAlgn="base" latinLnBrk="0" hangingPunct="1">
@@ -11032,19 +10273,6 @@
               </a:rPr>
               <a:t>              parameters3</a:t>
             </a:r>
-            <a:endParaRPr kumimoji="0" lang="en-US" altLang="zh-CN" sz="1800" i="0" u="none" strike="noStrike" cap="none" normalizeH="0" baseline="0" smtClean="0">
-              <a:ln>
-                <a:noFill/>
-              </a:ln>
-              <a:solidFill>
-                <a:schemeClr val="tx1"/>
-              </a:solidFill>
-              <a:effectLst/>
-              <a:latin typeface="Arial" panose="020B0604020202090204" pitchFamily="34" charset="0"/>
-              <a:ea typeface="SimSun" pitchFamily="2" charset="-122"/>
-              <a:cs typeface="Arial" panose="020B0604020202090204" pitchFamily="34" charset="0"/>
-              <a:sym typeface="+mn-ea"/>
-            </a:endParaRPr>
           </a:p>
           <a:p>
             <a:pPr marR="0" indent="0" algn="l" defTabSz="914400" rtl="0" eaLnBrk="1" fontAlgn="base" latinLnBrk="0" hangingPunct="1">
@@ -11077,19 +10305,6 @@
               </a:rPr>
               <a:t>    ])</a:t>
             </a:r>
-            <a:endParaRPr kumimoji="0" lang="en-US" altLang="zh-CN" sz="1800" i="0" u="none" strike="noStrike" cap="none" normalizeH="0" baseline="0" smtClean="0">
-              <a:ln>
-                <a:noFill/>
-              </a:ln>
-              <a:solidFill>
-                <a:schemeClr val="tx1"/>
-              </a:solidFill>
-              <a:effectLst/>
-              <a:latin typeface="Arial" panose="020B0604020202090204" pitchFamily="34" charset="0"/>
-              <a:ea typeface="SimSun" pitchFamily="2" charset="-122"/>
-              <a:cs typeface="Arial" panose="020B0604020202090204" pitchFamily="34" charset="0"/>
-              <a:sym typeface="+mn-ea"/>
-            </a:endParaRPr>
           </a:p>
           <a:p>
             <a:pPr marR="0" indent="0" algn="l" defTabSz="914400" rtl="0" eaLnBrk="1" fontAlgn="base" latinLnBrk="0" hangingPunct="1">
@@ -11167,19 +10382,6 @@
               </a:rPr>
               <a:t>    [statement1];</a:t>
             </a:r>
-            <a:endParaRPr kumimoji="0" lang="en-US" altLang="zh-CN" sz="1800" i="0" u="none" strike="noStrike" cap="none" normalizeH="0" baseline="0" smtClean="0">
-              <a:ln>
-                <a:noFill/>
-              </a:ln>
-              <a:solidFill>
-                <a:srgbClr val="002060"/>
-              </a:solidFill>
-              <a:effectLst/>
-              <a:latin typeface="Arial" panose="020B0604020202090204" pitchFamily="34" charset="0"/>
-              <a:ea typeface="SimSun" pitchFamily="2" charset="-122"/>
-              <a:cs typeface="Arial" panose="020B0604020202090204" pitchFamily="34" charset="0"/>
-              <a:sym typeface="+mn-ea"/>
-            </a:endParaRPr>
           </a:p>
           <a:p>
             <a:pPr marR="0" indent="0" algn="l" defTabSz="914400" rtl="0" eaLnBrk="1" fontAlgn="base" latinLnBrk="0" hangingPunct="1">
@@ -11212,19 +10414,6 @@
               </a:rPr>
               <a:t>    [statement2];</a:t>
             </a:r>
-            <a:endParaRPr kumimoji="0" lang="en-US" altLang="zh-CN" sz="1800" i="0" u="none" strike="noStrike" cap="none" normalizeH="0" baseline="0" smtClean="0">
-              <a:ln>
-                <a:noFill/>
-              </a:ln>
-              <a:solidFill>
-                <a:srgbClr val="002060"/>
-              </a:solidFill>
-              <a:effectLst/>
-              <a:latin typeface="Arial" panose="020B0604020202090204" pitchFamily="34" charset="0"/>
-              <a:ea typeface="SimSun" pitchFamily="2" charset="-122"/>
-              <a:cs typeface="Arial" panose="020B0604020202090204" pitchFamily="34" charset="0"/>
-              <a:sym typeface="+mn-ea"/>
-            </a:endParaRPr>
           </a:p>
           <a:p>
             <a:pPr marR="0" indent="0" algn="l" defTabSz="914400" rtl="0" eaLnBrk="1" fontAlgn="base" latinLnBrk="0" hangingPunct="1">
@@ -11334,19 +10523,6 @@
               </a:rPr>
               <a:t>[value]</a:t>
             </a:r>
-            <a:endParaRPr kumimoji="0" lang="en-US" altLang="zh-CN" sz="1800" i="0" u="none" strike="noStrike" cap="none" normalizeH="0" baseline="0" smtClean="0">
-              <a:ln>
-                <a:noFill/>
-              </a:ln>
-              <a:solidFill>
-                <a:srgbClr val="FF0000"/>
-              </a:solidFill>
-              <a:effectLst/>
-              <a:latin typeface="Arial" panose="020B0604020202090204" pitchFamily="34" charset="0"/>
-              <a:ea typeface="SimSun" pitchFamily="2" charset="-122"/>
-              <a:cs typeface="Arial" panose="020B0604020202090204" pitchFamily="34" charset="0"/>
-              <a:sym typeface="+mn-ea"/>
-            </a:endParaRPr>
           </a:p>
           <a:p>
             <a:pPr marR="0" indent="0" algn="l" defTabSz="914400" rtl="0" eaLnBrk="1" fontAlgn="base" latinLnBrk="0" hangingPunct="1">
@@ -11379,19 +10555,6 @@
               </a:rPr>
               <a:t>}</a:t>
             </a:r>
-            <a:endParaRPr kumimoji="0" lang="en-US" altLang="zh-CN" sz="1800" i="0" u="none" strike="noStrike" cap="none" normalizeH="0" baseline="0" smtClean="0">
-              <a:ln>
-                <a:noFill/>
-              </a:ln>
-              <a:solidFill>
-                <a:schemeClr val="tx1"/>
-              </a:solidFill>
-              <a:effectLst/>
-              <a:latin typeface="Arial" panose="020B0604020202090204" pitchFamily="34" charset="0"/>
-              <a:ea typeface="SimSun" pitchFamily="2" charset="-122"/>
-              <a:cs typeface="Arial" panose="020B0604020202090204" pitchFamily="34" charset="0"/>
-              <a:sym typeface="+mn-ea"/>
-            </a:endParaRPr>
           </a:p>
         </p:txBody>
       </p:sp>
@@ -11431,6 +10594,7 @@
         </p:spPr>
         <p:txBody>
           <a:bodyPr vert="horz" wrap="none" lIns="91440" tIns="45720" rIns="91440" bIns="45720" numCol="1" anchor="t" anchorCtr="0" compatLnSpc="1"/>
+          <a:lstStyle/>
           <a:p>
             <a:pPr marR="0" indent="0" algn="l" defTabSz="914400" rtl="0" eaLnBrk="1" fontAlgn="base" latinLnBrk="0" hangingPunct="1">
               <a:lnSpc>
@@ -11462,19 +10626,6 @@
               </a:rPr>
               <a:t>function myfunction(</a:t>
             </a:r>
-            <a:endParaRPr kumimoji="0" lang="en-US" altLang="zh-CN" sz="1800" i="0" u="none" strike="noStrike" cap="none" normalizeH="0" baseline="0" smtClean="0">
-              <a:ln>
-                <a:noFill/>
-              </a:ln>
-              <a:solidFill>
-                <a:schemeClr val="tx1"/>
-              </a:solidFill>
-              <a:effectLst/>
-              <a:latin typeface="Arial" panose="020B0604020202090204" pitchFamily="34" charset="0"/>
-              <a:ea typeface="SimSun" pitchFamily="2" charset="-122"/>
-              <a:cs typeface="Arial" panose="020B0604020202090204" pitchFamily="34" charset="0"/>
-              <a:sym typeface="+mn-ea"/>
-            </a:endParaRPr>
           </a:p>
           <a:p>
             <a:pPr marR="0" indent="0" algn="l" defTabSz="914400" rtl="0" eaLnBrk="1" fontAlgn="base" latinLnBrk="0" hangingPunct="1">
@@ -11507,19 +10658,6 @@
               </a:rPr>
               <a:t>    param1, </a:t>
             </a:r>
-            <a:endParaRPr kumimoji="0" lang="en-US" altLang="zh-CN" sz="1800" i="0" u="none" strike="noStrike" cap="none" normalizeH="0" baseline="0" smtClean="0">
-              <a:ln>
-                <a:noFill/>
-              </a:ln>
-              <a:solidFill>
-                <a:schemeClr val="tx1"/>
-              </a:solidFill>
-              <a:effectLst/>
-              <a:latin typeface="Arial" panose="020B0604020202090204" pitchFamily="34" charset="0"/>
-              <a:ea typeface="SimSun" pitchFamily="2" charset="-122"/>
-              <a:cs typeface="Arial" panose="020B0604020202090204" pitchFamily="34" charset="0"/>
-              <a:sym typeface="+mn-ea"/>
-            </a:endParaRPr>
           </a:p>
           <a:p>
             <a:pPr marR="0" indent="0" algn="l" defTabSz="914400" rtl="0" eaLnBrk="1" fontAlgn="base" latinLnBrk="0" hangingPunct="1">
@@ -11552,19 +10690,6 @@
               </a:rPr>
               <a:t>    param2</a:t>
             </a:r>
-            <a:endParaRPr kumimoji="0" lang="en-US" altLang="zh-CN" sz="1800" i="0" u="none" strike="noStrike" cap="none" normalizeH="0" baseline="0" smtClean="0">
-              <a:ln>
-                <a:noFill/>
-              </a:ln>
-              <a:solidFill>
-                <a:schemeClr val="tx1"/>
-              </a:solidFill>
-              <a:effectLst/>
-              <a:latin typeface="Arial" panose="020B0604020202090204" pitchFamily="34" charset="0"/>
-              <a:ea typeface="SimSun" pitchFamily="2" charset="-122"/>
-              <a:cs typeface="Arial" panose="020B0604020202090204" pitchFamily="34" charset="0"/>
-              <a:sym typeface="+mn-ea"/>
-            </a:endParaRPr>
           </a:p>
           <a:p>
             <a:pPr marR="0" indent="0" algn="l" defTabSz="914400" rtl="0" eaLnBrk="1" fontAlgn="base" latinLnBrk="0" hangingPunct="1">
@@ -11597,19 +10722,6 @@
               </a:rPr>
               <a:t>)</a:t>
             </a:r>
-            <a:endParaRPr kumimoji="0" lang="en-US" altLang="zh-CN" sz="1800" i="0" u="none" strike="noStrike" cap="none" normalizeH="0" baseline="0" smtClean="0">
-              <a:ln>
-                <a:noFill/>
-              </a:ln>
-              <a:solidFill>
-                <a:schemeClr val="tx1"/>
-              </a:solidFill>
-              <a:effectLst/>
-              <a:latin typeface="Arial" panose="020B0604020202090204" pitchFamily="34" charset="0"/>
-              <a:ea typeface="SimSun" pitchFamily="2" charset="-122"/>
-              <a:cs typeface="Arial" panose="020B0604020202090204" pitchFamily="34" charset="0"/>
-              <a:sym typeface="+mn-ea"/>
-            </a:endParaRPr>
           </a:p>
           <a:p>
             <a:pPr marR="0" indent="0" algn="l" defTabSz="914400" rtl="0" eaLnBrk="1" fontAlgn="base" latinLnBrk="0" hangingPunct="1">
@@ -11719,19 +10831,6 @@
               </a:rPr>
               <a:t>);</a:t>
             </a:r>
-            <a:endParaRPr kumimoji="0" lang="en-US" altLang="zh-CN" sz="1800" i="0" u="none" strike="noStrike" cap="none" normalizeH="0" baseline="0" smtClean="0">
-              <a:ln>
-                <a:noFill/>
-              </a:ln>
-              <a:solidFill>
-                <a:srgbClr val="002060"/>
-              </a:solidFill>
-              <a:effectLst/>
-              <a:latin typeface="Arial" panose="020B0604020202090204" pitchFamily="34" charset="0"/>
-              <a:ea typeface="SimSun" pitchFamily="2" charset="-122"/>
-              <a:cs typeface="Arial" panose="020B0604020202090204" pitchFamily="34" charset="0"/>
-              <a:sym typeface="+mn-ea"/>
-            </a:endParaRPr>
           </a:p>
           <a:p>
             <a:pPr marR="0" indent="0" algn="l" defTabSz="914400" rtl="0" eaLnBrk="1" fontAlgn="base" latinLnBrk="0" hangingPunct="1">
@@ -11841,19 +10940,6 @@
               </a:rPr>
               <a:t>[value]</a:t>
             </a:r>
-            <a:endParaRPr kumimoji="0" lang="en-US" altLang="zh-CN" sz="1800" i="0" u="none" strike="noStrike" cap="none" normalizeH="0" baseline="0" smtClean="0">
-              <a:ln>
-                <a:noFill/>
-              </a:ln>
-              <a:solidFill>
-                <a:srgbClr val="FF0000"/>
-              </a:solidFill>
-              <a:effectLst/>
-              <a:latin typeface="Arial" panose="020B0604020202090204" pitchFamily="34" charset="0"/>
-              <a:ea typeface="SimSun" pitchFamily="2" charset="-122"/>
-              <a:cs typeface="Arial" panose="020B0604020202090204" pitchFamily="34" charset="0"/>
-              <a:sym typeface="+mn-ea"/>
-            </a:endParaRPr>
           </a:p>
           <a:p>
             <a:pPr marR="0" indent="0" algn="l" defTabSz="914400" rtl="0" eaLnBrk="1" fontAlgn="base" latinLnBrk="0" hangingPunct="1">
@@ -11886,19 +10972,6 @@
               </a:rPr>
               <a:t>}</a:t>
             </a:r>
-            <a:endParaRPr kumimoji="0" lang="en-US" altLang="zh-CN" sz="1800" i="0" u="none" strike="noStrike" cap="none" normalizeH="0" baseline="0" smtClean="0">
-              <a:ln>
-                <a:noFill/>
-              </a:ln>
-              <a:solidFill>
-                <a:schemeClr val="tx1"/>
-              </a:solidFill>
-              <a:effectLst/>
-              <a:latin typeface="Arial" panose="020B0604020202090204" pitchFamily="34" charset="0"/>
-              <a:ea typeface="SimSun" pitchFamily="2" charset="-122"/>
-              <a:cs typeface="Arial" panose="020B0604020202090204" pitchFamily="34" charset="0"/>
-              <a:sym typeface="+mn-ea"/>
-            </a:endParaRPr>
           </a:p>
         </p:txBody>
       </p:sp>
@@ -12048,6 +11121,7 @@
         </p:spPr>
         <p:txBody>
           <a:bodyPr vert="horz" wrap="none" lIns="91440" tIns="45720" rIns="91440" bIns="45720" numCol="1" anchor="t" anchorCtr="0" compatLnSpc="1"/>
+          <a:lstStyle/>
           <a:p>
             <a:pPr marL="0" marR="0" indent="0" algn="l" defTabSz="914400" rtl="0" eaLnBrk="1" fontAlgn="base" latinLnBrk="0" hangingPunct="1">
               <a:lnSpc>
@@ -12079,18 +11153,6 @@
               </a:rPr>
               <a:t>arguments=[</a:t>
             </a:r>
-            <a:endParaRPr kumimoji="0" lang="en-US" altLang="zh-CN" sz="1800" b="1" i="0" u="none" strike="noStrike" cap="none" normalizeH="0" baseline="0" smtClean="0">
-              <a:ln>
-                <a:noFill/>
-              </a:ln>
-              <a:solidFill>
-                <a:schemeClr val="tx1"/>
-              </a:solidFill>
-              <a:effectLst/>
-              <a:latin typeface="Arial Bold" panose="020B0604020202090204" charset="0"/>
-              <a:ea typeface="SimSun" pitchFamily="2" charset="-122"/>
-              <a:cs typeface="Arial Bold" panose="020B0604020202090204" charset="0"/>
-            </a:endParaRPr>
           </a:p>
           <a:p>
             <a:pPr marL="304165" marR="0" indent="-16510" algn="l" defTabSz="914400" rtl="0" eaLnBrk="1" fontAlgn="base" latinLnBrk="0" hangingPunct="1">
@@ -12123,18 +11185,6 @@
               </a:rPr>
               <a:t>0=&gt;parameters1,</a:t>
             </a:r>
-            <a:endParaRPr kumimoji="0" lang="en-US" altLang="zh-CN" sz="1800" b="1" i="0" u="none" strike="noStrike" cap="none" normalizeH="0" baseline="0" smtClean="0">
-              <a:ln>
-                <a:noFill/>
-              </a:ln>
-              <a:solidFill>
-                <a:schemeClr val="tx1"/>
-              </a:solidFill>
-              <a:effectLst/>
-              <a:latin typeface="Arial Bold" panose="020B0604020202090204" charset="0"/>
-              <a:ea typeface="SimSun" pitchFamily="2" charset="-122"/>
-              <a:cs typeface="Arial Bold" panose="020B0604020202090204" charset="0"/>
-            </a:endParaRPr>
           </a:p>
           <a:p>
             <a:pPr marL="304165" marR="0" indent="-16510" algn="l" defTabSz="914400" rtl="0" eaLnBrk="1" fontAlgn="base" latinLnBrk="0" hangingPunct="1">
@@ -12167,18 +11217,6 @@
               </a:rPr>
               <a:t>1=&gt;parameters2,</a:t>
             </a:r>
-            <a:endParaRPr kumimoji="0" lang="en-US" altLang="zh-CN" sz="1800" b="1" i="0" u="none" strike="noStrike" cap="none" normalizeH="0" baseline="0" smtClean="0">
-              <a:ln>
-                <a:noFill/>
-              </a:ln>
-              <a:solidFill>
-                <a:schemeClr val="tx1"/>
-              </a:solidFill>
-              <a:effectLst/>
-              <a:latin typeface="Arial Bold" panose="020B0604020202090204" charset="0"/>
-              <a:ea typeface="SimSun" pitchFamily="2" charset="-122"/>
-              <a:cs typeface="Arial Bold" panose="020B0604020202090204" charset="0"/>
-            </a:endParaRPr>
           </a:p>
           <a:p>
             <a:pPr marL="304165" marR="0" indent="-16510" algn="l" defTabSz="914400" rtl="0" eaLnBrk="1" fontAlgn="base" latinLnBrk="0" hangingPunct="1">
@@ -12211,18 +11249,6 @@
               </a:rPr>
               <a:t>2=&gt;parameters2</a:t>
             </a:r>
-            <a:endParaRPr kumimoji="0" lang="en-US" altLang="zh-CN" sz="1800" b="1" i="0" u="none" strike="noStrike" cap="none" normalizeH="0" baseline="0" smtClean="0">
-              <a:ln>
-                <a:noFill/>
-              </a:ln>
-              <a:solidFill>
-                <a:schemeClr val="tx1"/>
-              </a:solidFill>
-              <a:effectLst/>
-              <a:latin typeface="Arial Bold" panose="020B0604020202090204" charset="0"/>
-              <a:ea typeface="SimSun" pitchFamily="2" charset="-122"/>
-              <a:cs typeface="Arial Bold" panose="020B0604020202090204" charset="0"/>
-            </a:endParaRPr>
           </a:p>
           <a:p>
             <a:pPr marL="0" marR="0" indent="0" algn="l" defTabSz="914400" rtl="0" eaLnBrk="1" fontAlgn="base" latinLnBrk="0" hangingPunct="1">
@@ -12255,18 +11281,6 @@
               </a:rPr>
               <a:t>]</a:t>
             </a:r>
-            <a:endParaRPr kumimoji="0" lang="en-US" altLang="zh-CN" sz="1800" b="1" i="0" u="none" strike="noStrike" cap="none" normalizeH="0" baseline="0" smtClean="0">
-              <a:ln>
-                <a:noFill/>
-              </a:ln>
-              <a:solidFill>
-                <a:schemeClr val="tx1"/>
-              </a:solidFill>
-              <a:effectLst/>
-              <a:latin typeface="Arial Bold" panose="020B0604020202090204" charset="0"/>
-              <a:ea typeface="SimSun" pitchFamily="2" charset="-122"/>
-              <a:cs typeface="Arial Bold" panose="020B0604020202090204" charset="0"/>
-            </a:endParaRPr>
           </a:p>
         </p:txBody>
       </p:sp>
@@ -12287,7 +11301,14 @@
         <p:cNvGrpSpPr/>
         <p:nvPr/>
       </p:nvGrpSpPr>
-      <p:grpSpPr/>
+      <p:grpSpPr>
+        <a:xfrm>
+          <a:off x="0" y="0"/>
+          <a:ext cx="0" cy="0"/>
+          <a:chOff x="0" y="0"/>
+          <a:chExt cx="0" cy="0"/>
+        </a:xfrm>
+      </p:grpSpPr>
       <p:sp>
         <p:nvSpPr>
           <p:cNvPr id="2" name="Title 1"/>
@@ -12301,12 +11322,12 @@
         <p:spPr/>
         <p:txBody>
           <a:bodyPr/>
+          <a:lstStyle/>
           <a:p>
             <a:r>
               <a:rPr lang="en-US"/>
               <a:t>ADVANCE JAVASCRIPT</a:t>
             </a:r>
-            <a:endParaRPr lang="en-US"/>
           </a:p>
         </p:txBody>
       </p:sp>
@@ -12330,6 +11351,7 @@
           <a:bodyPr wrap="none" rtlCol="0">
             <a:spAutoFit/>
           </a:bodyPr>
+          <a:lstStyle/>
           <a:p>
             <a:r>
               <a:rPr lang="en-US" b="1">
@@ -12338,10 +11360,6 @@
               </a:rPr>
               <a:t>LAMBDA / ARROW FUNCTION</a:t>
             </a:r>
-            <a:endParaRPr lang="en-US" b="1">
-              <a:latin typeface="Arial Bold" panose="020B0604020202090204" charset="0"/>
-              <a:cs typeface="Arial Bold" panose="020B0604020202090204" charset="0"/>
-            </a:endParaRPr>
           </a:p>
         </p:txBody>
       </p:sp>
@@ -12384,6 +11402,7 @@
         </p:spPr>
         <p:txBody>
           <a:bodyPr vert="horz" wrap="none" lIns="91440" tIns="45720" rIns="91440" bIns="45720" numCol="1" anchor="ctr" anchorCtr="0" compatLnSpc="1"/>
+          <a:lstStyle/>
           <a:p>
             <a:pPr marL="0" marR="0" indent="0" algn="l" defTabSz="914400" rtl="0" eaLnBrk="1" fontAlgn="base" latinLnBrk="0" hangingPunct="1">
               <a:lnSpc>
@@ -12415,18 +11434,6 @@
               </a:rPr>
               <a:t>BASIC DEFINITION</a:t>
             </a:r>
-            <a:endParaRPr kumimoji="0" lang="en-US" altLang="zh-CN" sz="1800" b="1" i="0" u="none" strike="noStrike" cap="none" normalizeH="0" baseline="0" smtClean="0">
-              <a:ln>
-                <a:noFill/>
-              </a:ln>
-              <a:solidFill>
-                <a:schemeClr val="bg1"/>
-              </a:solidFill>
-              <a:effectLst/>
-              <a:latin typeface="Arial Bold" panose="020B0604020202090204" charset="0"/>
-              <a:ea typeface="SimSun" pitchFamily="2" charset="-122"/>
-              <a:cs typeface="Arial Bold" panose="020B0604020202090204" charset="0"/>
-            </a:endParaRPr>
           </a:p>
         </p:txBody>
       </p:sp>
@@ -12466,6 +11473,7 @@
         </p:spPr>
         <p:txBody>
           <a:bodyPr vert="horz" wrap="none" lIns="91440" tIns="45720" rIns="91440" bIns="45720" numCol="1" anchor="t" anchorCtr="0" compatLnSpc="1"/>
+          <a:lstStyle/>
           <a:p>
             <a:pPr marR="0" indent="0" algn="l" defTabSz="914400" rtl="0" eaLnBrk="1" fontAlgn="base" latinLnBrk="0" hangingPunct="1">
               <a:lnSpc>
@@ -12636,19 +11644,6 @@
               </a:rPr>
               <a:t>  =&gt; </a:t>
             </a:r>
-            <a:endParaRPr lang="en-US" altLang="zh-CN" smtClean="0">
-              <a:ln>
-                <a:noFill/>
-              </a:ln>
-              <a:solidFill>
-                <a:srgbClr val="FF0000"/>
-              </a:solidFill>
-              <a:effectLst/>
-              <a:latin typeface="Arial" panose="020B0604020202090204" pitchFamily="34" charset="0"/>
-              <a:ea typeface="SimSun" pitchFamily="2" charset="-122"/>
-              <a:cs typeface="Arial" panose="020B0604020202090204" pitchFamily="34" charset="0"/>
-              <a:sym typeface="+mn-ea"/>
-            </a:endParaRPr>
           </a:p>
           <a:p>
             <a:pPr marR="0" indent="0" algn="l" defTabSz="914400" rtl="0" eaLnBrk="1" fontAlgn="base" latinLnBrk="0" hangingPunct="1">
@@ -13005,19 +12000,6 @@
               </a:rPr>
               <a:t>ex :   (x,y) =&gt; { return x + y; }</a:t>
             </a:r>
-            <a:endParaRPr kumimoji="0" lang="en-US" altLang="zh-CN" sz="1800" i="0" u="none" strike="noStrike" cap="none" normalizeH="0" baseline="0" smtClean="0">
-              <a:ln>
-                <a:noFill/>
-              </a:ln>
-              <a:solidFill>
-                <a:schemeClr val="tx1"/>
-              </a:solidFill>
-              <a:effectLst/>
-              <a:latin typeface="Arial" panose="020B0604020202090204" pitchFamily="34" charset="0"/>
-              <a:ea typeface="SimSun" pitchFamily="2" charset="-122"/>
-              <a:cs typeface="Arial" panose="020B0604020202090204" pitchFamily="34" charset="0"/>
-              <a:sym typeface="+mn-ea"/>
-            </a:endParaRPr>
           </a:p>
         </p:txBody>
       </p:sp>
@@ -13060,6 +12042,7 @@
         </p:spPr>
         <p:txBody>
           <a:bodyPr vert="horz" wrap="none" lIns="91440" tIns="45720" rIns="91440" bIns="45720" numCol="1" anchor="ctr" anchorCtr="0" compatLnSpc="1"/>
+          <a:lstStyle/>
           <a:p>
             <a:pPr marL="0" marR="0" indent="0" algn="l" defTabSz="914400" rtl="0" eaLnBrk="1" fontAlgn="base" latinLnBrk="0" hangingPunct="1">
               <a:lnSpc>
@@ -13091,18 +12074,6 @@
               </a:rPr>
               <a:t>SINGLE PARAMETER</a:t>
             </a:r>
-            <a:endParaRPr kumimoji="0" lang="en-US" altLang="zh-CN" sz="1800" b="1" i="0" u="none" strike="noStrike" cap="none" normalizeH="0" baseline="0" smtClean="0">
-              <a:ln>
-                <a:noFill/>
-              </a:ln>
-              <a:solidFill>
-                <a:schemeClr val="bg1"/>
-              </a:solidFill>
-              <a:effectLst/>
-              <a:latin typeface="Arial Bold" panose="020B0604020202090204" charset="0"/>
-              <a:ea typeface="SimSun" pitchFamily="2" charset="-122"/>
-              <a:cs typeface="Arial Bold" panose="020B0604020202090204" charset="0"/>
-            </a:endParaRPr>
           </a:p>
         </p:txBody>
       </p:sp>
@@ -13142,6 +12113,7 @@
         </p:spPr>
         <p:txBody>
           <a:bodyPr vert="horz" wrap="none" lIns="91440" tIns="45720" rIns="91440" bIns="45720" numCol="1" anchor="t" anchorCtr="0" compatLnSpc="1"/>
+          <a:lstStyle/>
           <a:p>
             <a:pPr marR="0" indent="0" algn="l" defTabSz="914400" rtl="0" eaLnBrk="1" fontAlgn="base" latinLnBrk="0" hangingPunct="1">
               <a:lnSpc>
@@ -13212,16 +12184,6 @@
               </a:rPr>
               <a:t>= [param]</a:t>
             </a:r>
-            <a:endParaRPr lang="en-US" altLang="zh-CN" smtClean="0">
-              <a:ln>
-                <a:noFill/>
-              </a:ln>
-              <a:effectLst/>
-              <a:latin typeface="Arial" panose="020B0604020202090204" pitchFamily="34" charset="0"/>
-              <a:ea typeface="SimSun" pitchFamily="2" charset="-122"/>
-              <a:cs typeface="Arial" panose="020B0604020202090204" pitchFamily="34" charset="0"/>
-              <a:sym typeface="+mn-ea"/>
-            </a:endParaRPr>
           </a:p>
           <a:p>
             <a:pPr marR="0" indent="0" algn="l" defTabSz="914400" rtl="0" eaLnBrk="1" fontAlgn="base" latinLnBrk="0" hangingPunct="1">
@@ -13254,19 +12216,6 @@
               </a:rPr>
               <a:t>  =&gt; </a:t>
             </a:r>
-            <a:endParaRPr lang="en-US" altLang="zh-CN" smtClean="0">
-              <a:ln>
-                <a:noFill/>
-              </a:ln>
-              <a:solidFill>
-                <a:srgbClr val="FF0000"/>
-              </a:solidFill>
-              <a:effectLst/>
-              <a:latin typeface="Arial" panose="020B0604020202090204" pitchFamily="34" charset="0"/>
-              <a:ea typeface="SimSun" pitchFamily="2" charset="-122"/>
-              <a:cs typeface="Arial" panose="020B0604020202090204" pitchFamily="34" charset="0"/>
-              <a:sym typeface="+mn-ea"/>
-            </a:endParaRPr>
           </a:p>
           <a:p>
             <a:pPr marR="0" indent="0" algn="l" defTabSz="914400" rtl="0" eaLnBrk="1" fontAlgn="base" latinLnBrk="0" hangingPunct="1">
@@ -13547,16 +12496,6 @@
               </a:rPr>
               <a:t>}</a:t>
             </a:r>
-            <a:endParaRPr lang="en-US" altLang="zh-CN" smtClean="0">
-              <a:ln>
-                <a:noFill/>
-              </a:ln>
-              <a:effectLst/>
-              <a:latin typeface="Arial" panose="020B0604020202090204" pitchFamily="34" charset="0"/>
-              <a:ea typeface="SimSun" pitchFamily="2" charset="-122"/>
-              <a:cs typeface="Arial" panose="020B0604020202090204" pitchFamily="34" charset="0"/>
-              <a:sym typeface="+mn-ea"/>
-            </a:endParaRPr>
           </a:p>
           <a:p>
             <a:pPr marR="0" indent="0" algn="l" defTabSz="914400" rtl="0" eaLnBrk="1" fontAlgn="base" latinLnBrk="0" hangingPunct="1">
@@ -13790,6 +12729,7 @@
         </p:spPr>
         <p:txBody>
           <a:bodyPr vert="horz" wrap="none" lIns="91440" tIns="45720" rIns="91440" bIns="45720" numCol="1" anchor="t" anchorCtr="0" compatLnSpc="1"/>
+          <a:lstStyle/>
           <a:p>
             <a:pPr marR="0" indent="0" algn="l" defTabSz="914400" rtl="0" eaLnBrk="1" fontAlgn="base" latinLnBrk="0" hangingPunct="1">
               <a:lnSpc>
@@ -13960,19 +12900,6 @@
               </a:rPr>
               <a:t>  =&gt;  [value]</a:t>
             </a:r>
-            <a:endParaRPr lang="en-US" altLang="zh-CN" smtClean="0">
-              <a:ln>
-                <a:noFill/>
-              </a:ln>
-              <a:solidFill>
-                <a:srgbClr val="FF0000"/>
-              </a:solidFill>
-              <a:effectLst/>
-              <a:latin typeface="Arial" panose="020B0604020202090204" pitchFamily="34" charset="0"/>
-              <a:ea typeface="SimSun" pitchFamily="2" charset="-122"/>
-              <a:cs typeface="Arial" panose="020B0604020202090204" pitchFamily="34" charset="0"/>
-              <a:sym typeface="+mn-ea"/>
-            </a:endParaRPr>
           </a:p>
           <a:p>
             <a:pPr marR="0" indent="0" algn="l" defTabSz="914400" rtl="0" eaLnBrk="1" fontAlgn="base" latinLnBrk="0" hangingPunct="1">
@@ -14289,6 +13216,7 @@
         </p:spPr>
         <p:txBody>
           <a:bodyPr vert="horz" wrap="none" lIns="91440" tIns="45720" rIns="91440" bIns="45720" numCol="1" anchor="ctr" anchorCtr="0" compatLnSpc="1"/>
+          <a:lstStyle/>
           <a:p>
             <a:pPr marL="0" marR="0" indent="0" algn="l" defTabSz="914400" rtl="0" eaLnBrk="1" fontAlgn="base" latinLnBrk="0" hangingPunct="1">
               <a:lnSpc>
@@ -14320,18 +13248,6 @@
               </a:rPr>
               <a:t>ONLY SINGLE STATEMENT BODY</a:t>
             </a:r>
-            <a:endParaRPr kumimoji="0" lang="en-US" altLang="zh-CN" sz="1800" b="1" i="0" u="none" strike="noStrike" cap="none" normalizeH="0" baseline="0" smtClean="0">
-              <a:ln>
-                <a:noFill/>
-              </a:ln>
-              <a:solidFill>
-                <a:schemeClr val="bg1"/>
-              </a:solidFill>
-              <a:effectLst/>
-              <a:latin typeface="Arial Bold" panose="020B0604020202090204" charset="0"/>
-              <a:ea typeface="SimSun" pitchFamily="2" charset="-122"/>
-              <a:cs typeface="Arial Bold" panose="020B0604020202090204" charset="0"/>
-            </a:endParaRPr>
           </a:p>
           <a:p>
             <a:pPr marL="0" marR="0" indent="0" algn="l" defTabSz="914400" rtl="0" eaLnBrk="1" fontAlgn="base" latinLnBrk="0" hangingPunct="1">
@@ -14364,18 +13280,6 @@
               </a:rPr>
               <a:t>A RETURN VALUE</a:t>
             </a:r>
-            <a:endParaRPr kumimoji="0" lang="en-US" altLang="zh-CN" sz="1800" b="1" i="0" u="none" strike="noStrike" cap="none" normalizeH="0" baseline="0" smtClean="0">
-              <a:ln>
-                <a:noFill/>
-              </a:ln>
-              <a:solidFill>
-                <a:schemeClr val="bg1"/>
-              </a:solidFill>
-              <a:effectLst/>
-              <a:latin typeface="Arial Bold" panose="020B0604020202090204" charset="0"/>
-              <a:ea typeface="SimSun" pitchFamily="2" charset="-122"/>
-              <a:cs typeface="Arial Bold" panose="020B0604020202090204" charset="0"/>
-            </a:endParaRPr>
           </a:p>
         </p:txBody>
       </p:sp>
@@ -14399,6 +13303,7 @@
           <a:bodyPr wrap="square" rtlCol="0">
             <a:spAutoFit/>
           </a:bodyPr>
+          <a:lstStyle/>
           <a:p>
             <a:r>
               <a:rPr lang="en-US" sz="2400" b="1">
@@ -14410,13 +13315,6 @@
               </a:rPr>
               <a:t>Arrow function can't use this or super in its body!!!!!!!!!!!!!</a:t>
             </a:r>
-            <a:endParaRPr lang="en-US" sz="2400" b="1">
-              <a:solidFill>
-                <a:srgbClr val="FF0000"/>
-              </a:solidFill>
-              <a:latin typeface="Arial Bold" panose="020B0604020202090204" charset="0"/>
-              <a:cs typeface="Arial Bold" panose="020B0604020202090204" charset="0"/>
-            </a:endParaRPr>
           </a:p>
           <a:p>
             <a:r>
@@ -14429,13 +13327,6 @@
               </a:rPr>
               <a:t>Arrow function can't be used as method in a class</a:t>
             </a:r>
-            <a:endParaRPr lang="en-US" sz="2400" b="1">
-              <a:solidFill>
-                <a:srgbClr val="FF0000"/>
-              </a:solidFill>
-              <a:latin typeface="Arial Bold" panose="020B0604020202090204" charset="0"/>
-              <a:cs typeface="Arial Bold" panose="020B0604020202090204" charset="0"/>
-            </a:endParaRPr>
           </a:p>
         </p:txBody>
       </p:sp>
@@ -14456,7 +13347,14 @@
         <p:cNvGrpSpPr/>
         <p:nvPr/>
       </p:nvGrpSpPr>
-      <p:grpSpPr/>
+      <p:grpSpPr>
+        <a:xfrm>
+          <a:off x="0" y="0"/>
+          <a:ext cx="0" cy="0"/>
+          <a:chOff x="0" y="0"/>
+          <a:chExt cx="0" cy="0"/>
+        </a:xfrm>
+      </p:grpSpPr>
       <p:sp>
         <p:nvSpPr>
           <p:cNvPr id="2" name="Title 1"/>
@@ -14470,12 +13368,12 @@
         <p:spPr/>
         <p:txBody>
           <a:bodyPr/>
+          <a:lstStyle/>
           <a:p>
             <a:r>
               <a:rPr lang="en-US"/>
               <a:t>ADVANCE JAVASCRIPT</a:t>
             </a:r>
-            <a:endParaRPr lang="en-US"/>
           </a:p>
         </p:txBody>
       </p:sp>
@@ -14499,6 +13397,7 @@
           <a:bodyPr wrap="none" rtlCol="0">
             <a:spAutoFit/>
           </a:bodyPr>
+          <a:lstStyle/>
           <a:p>
             <a:r>
               <a:rPr lang="en-US" b="1">
@@ -14507,10 +13406,6 @@
               </a:rPr>
               <a:t>OBJECT : DEFINITIONS</a:t>
             </a:r>
-            <a:endParaRPr lang="en-US" b="1">
-              <a:latin typeface="Arial Bold" panose="020B0604020202090204" charset="0"/>
-              <a:cs typeface="Arial Bold" panose="020B0604020202090204" charset="0"/>
-            </a:endParaRPr>
           </a:p>
         </p:txBody>
       </p:sp>
@@ -14553,6 +13448,7 @@
         </p:spPr>
         <p:txBody>
           <a:bodyPr vert="horz" wrap="none" lIns="91440" tIns="45720" rIns="91440" bIns="45720" numCol="1" anchor="ctr" anchorCtr="0" compatLnSpc="1"/>
+          <a:lstStyle/>
           <a:p>
             <a:pPr marL="0" marR="0" indent="0" algn="l" defTabSz="914400" rtl="0" eaLnBrk="1" fontAlgn="base" latinLnBrk="0" hangingPunct="1">
               <a:lnSpc>
@@ -14584,18 +13480,6 @@
               </a:rPr>
               <a:t>JSON DEFINITION as VALUE</a:t>
             </a:r>
-            <a:endParaRPr kumimoji="0" lang="en-US" altLang="zh-CN" sz="1800" b="1" i="0" u="none" strike="noStrike" cap="none" normalizeH="0" baseline="0" smtClean="0">
-              <a:ln>
-                <a:noFill/>
-              </a:ln>
-              <a:solidFill>
-                <a:schemeClr val="bg1"/>
-              </a:solidFill>
-              <a:effectLst/>
-              <a:latin typeface="Arial Bold" panose="020B0604020202090204" charset="0"/>
-              <a:ea typeface="SimSun" pitchFamily="2" charset="-122"/>
-              <a:cs typeface="Arial Bold" panose="020B0604020202090204" charset="0"/>
-            </a:endParaRPr>
           </a:p>
         </p:txBody>
       </p:sp>
@@ -14635,6 +13519,7 @@
         </p:spPr>
         <p:txBody>
           <a:bodyPr vert="horz" wrap="none" lIns="91440" tIns="45720" rIns="91440" bIns="45720" numCol="1" anchor="t" anchorCtr="0" compatLnSpc="1"/>
+          <a:lstStyle/>
           <a:p>
             <a:pPr marR="0" indent="0" algn="l" defTabSz="914400" rtl="0" eaLnBrk="1" fontAlgn="base" latinLnBrk="0" hangingPunct="1">
               <a:lnSpc>
@@ -14705,16 +13590,6 @@
               </a:rPr>
               <a:t>= {</a:t>
             </a:r>
-            <a:endParaRPr lang="en-US" altLang="zh-CN" smtClean="0">
-              <a:ln>
-                <a:noFill/>
-              </a:ln>
-              <a:effectLst/>
-              <a:latin typeface="Arial" panose="020B0604020202090204" pitchFamily="34" charset="0"/>
-              <a:ea typeface="SimSun" pitchFamily="2" charset="-122"/>
-              <a:cs typeface="Arial" panose="020B0604020202090204" pitchFamily="34" charset="0"/>
-              <a:sym typeface="+mn-ea"/>
-            </a:endParaRPr>
           </a:p>
           <a:p>
             <a:pPr marL="171450" marR="0" indent="-33020" algn="l" defTabSz="914400" rtl="0" eaLnBrk="1" fontAlgn="base" latinLnBrk="0" hangingPunct="1">
@@ -14744,16 +13619,6 @@
               </a:rPr>
               <a:t> [field_name]:[field_value],</a:t>
             </a:r>
-            <a:endParaRPr lang="en-US" altLang="zh-CN" smtClean="0">
-              <a:ln>
-                <a:noFill/>
-              </a:ln>
-              <a:effectLst/>
-              <a:latin typeface="Arial" panose="020B0604020202090204" pitchFamily="34" charset="0"/>
-              <a:ea typeface="SimSun" pitchFamily="2" charset="-122"/>
-              <a:cs typeface="Arial" panose="020B0604020202090204" pitchFamily="34" charset="0"/>
-              <a:sym typeface="+mn-ea"/>
-            </a:endParaRPr>
           </a:p>
           <a:p>
             <a:pPr marL="171450" marR="0" indent="-33020" algn="l" defTabSz="914400" rtl="0" eaLnBrk="1" fontAlgn="base" latinLnBrk="0" hangingPunct="1">
@@ -14783,16 +13648,6 @@
               </a:rPr>
               <a:t> [field_name]:[field_value],</a:t>
             </a:r>
-            <a:endParaRPr lang="en-US" altLang="zh-CN" smtClean="0">
-              <a:ln>
-                <a:noFill/>
-              </a:ln>
-              <a:effectLst/>
-              <a:latin typeface="Arial" panose="020B0604020202090204" pitchFamily="34" charset="0"/>
-              <a:ea typeface="SimSun" pitchFamily="2" charset="-122"/>
-              <a:cs typeface="Arial" panose="020B0604020202090204" pitchFamily="34" charset="0"/>
-              <a:sym typeface="+mn-ea"/>
-            </a:endParaRPr>
           </a:p>
           <a:p>
             <a:pPr marL="171450" marR="0" indent="-33020" algn="l" defTabSz="914400" rtl="0" eaLnBrk="1" fontAlgn="base" latinLnBrk="0" hangingPunct="1">
@@ -14822,16 +13677,6 @@
               </a:rPr>
               <a:t> [field_name]:[field_value],</a:t>
             </a:r>
-            <a:endParaRPr lang="en-US" altLang="zh-CN" smtClean="0">
-              <a:ln>
-                <a:noFill/>
-              </a:ln>
-              <a:effectLst/>
-              <a:latin typeface="Arial" panose="020B0604020202090204" pitchFamily="34" charset="0"/>
-              <a:ea typeface="SimSun" pitchFamily="2" charset="-122"/>
-              <a:cs typeface="Arial" panose="020B0604020202090204" pitchFamily="34" charset="0"/>
-              <a:sym typeface="+mn-ea"/>
-            </a:endParaRPr>
           </a:p>
           <a:p>
             <a:pPr marL="171450" marR="0" indent="-33020" algn="l" defTabSz="914400" rtl="0" eaLnBrk="1" fontAlgn="base" latinLnBrk="0" hangingPunct="1">
@@ -14861,16 +13706,6 @@
               </a:rPr>
               <a:t> [field_name]:[field_value],</a:t>
             </a:r>
-            <a:endParaRPr lang="en-US" altLang="zh-CN" smtClean="0">
-              <a:ln>
-                <a:noFill/>
-              </a:ln>
-              <a:effectLst/>
-              <a:latin typeface="Arial" panose="020B0604020202090204" pitchFamily="34" charset="0"/>
-              <a:ea typeface="SimSun" pitchFamily="2" charset="-122"/>
-              <a:cs typeface="Arial" panose="020B0604020202090204" pitchFamily="34" charset="0"/>
-              <a:sym typeface="+mn-ea"/>
-            </a:endParaRPr>
           </a:p>
           <a:p>
             <a:pPr marL="171450" marR="0" indent="-33020" algn="l" defTabSz="914400" rtl="0" eaLnBrk="1" fontAlgn="base" latinLnBrk="0" hangingPunct="1">
@@ -14900,16 +13735,6 @@
               </a:rPr>
               <a:t> [field_method]:[function_def]   </a:t>
             </a:r>
-            <a:endParaRPr lang="en-US" altLang="zh-CN" smtClean="0">
-              <a:ln>
-                <a:noFill/>
-              </a:ln>
-              <a:effectLst/>
-              <a:latin typeface="Arial" panose="020B0604020202090204" pitchFamily="34" charset="0"/>
-              <a:ea typeface="SimSun" pitchFamily="2" charset="-122"/>
-              <a:cs typeface="Arial" panose="020B0604020202090204" pitchFamily="34" charset="0"/>
-              <a:sym typeface="+mn-ea"/>
-            </a:endParaRPr>
           </a:p>
           <a:p>
             <a:pPr marR="0" indent="0" algn="l" defTabSz="914400" rtl="0" eaLnBrk="1" fontAlgn="base" latinLnBrk="0" hangingPunct="1">
@@ -14942,6 +13767,22 @@
               </a:rPr>
               <a:t>}</a:t>
             </a:r>
+          </a:p>
+          <a:p>
+            <a:pPr marR="0" indent="0" algn="l" defTabSz="914400" rtl="0" eaLnBrk="1" fontAlgn="base" latinLnBrk="0" hangingPunct="1">
+              <a:lnSpc>
+                <a:spcPct val="100000"/>
+              </a:lnSpc>
+              <a:spcBef>
+                <a:spcPct val="0"/>
+              </a:spcBef>
+              <a:spcAft>
+                <a:spcPct val="0"/>
+              </a:spcAft>
+              <a:buClrTx/>
+              <a:buSzTx/>
+              <a:buNone/>
+            </a:pPr>
             <a:endParaRPr kumimoji="0" lang="en-US" altLang="zh-CN" sz="1800" i="0" u="none" strike="noStrike" cap="none" normalizeH="0" baseline="0" smtClean="0">
               <a:ln>
                 <a:noFill/>
@@ -15000,19 +13841,22 @@
               <a:buSzTx/>
               <a:buNone/>
             </a:pPr>
-            <a:endParaRPr kumimoji="0" lang="en-US" altLang="zh-CN" sz="1800" i="0" u="none" strike="noStrike" cap="none" normalizeH="0" baseline="0" smtClean="0">
-              <a:ln>
-                <a:noFill/>
-              </a:ln>
-              <a:solidFill>
-                <a:schemeClr val="tx1"/>
-              </a:solidFill>
-              <a:effectLst/>
-              <a:latin typeface="Arial" panose="020B0604020202090204" pitchFamily="34" charset="0"/>
-              <a:ea typeface="SimSun" pitchFamily="2" charset="-122"/>
-              <a:cs typeface="Arial" panose="020B0604020202090204" pitchFamily="34" charset="0"/>
-              <a:sym typeface="+mn-ea"/>
-            </a:endParaRPr>
+            <a:r>
+              <a:rPr kumimoji="0" lang="en-US" altLang="zh-CN" sz="1800" i="0" u="none" strike="noStrike" cap="none" normalizeH="0" baseline="0" smtClean="0">
+                <a:ln>
+                  <a:noFill/>
+                </a:ln>
+                <a:solidFill>
+                  <a:schemeClr val="tx1"/>
+                </a:solidFill>
+                <a:effectLst/>
+                <a:latin typeface="Arial" panose="020B0604020202090204" pitchFamily="34" charset="0"/>
+                <a:ea typeface="SimSun" pitchFamily="2" charset="-122"/>
+                <a:cs typeface="Arial" panose="020B0604020202090204" pitchFamily="34" charset="0"/>
+                <a:sym typeface="+mn-ea"/>
+              </a:rPr>
+              <a:t>ex:    person = {</a:t>
+            </a:r>
           </a:p>
           <a:p>
             <a:pPr marR="0" indent="0" algn="l" defTabSz="914400" rtl="0" eaLnBrk="1" fontAlgn="base" latinLnBrk="0" hangingPunct="1">
@@ -15043,21 +13887,8 @@
                 <a:cs typeface="Arial" panose="020B0604020202090204" pitchFamily="34" charset="0"/>
                 <a:sym typeface="+mn-ea"/>
               </a:rPr>
-              <a:t>ex:    person = {</a:t>
-            </a:r>
-            <a:endParaRPr kumimoji="0" lang="en-US" altLang="zh-CN" sz="1800" i="0" u="none" strike="noStrike" cap="none" normalizeH="0" baseline="0" smtClean="0">
-              <a:ln>
-                <a:noFill/>
-              </a:ln>
-              <a:solidFill>
-                <a:schemeClr val="tx1"/>
-              </a:solidFill>
-              <a:effectLst/>
-              <a:latin typeface="Arial" panose="020B0604020202090204" pitchFamily="34" charset="0"/>
-              <a:ea typeface="SimSun" pitchFamily="2" charset="-122"/>
-              <a:cs typeface="Arial" panose="020B0604020202090204" pitchFamily="34" charset="0"/>
-              <a:sym typeface="+mn-ea"/>
-            </a:endParaRPr>
+              <a:t>     id:1, name:'bobby',</a:t>
+            </a:r>
           </a:p>
           <a:p>
             <a:pPr marR="0" indent="0" algn="l" defTabSz="914400" rtl="0" eaLnBrk="1" fontAlgn="base" latinLnBrk="0" hangingPunct="1">
@@ -15088,21 +13919,8 @@
                 <a:cs typeface="Arial" panose="020B0604020202090204" pitchFamily="34" charset="0"/>
                 <a:sym typeface="+mn-ea"/>
               </a:rPr>
-              <a:t>     id:1, name:'bobby',</a:t>
-            </a:r>
-            <a:endParaRPr kumimoji="0" lang="en-US" altLang="zh-CN" sz="1800" i="0" u="none" strike="noStrike" cap="none" normalizeH="0" baseline="0" smtClean="0">
-              <a:ln>
-                <a:noFill/>
-              </a:ln>
-              <a:solidFill>
-                <a:schemeClr val="tx1"/>
-              </a:solidFill>
-              <a:effectLst/>
-              <a:latin typeface="Arial" panose="020B0604020202090204" pitchFamily="34" charset="0"/>
-              <a:ea typeface="SimSun" pitchFamily="2" charset="-122"/>
-              <a:cs typeface="Arial" panose="020B0604020202090204" pitchFamily="34" charset="0"/>
-              <a:sym typeface="+mn-ea"/>
-            </a:endParaRPr>
+              <a:t>     eat: function(x) =&gt; </a:t>
+            </a:r>
           </a:p>
           <a:p>
             <a:pPr marR="0" indent="0" algn="l" defTabSz="914400" rtl="0" eaLnBrk="1" fontAlgn="base" latinLnBrk="0" hangingPunct="1">
@@ -15133,21 +13951,8 @@
                 <a:cs typeface="Arial" panose="020B0604020202090204" pitchFamily="34" charset="0"/>
                 <a:sym typeface="+mn-ea"/>
               </a:rPr>
-              <a:t>     eat: function(x) =&gt; </a:t>
-            </a:r>
-            <a:endParaRPr kumimoji="0" lang="en-US" altLang="zh-CN" sz="1800" i="0" u="none" strike="noStrike" cap="none" normalizeH="0" baseline="0" smtClean="0">
-              <a:ln>
-                <a:noFill/>
-              </a:ln>
-              <a:solidFill>
-                <a:schemeClr val="tx1"/>
-              </a:solidFill>
-              <a:effectLst/>
-              <a:latin typeface="Arial" panose="020B0604020202090204" pitchFamily="34" charset="0"/>
-              <a:ea typeface="SimSun" pitchFamily="2" charset="-122"/>
-              <a:cs typeface="Arial" panose="020B0604020202090204" pitchFamily="34" charset="0"/>
-              <a:sym typeface="+mn-ea"/>
-            </a:endParaRPr>
+              <a:t>      { return this.name + ' ' + x}</a:t>
+            </a:r>
           </a:p>
           <a:p>
             <a:pPr marR="0" indent="0" algn="l" defTabSz="914400" rtl="0" eaLnBrk="1" fontAlgn="base" latinLnBrk="0" hangingPunct="1">
@@ -15178,66 +13983,8 @@
                 <a:cs typeface="Arial" panose="020B0604020202090204" pitchFamily="34" charset="0"/>
                 <a:sym typeface="+mn-ea"/>
               </a:rPr>
-              <a:t>      { return this.name + ' ' + x}</a:t>
-            </a:r>
-            <a:endParaRPr kumimoji="0" lang="en-US" altLang="zh-CN" sz="1800" i="0" u="none" strike="noStrike" cap="none" normalizeH="0" baseline="0" smtClean="0">
-              <a:ln>
-                <a:noFill/>
-              </a:ln>
-              <a:solidFill>
-                <a:schemeClr val="tx1"/>
-              </a:solidFill>
-              <a:effectLst/>
-              <a:latin typeface="Arial" panose="020B0604020202090204" pitchFamily="34" charset="0"/>
-              <a:ea typeface="SimSun" pitchFamily="2" charset="-122"/>
-              <a:cs typeface="Arial" panose="020B0604020202090204" pitchFamily="34" charset="0"/>
-              <a:sym typeface="+mn-ea"/>
-            </a:endParaRPr>
-          </a:p>
-          <a:p>
-            <a:pPr marR="0" indent="0" algn="l" defTabSz="914400" rtl="0" eaLnBrk="1" fontAlgn="base" latinLnBrk="0" hangingPunct="1">
-              <a:lnSpc>
-                <a:spcPct val="100000"/>
-              </a:lnSpc>
-              <a:spcBef>
-                <a:spcPct val="0"/>
-              </a:spcBef>
-              <a:spcAft>
-                <a:spcPct val="0"/>
-              </a:spcAft>
-              <a:buClrTx/>
-              <a:buSzTx/>
-              <a:buNone/>
-            </a:pPr>
-            <a:r>
-              <a:rPr kumimoji="0" lang="en-US" altLang="zh-CN" sz="1800" i="0" u="none" strike="noStrike" cap="none" normalizeH="0" baseline="0" smtClean="0">
-                <a:ln>
-                  <a:noFill/>
-                </a:ln>
-                <a:solidFill>
-                  <a:schemeClr val="tx1"/>
-                </a:solidFill>
-                <a:effectLst/>
-                <a:latin typeface="Arial" panose="020B0604020202090204" pitchFamily="34" charset="0"/>
-                <a:ea typeface="SimSun" pitchFamily="2" charset="-122"/>
-                <a:cs typeface="Arial" panose="020B0604020202090204" pitchFamily="34" charset="0"/>
-                <a:sym typeface="+mn-ea"/>
-              </a:rPr>
               <a:t>}</a:t>
             </a:r>
-            <a:endParaRPr kumimoji="0" lang="en-US" altLang="zh-CN" sz="1800" i="0" u="none" strike="noStrike" cap="none" normalizeH="0" baseline="0" smtClean="0">
-              <a:ln>
-                <a:noFill/>
-              </a:ln>
-              <a:solidFill>
-                <a:schemeClr val="tx1"/>
-              </a:solidFill>
-              <a:effectLst/>
-              <a:latin typeface="Arial" panose="020B0604020202090204" pitchFamily="34" charset="0"/>
-              <a:ea typeface="SimSun" pitchFamily="2" charset="-122"/>
-              <a:cs typeface="Arial" panose="020B0604020202090204" pitchFamily="34" charset="0"/>
-              <a:sym typeface="+mn-ea"/>
-            </a:endParaRPr>
           </a:p>
         </p:txBody>
       </p:sp>
@@ -15280,6 +14027,7 @@
         </p:spPr>
         <p:txBody>
           <a:bodyPr vert="horz" wrap="none" lIns="91440" tIns="45720" rIns="91440" bIns="45720" numCol="1" anchor="ctr" anchorCtr="0" compatLnSpc="1"/>
+          <a:lstStyle/>
           <a:p>
             <a:pPr marL="0" marR="0" indent="0" algn="l" defTabSz="914400" rtl="0" eaLnBrk="1" fontAlgn="base" latinLnBrk="0" hangingPunct="1">
               <a:lnSpc>
@@ -15311,18 +14059,6 @@
               </a:rPr>
               <a:t>FUNCTION CONSTRUCTOR</a:t>
             </a:r>
-            <a:endParaRPr kumimoji="0" lang="en-US" altLang="zh-CN" sz="1800" b="1" i="0" u="none" strike="noStrike" cap="none" normalizeH="0" baseline="0" smtClean="0">
-              <a:ln>
-                <a:noFill/>
-              </a:ln>
-              <a:solidFill>
-                <a:schemeClr val="bg1"/>
-              </a:solidFill>
-              <a:effectLst/>
-              <a:latin typeface="Arial Bold" panose="020B0604020202090204" charset="0"/>
-              <a:ea typeface="SimSun" pitchFamily="2" charset="-122"/>
-              <a:cs typeface="Arial Bold" panose="020B0604020202090204" charset="0"/>
-            </a:endParaRPr>
           </a:p>
         </p:txBody>
       </p:sp>
@@ -15362,6 +14098,7 @@
         </p:spPr>
         <p:txBody>
           <a:bodyPr vert="horz" wrap="none" lIns="91440" tIns="45720" rIns="91440" bIns="45720" numCol="1" anchor="t" anchorCtr="0" compatLnSpc="1"/>
+          <a:lstStyle/>
           <a:p>
             <a:pPr marR="0" indent="0" algn="l" defTabSz="914400" rtl="0" eaLnBrk="1" fontAlgn="base" latinLnBrk="0" hangingPunct="1">
               <a:lnSpc>
@@ -15390,16 +14127,6 @@
               </a:rPr>
               <a:t>function [className]([</a:t>
             </a:r>
-            <a:endParaRPr lang="en-US" altLang="zh-CN" smtClean="0">
-              <a:ln>
-                <a:noFill/>
-              </a:ln>
-              <a:effectLst/>
-              <a:latin typeface="Arial" panose="020B0604020202090204" pitchFamily="34" charset="0"/>
-              <a:ea typeface="SimSun" pitchFamily="2" charset="-122"/>
-              <a:cs typeface="Arial" panose="020B0604020202090204" pitchFamily="34" charset="0"/>
-              <a:sym typeface="+mn-ea"/>
-            </a:endParaRPr>
           </a:p>
           <a:p>
             <a:pPr marR="0" indent="0" algn="l" defTabSz="914400" rtl="0" eaLnBrk="1" fontAlgn="base" latinLnBrk="0" hangingPunct="1">
@@ -15429,16 +14156,6 @@
               </a:rPr>
               <a:t>   param1, param2, ...]</a:t>
             </a:r>
-            <a:endParaRPr lang="en-US" altLang="zh-CN" smtClean="0">
-              <a:ln>
-                <a:noFill/>
-              </a:ln>
-              <a:effectLst/>
-              <a:latin typeface="Arial" panose="020B0604020202090204" pitchFamily="34" charset="0"/>
-              <a:ea typeface="SimSun" pitchFamily="2" charset="-122"/>
-              <a:cs typeface="Arial" panose="020B0604020202090204" pitchFamily="34" charset="0"/>
-              <a:sym typeface="+mn-ea"/>
-            </a:endParaRPr>
           </a:p>
           <a:p>
             <a:pPr marR="0" indent="0" algn="l" defTabSz="914400" rtl="0" eaLnBrk="1" fontAlgn="base" latinLnBrk="0" hangingPunct="1">
@@ -15471,19 +14188,6 @@
               </a:rPr>
               <a:t>  </a:t>
             </a:r>
-            <a:endParaRPr lang="en-US" altLang="zh-CN" smtClean="0">
-              <a:ln>
-                <a:noFill/>
-              </a:ln>
-              <a:solidFill>
-                <a:srgbClr val="FF0000"/>
-              </a:solidFill>
-              <a:effectLst/>
-              <a:latin typeface="Arial" panose="020B0604020202090204" pitchFamily="34" charset="0"/>
-              <a:ea typeface="SimSun" pitchFamily="2" charset="-122"/>
-              <a:cs typeface="Arial" panose="020B0604020202090204" pitchFamily="34" charset="0"/>
-              <a:sym typeface="+mn-ea"/>
-            </a:endParaRPr>
           </a:p>
           <a:p>
             <a:pPr marR="0" indent="0" algn="l" defTabSz="914400" rtl="0" eaLnBrk="1" fontAlgn="base" latinLnBrk="0" hangingPunct="1">
@@ -15706,16 +14410,6 @@
               </a:rPr>
               <a:t>return this</a:t>
             </a:r>
-            <a:endParaRPr lang="en-US" altLang="zh-CN" smtClean="0">
-              <a:ln>
-                <a:noFill/>
-              </a:ln>
-              <a:effectLst/>
-              <a:latin typeface="Arial" panose="020B0604020202090204" pitchFamily="34" charset="0"/>
-              <a:ea typeface="SimSun" pitchFamily="2" charset="-122"/>
-              <a:cs typeface="Arial" panose="020B0604020202090204" pitchFamily="34" charset="0"/>
-              <a:sym typeface="+mn-ea"/>
-            </a:endParaRPr>
           </a:p>
           <a:p>
             <a:pPr marR="0" indent="0" algn="l" defTabSz="914400" rtl="0" eaLnBrk="1" fontAlgn="base" latinLnBrk="0" hangingPunct="1">
@@ -15745,16 +14439,6 @@
               </a:rPr>
               <a:t>}</a:t>
             </a:r>
-            <a:endParaRPr lang="en-US" altLang="zh-CN" smtClean="0">
-              <a:ln>
-                <a:noFill/>
-              </a:ln>
-              <a:effectLst/>
-              <a:latin typeface="Arial" panose="020B0604020202090204" pitchFamily="34" charset="0"/>
-              <a:ea typeface="SimSun" pitchFamily="2" charset="-122"/>
-              <a:cs typeface="Arial" panose="020B0604020202090204" pitchFamily="34" charset="0"/>
-              <a:sym typeface="+mn-ea"/>
-            </a:endParaRPr>
           </a:p>
           <a:p>
             <a:pPr marR="0" indent="0" algn="l" defTabSz="914400" rtl="0" eaLnBrk="1" fontAlgn="base" latinLnBrk="0" hangingPunct="1">
@@ -15842,16 +14526,6 @@
               </a:rPr>
               <a:t>ex :  x = new className()</a:t>
             </a:r>
-            <a:endParaRPr lang="en-US" altLang="zh-CN" smtClean="0">
-              <a:ln>
-                <a:noFill/>
-              </a:ln>
-              <a:effectLst/>
-              <a:latin typeface="Arial" panose="020B0604020202090204" pitchFamily="34" charset="0"/>
-              <a:ea typeface="SimSun" pitchFamily="2" charset="-122"/>
-              <a:cs typeface="Arial" panose="020B0604020202090204" pitchFamily="34" charset="0"/>
-              <a:sym typeface="+mn-ea"/>
-            </a:endParaRPr>
           </a:p>
           <a:p>
             <a:pPr marR="0" indent="0" algn="l" defTabSz="914400" rtl="0" eaLnBrk="1" fontAlgn="base" latinLnBrk="0" hangingPunct="1">
@@ -15959,6 +14633,7 @@
         </p:spPr>
         <p:txBody>
           <a:bodyPr vert="horz" wrap="none" lIns="91440" tIns="45720" rIns="91440" bIns="45720" numCol="1" anchor="t" anchorCtr="0" compatLnSpc="1"/>
+          <a:lstStyle/>
           <a:p>
             <a:pPr marR="0" indent="0" algn="l" defTabSz="914400" rtl="0" eaLnBrk="1" fontAlgn="base" latinLnBrk="0" hangingPunct="1">
               <a:lnSpc>
@@ -16000,16 +14675,6 @@
               </a:rPr>
               <a:t>className {</a:t>
             </a:r>
-            <a:endParaRPr lang="en-US" altLang="zh-CN" b="1" smtClean="0">
-              <a:ln>
-                <a:noFill/>
-              </a:ln>
-              <a:effectLst/>
-              <a:latin typeface="Arial Bold" panose="020B0604020202090204" charset="0"/>
-              <a:ea typeface="SimSun" pitchFamily="2" charset="-122"/>
-              <a:cs typeface="Arial Bold" panose="020B0604020202090204" charset="0"/>
-              <a:sym typeface="+mn-ea"/>
-            </a:endParaRPr>
           </a:p>
           <a:p>
             <a:pPr marR="0" indent="0" algn="l" defTabSz="914400" rtl="0" eaLnBrk="1" fontAlgn="base" latinLnBrk="0" hangingPunct="1">
@@ -16039,16 +14704,6 @@
               </a:rPr>
               <a:t>    var ....</a:t>
             </a:r>
-            <a:endParaRPr lang="en-US" altLang="zh-CN" b="1" smtClean="0">
-              <a:ln>
-                <a:noFill/>
-              </a:ln>
-              <a:effectLst/>
-              <a:latin typeface="Arial Bold" panose="020B0604020202090204" charset="0"/>
-              <a:ea typeface="SimSun" pitchFamily="2" charset="-122"/>
-              <a:cs typeface="Arial Bold" panose="020B0604020202090204" charset="0"/>
-              <a:sym typeface="+mn-ea"/>
-            </a:endParaRPr>
           </a:p>
           <a:p>
             <a:pPr marR="0" indent="0" algn="l" defTabSz="914400" rtl="0" eaLnBrk="1" fontAlgn="base" latinLnBrk="0" hangingPunct="1">
@@ -16078,16 +14733,6 @@
               </a:rPr>
               <a:t>    method() {</a:t>
             </a:r>
-            <a:endParaRPr lang="en-US" altLang="zh-CN" b="1" smtClean="0">
-              <a:ln>
-                <a:noFill/>
-              </a:ln>
-              <a:effectLst/>
-              <a:latin typeface="Arial Bold" panose="020B0604020202090204" charset="0"/>
-              <a:ea typeface="SimSun" pitchFamily="2" charset="-122"/>
-              <a:cs typeface="Arial Bold" panose="020B0604020202090204" charset="0"/>
-              <a:sym typeface="+mn-ea"/>
-            </a:endParaRPr>
           </a:p>
           <a:p>
             <a:pPr marR="0" indent="0" algn="l" defTabSz="914400" rtl="0" eaLnBrk="1" fontAlgn="base" latinLnBrk="0" hangingPunct="1">
@@ -16117,16 +14762,6 @@
               </a:rPr>
               <a:t>    }</a:t>
             </a:r>
-            <a:endParaRPr lang="en-US" altLang="zh-CN" b="1" smtClean="0">
-              <a:ln>
-                <a:noFill/>
-              </a:ln>
-              <a:effectLst/>
-              <a:latin typeface="Arial Bold" panose="020B0604020202090204" charset="0"/>
-              <a:ea typeface="SimSun" pitchFamily="2" charset="-122"/>
-              <a:cs typeface="Arial Bold" panose="020B0604020202090204" charset="0"/>
-              <a:sym typeface="+mn-ea"/>
-            </a:endParaRPr>
           </a:p>
           <a:p>
             <a:pPr marR="0" indent="0" algn="l" defTabSz="914400" rtl="0" eaLnBrk="1" fontAlgn="base" latinLnBrk="0" hangingPunct="1">
@@ -16337,6 +14972,7 @@
         </p:spPr>
         <p:txBody>
           <a:bodyPr vert="horz" wrap="none" lIns="91440" tIns="45720" rIns="91440" bIns="45720" numCol="1" anchor="ctr" anchorCtr="0" compatLnSpc="1"/>
+          <a:lstStyle/>
           <a:p>
             <a:pPr marL="0" marR="0" indent="0" algn="l" defTabSz="914400" rtl="0" eaLnBrk="1" fontAlgn="base" latinLnBrk="0" hangingPunct="1">
               <a:lnSpc>
@@ -16368,18 +15004,6 @@
               </a:rPr>
               <a:t>CLASS DEFINITION</a:t>
             </a:r>
-            <a:endParaRPr kumimoji="0" lang="en-US" altLang="zh-CN" sz="1800" b="1" i="0" u="none" strike="noStrike" cap="none" normalizeH="0" baseline="0" smtClean="0">
-              <a:ln>
-                <a:noFill/>
-              </a:ln>
-              <a:solidFill>
-                <a:schemeClr val="bg1"/>
-              </a:solidFill>
-              <a:effectLst/>
-              <a:latin typeface="Arial Bold" panose="020B0604020202090204" charset="0"/>
-              <a:ea typeface="SimSun" pitchFamily="2" charset="-122"/>
-              <a:cs typeface="Arial Bold" panose="020B0604020202090204" charset="0"/>
-            </a:endParaRPr>
           </a:p>
         </p:txBody>
       </p:sp>
@@ -16508,7 +15132,14 @@
         <p:cNvGrpSpPr/>
         <p:nvPr/>
       </p:nvGrpSpPr>
-      <p:grpSpPr/>
+      <p:grpSpPr>
+        <a:xfrm>
+          <a:off x="0" y="0"/>
+          <a:ext cx="0" cy="0"/>
+          <a:chOff x="0" y="0"/>
+          <a:chExt cx="0" cy="0"/>
+        </a:xfrm>
+      </p:grpSpPr>
       <p:sp>
         <p:nvSpPr>
           <p:cNvPr id="2" name="Title 1"/>
@@ -16522,12 +15153,12 @@
         <p:spPr/>
         <p:txBody>
           <a:bodyPr/>
+          <a:lstStyle/>
           <a:p>
             <a:r>
               <a:rPr lang="en-US"/>
               <a:t>ADVANCE JAVASCRIPT</a:t>
             </a:r>
-            <a:endParaRPr lang="en-US"/>
           </a:p>
         </p:txBody>
       </p:sp>
@@ -16551,6 +15182,7 @@
           <a:bodyPr wrap="none" rtlCol="0">
             <a:spAutoFit/>
           </a:bodyPr>
+          <a:lstStyle/>
           <a:p>
             <a:r>
               <a:rPr lang="en-US" b="1">
@@ -16559,10 +15191,6 @@
               </a:rPr>
               <a:t>OBJECT : ELEMENTS</a:t>
             </a:r>
-            <a:endParaRPr lang="en-US" b="1">
-              <a:latin typeface="Arial Bold" panose="020B0604020202090204" charset="0"/>
-              <a:cs typeface="Arial Bold" panose="020B0604020202090204" charset="0"/>
-            </a:endParaRPr>
           </a:p>
         </p:txBody>
       </p:sp>
@@ -16605,6 +15233,7 @@
         </p:spPr>
         <p:txBody>
           <a:bodyPr vert="horz" wrap="none" lIns="91440" tIns="45720" rIns="91440" bIns="45720" numCol="1" anchor="ctr" anchorCtr="0" compatLnSpc="1"/>
+          <a:lstStyle/>
           <a:p>
             <a:pPr marL="0" marR="0" indent="0" algn="l" defTabSz="914400" rtl="0" eaLnBrk="1" fontAlgn="base" latinLnBrk="0" hangingPunct="1">
               <a:lnSpc>
@@ -16636,18 +15265,6 @@
               </a:rPr>
               <a:t>field  &lt;==&gt; variable</a:t>
             </a:r>
-            <a:endParaRPr kumimoji="0" lang="en-US" altLang="zh-CN" sz="1800" b="1" i="0" u="none" strike="noStrike" cap="none" normalizeH="0" baseline="0" smtClean="0">
-              <a:ln>
-                <a:noFill/>
-              </a:ln>
-              <a:solidFill>
-                <a:schemeClr val="tx1"/>
-              </a:solidFill>
-              <a:effectLst/>
-              <a:latin typeface="Arial Bold" panose="020B0604020202090204" charset="0"/>
-              <a:ea typeface="SimSun" pitchFamily="2" charset="-122"/>
-              <a:cs typeface="Arial Bold" panose="020B0604020202090204" charset="0"/>
-            </a:endParaRPr>
           </a:p>
         </p:txBody>
       </p:sp>
@@ -16690,6 +15307,7 @@
         </p:spPr>
         <p:txBody>
           <a:bodyPr vert="horz" wrap="none" lIns="91440" tIns="45720" rIns="91440" bIns="45720" numCol="1" anchor="ctr" anchorCtr="0" compatLnSpc="1"/>
+          <a:lstStyle/>
           <a:p>
             <a:pPr marL="0" marR="0" indent="0" algn="l" defTabSz="914400" rtl="0" eaLnBrk="1" fontAlgn="base" latinLnBrk="0" hangingPunct="1">
               <a:lnSpc>
@@ -16721,18 +15339,6 @@
               </a:rPr>
               <a:t>method   &lt;==&gt; function</a:t>
             </a:r>
-            <a:endParaRPr kumimoji="0" lang="en-US" altLang="zh-CN" sz="1800" b="1" i="0" u="none" strike="noStrike" cap="none" normalizeH="0" baseline="0" smtClean="0">
-              <a:ln>
-                <a:noFill/>
-              </a:ln>
-              <a:solidFill>
-                <a:schemeClr val="tx1"/>
-              </a:solidFill>
-              <a:effectLst/>
-              <a:latin typeface="Arial Bold" panose="020B0604020202090204" charset="0"/>
-              <a:ea typeface="SimSun" pitchFamily="2" charset="-122"/>
-              <a:cs typeface="Arial Bold" panose="020B0604020202090204" charset="0"/>
-            </a:endParaRPr>
           </a:p>
         </p:txBody>
       </p:sp>
@@ -16775,6 +15381,7 @@
         </p:spPr>
         <p:txBody>
           <a:bodyPr vert="horz" wrap="none" lIns="91440" tIns="45720" rIns="91440" bIns="45720" numCol="1" anchor="t" anchorCtr="0" compatLnSpc="1"/>
+          <a:lstStyle/>
           <a:p>
             <a:pPr marL="0" marR="0" indent="0" algn="l" defTabSz="914400" rtl="0" eaLnBrk="1" fontAlgn="base" latinLnBrk="0" hangingPunct="1">
               <a:lnSpc>
@@ -16806,18 +15413,6 @@
               </a:rPr>
               <a:t>property  &lt;==&gt; function</a:t>
             </a:r>
-            <a:endParaRPr kumimoji="0" lang="en-US" altLang="zh-CN" sz="1800" b="1" i="0" u="none" strike="noStrike" cap="none" normalizeH="0" baseline="0" smtClean="0">
-              <a:ln>
-                <a:noFill/>
-              </a:ln>
-              <a:solidFill>
-                <a:schemeClr val="tx1"/>
-              </a:solidFill>
-              <a:effectLst/>
-              <a:latin typeface="Arial Bold" panose="020B0604020202090204" charset="0"/>
-              <a:ea typeface="SimSun" pitchFamily="2" charset="-122"/>
-              <a:cs typeface="Arial Bold" panose="020B0604020202090204" charset="0"/>
-            </a:endParaRPr>
           </a:p>
           <a:p>
             <a:pPr marL="0" marR="0" indent="0" algn="l" defTabSz="914400" rtl="0" eaLnBrk="1" fontAlgn="base" latinLnBrk="0" hangingPunct="1">
@@ -16850,18 +15445,6 @@
               </a:rPr>
               <a:t>     function_setter</a:t>
             </a:r>
-            <a:endParaRPr kumimoji="0" lang="en-US" altLang="zh-CN" sz="1800" b="1" i="0" u="none" strike="noStrike" cap="none" normalizeH="0" baseline="0" smtClean="0">
-              <a:ln>
-                <a:noFill/>
-              </a:ln>
-              <a:solidFill>
-                <a:schemeClr val="tx1"/>
-              </a:solidFill>
-              <a:effectLst/>
-              <a:latin typeface="Arial Bold" panose="020B0604020202090204" charset="0"/>
-              <a:ea typeface="SimSun" pitchFamily="2" charset="-122"/>
-              <a:cs typeface="Arial Bold" panose="020B0604020202090204" charset="0"/>
-            </a:endParaRPr>
           </a:p>
           <a:p>
             <a:pPr marL="0" marR="0" indent="0" algn="l" defTabSz="914400" rtl="0" eaLnBrk="1" fontAlgn="base" latinLnBrk="0" hangingPunct="1">
@@ -16894,18 +15477,6 @@
               </a:rPr>
               <a:t>     function_getter</a:t>
             </a:r>
-            <a:endParaRPr kumimoji="0" lang="en-US" altLang="zh-CN" sz="1800" b="1" i="0" u="none" strike="noStrike" cap="none" normalizeH="0" baseline="0" smtClean="0">
-              <a:ln>
-                <a:noFill/>
-              </a:ln>
-              <a:solidFill>
-                <a:schemeClr val="tx1"/>
-              </a:solidFill>
-              <a:effectLst/>
-              <a:latin typeface="Arial Bold" panose="020B0604020202090204" charset="0"/>
-              <a:ea typeface="SimSun" pitchFamily="2" charset="-122"/>
-              <a:cs typeface="Arial Bold" panose="020B0604020202090204" charset="0"/>
-            </a:endParaRPr>
           </a:p>
           <a:p>
             <a:pPr marL="0" marR="0" indent="0" algn="l" defTabSz="914400" rtl="0" eaLnBrk="1" fontAlgn="base" latinLnBrk="0" hangingPunct="1">
@@ -16938,18 +15509,6 @@
               </a:rPr>
               <a:t>   </a:t>
             </a:r>
-            <a:endParaRPr kumimoji="0" lang="en-US" altLang="zh-CN" sz="1800" b="1" i="0" u="none" strike="noStrike" cap="none" normalizeH="0" baseline="0" smtClean="0">
-              <a:ln>
-                <a:noFill/>
-              </a:ln>
-              <a:solidFill>
-                <a:schemeClr val="tx1"/>
-              </a:solidFill>
-              <a:effectLst/>
-              <a:latin typeface="Arial Bold" panose="020B0604020202090204" charset="0"/>
-              <a:ea typeface="SimSun" pitchFamily="2" charset="-122"/>
-              <a:cs typeface="Arial Bold" panose="020B0604020202090204" charset="0"/>
-            </a:endParaRPr>
           </a:p>
         </p:txBody>
       </p:sp>
@@ -16992,6 +15551,7 @@
         </p:spPr>
         <p:txBody>
           <a:bodyPr vert="horz" wrap="none" lIns="91440" tIns="45720" rIns="91440" bIns="45720" numCol="1" anchor="ctr" anchorCtr="0" compatLnSpc="1"/>
+          <a:lstStyle/>
           <a:p>
             <a:pPr marL="0" marR="0" indent="0" algn="l" defTabSz="914400" rtl="0" eaLnBrk="1" fontAlgn="base" latinLnBrk="0" hangingPunct="1">
               <a:lnSpc>
@@ -17023,18 +15583,6 @@
               </a:rPr>
               <a:t>event</a:t>
             </a:r>
-            <a:endParaRPr kumimoji="0" lang="en-US" altLang="zh-CN" sz="1800" b="1" i="0" u="none" strike="noStrike" cap="none" normalizeH="0" baseline="0" smtClean="0">
-              <a:ln>
-                <a:noFill/>
-              </a:ln>
-              <a:solidFill>
-                <a:schemeClr val="tx1"/>
-              </a:solidFill>
-              <a:effectLst/>
-              <a:latin typeface="Arial Bold" panose="020B0604020202090204" charset="0"/>
-              <a:ea typeface="SimSun" pitchFamily="2" charset="-122"/>
-              <a:cs typeface="Arial Bold" panose="020B0604020202090204" charset="0"/>
-            </a:endParaRPr>
           </a:p>
         </p:txBody>
       </p:sp>
@@ -17077,6 +15625,7 @@
         </p:spPr>
         <p:txBody>
           <a:bodyPr vert="horz" wrap="none" lIns="91440" tIns="45720" rIns="91440" bIns="45720" numCol="1" anchor="t" anchorCtr="0" compatLnSpc="1"/>
+          <a:lstStyle/>
           <a:p>
             <a:pPr marL="0" marR="0" indent="0" algn="l" defTabSz="914400" rtl="0" eaLnBrk="1" fontAlgn="base" latinLnBrk="0" hangingPunct="1">
               <a:lnSpc>
@@ -17122,6 +15671,83 @@
                 <a:cs typeface="Arial" panose="020B0604020202090204" pitchFamily="34" charset="0"/>
               </a:rPr>
               <a:t>: are methods that behave just like  a normal field or </a:t>
+            </a:r>
+          </a:p>
+          <a:p>
+            <a:pPr marL="0" marR="0" indent="0" algn="l" defTabSz="914400" rtl="0" eaLnBrk="1" fontAlgn="base" latinLnBrk="0" hangingPunct="1">
+              <a:lnSpc>
+                <a:spcPct val="100000"/>
+              </a:lnSpc>
+              <a:spcBef>
+                <a:spcPct val="0"/>
+              </a:spcBef>
+              <a:spcAft>
+                <a:spcPct val="0"/>
+              </a:spcAft>
+              <a:buClrTx/>
+              <a:buSzTx/>
+              <a:buFontTx/>
+              <a:buNone/>
+            </a:pPr>
+            <a:r>
+              <a:rPr kumimoji="0" lang="en-US" altLang="zh-CN" sz="1800" i="0" u="none" strike="noStrike" cap="none" normalizeH="0" baseline="0" smtClean="0">
+                <a:ln>
+                  <a:noFill/>
+                </a:ln>
+                <a:solidFill>
+                  <a:schemeClr val="tx1"/>
+                </a:solidFill>
+                <a:effectLst/>
+                <a:latin typeface="Arial" panose="020B0604020202090204" pitchFamily="34" charset="0"/>
+                <a:ea typeface="SimSun" pitchFamily="2" charset="-122"/>
+                <a:cs typeface="Arial" panose="020B0604020202090204" pitchFamily="34" charset="0"/>
+              </a:rPr>
+              <a:t>variable but its actually consist of 2 method a </a:t>
+            </a:r>
+            <a:r>
+              <a:rPr kumimoji="0" lang="en-US" altLang="zh-CN" sz="1800" b="1" i="0" u="none" strike="noStrike" cap="none" normalizeH="0" baseline="0" smtClean="0">
+                <a:ln>
+                  <a:noFill/>
+                </a:ln>
+                <a:solidFill>
+                  <a:schemeClr val="tx1"/>
+                </a:solidFill>
+                <a:effectLst/>
+                <a:latin typeface="Arial Bold" panose="020B0604020202090204" charset="0"/>
+                <a:ea typeface="SimSun" pitchFamily="2" charset="-122"/>
+                <a:cs typeface="Arial Bold" panose="020B0604020202090204" charset="0"/>
+              </a:rPr>
+              <a:t>setter </a:t>
+            </a:r>
+            <a:r>
+              <a:rPr kumimoji="0" lang="en-US" altLang="zh-CN" sz="1800" i="0" u="none" strike="noStrike" cap="none" normalizeH="0" baseline="0" smtClean="0">
+                <a:ln>
+                  <a:noFill/>
+                </a:ln>
+                <a:solidFill>
+                  <a:schemeClr val="tx1"/>
+                </a:solidFill>
+                <a:effectLst/>
+                <a:latin typeface="Arial" panose="020B0604020202090204" pitchFamily="34" charset="0"/>
+                <a:ea typeface="SimSun" pitchFamily="2" charset="-122"/>
+                <a:cs typeface="Arial" panose="020B0604020202090204" pitchFamily="34" charset="0"/>
+              </a:rPr>
+              <a:t>and </a:t>
+            </a:r>
+            <a:r>
+              <a:rPr kumimoji="0" lang="en-US" altLang="zh-CN" sz="1800" b="1" i="0" u="none" strike="noStrike" cap="none" normalizeH="0" baseline="0" smtClean="0">
+                <a:ln>
+                  <a:noFill/>
+                </a:ln>
+                <a:solidFill>
+                  <a:schemeClr val="tx1"/>
+                </a:solidFill>
+                <a:effectLst/>
+                <a:latin typeface="Arial Bold" panose="020B0604020202090204" charset="0"/>
+                <a:ea typeface="SimSun" pitchFamily="2" charset="-122"/>
+                <a:cs typeface="Arial Bold" panose="020B0604020202090204" charset="0"/>
+              </a:rPr>
+              <a:t>getter</a:t>
             </a:r>
             <a:endParaRPr kumimoji="0" lang="en-US" altLang="zh-CN" sz="1800" i="0" u="none" strike="noStrike" cap="none" normalizeH="0" baseline="0" smtClean="0">
               <a:ln>
@@ -17165,10 +15791,27 @@
                 <a:ea typeface="SimSun" pitchFamily="2" charset="-122"/>
                 <a:cs typeface="Arial" panose="020B0604020202090204" pitchFamily="34" charset="0"/>
               </a:rPr>
-              <a:t>variable but its actually consist of 2 method a </a:t>
-            </a:r>
-            <a:r>
-              <a:rPr kumimoji="0" lang="en-US" altLang="zh-CN" sz="1800" b="1" i="0" u="none" strike="noStrike" cap="none" normalizeH="0" baseline="0" smtClean="0">
+              <a:t>with all of these methods you can execute other statement or </a:t>
+            </a:r>
+          </a:p>
+          <a:p>
+            <a:pPr marL="0" marR="0" indent="0" algn="l" defTabSz="914400" rtl="0" eaLnBrk="1" fontAlgn="base" latinLnBrk="0" hangingPunct="1">
+              <a:lnSpc>
+                <a:spcPct val="100000"/>
+              </a:lnSpc>
+              <a:spcBef>
+                <a:spcPct val="0"/>
+              </a:spcBef>
+              <a:spcAft>
+                <a:spcPct val="0"/>
+              </a:spcAft>
+              <a:buClrTx/>
+              <a:buSzTx/>
+              <a:buFontTx/>
+              <a:buNone/>
+            </a:pPr>
+            <a:r>
+              <a:rPr kumimoji="0" lang="en-US" altLang="zh-CN" sz="1800" i="0" u="none" strike="noStrike" cap="none" normalizeH="0" baseline="0" smtClean="0">
                 <a:ln>
                   <a:noFill/>
                 </a:ln>
@@ -17176,142 +15819,12 @@
                   <a:schemeClr val="tx1"/>
                 </a:solidFill>
                 <a:effectLst/>
-                <a:latin typeface="Arial Bold" panose="020B0604020202090204" charset="0"/>
-                <a:ea typeface="SimSun" pitchFamily="2" charset="-122"/>
-                <a:cs typeface="Arial Bold" panose="020B0604020202090204" charset="0"/>
-              </a:rPr>
-              <a:t>setter </a:t>
-            </a:r>
-            <a:r>
-              <a:rPr kumimoji="0" lang="en-US" altLang="zh-CN" sz="1800" i="0" u="none" strike="noStrike" cap="none" normalizeH="0" baseline="0" smtClean="0">
-                <a:ln>
-                  <a:noFill/>
-                </a:ln>
-                <a:solidFill>
-                  <a:schemeClr val="tx1"/>
-                </a:solidFill>
-                <a:effectLst/>
-                <a:latin typeface="Arial" panose="020B0604020202090204" pitchFamily="34" charset="0"/>
-                <a:ea typeface="SimSun" pitchFamily="2" charset="-122"/>
-                <a:cs typeface="Arial" panose="020B0604020202090204" pitchFamily="34" charset="0"/>
-              </a:rPr>
-              <a:t>and </a:t>
-            </a:r>
-            <a:r>
-              <a:rPr kumimoji="0" lang="en-US" altLang="zh-CN" sz="1800" b="1" i="0" u="none" strike="noStrike" cap="none" normalizeH="0" baseline="0" smtClean="0">
-                <a:ln>
-                  <a:noFill/>
-                </a:ln>
-                <a:solidFill>
-                  <a:schemeClr val="tx1"/>
-                </a:solidFill>
-                <a:effectLst/>
-                <a:latin typeface="Arial Bold" panose="020B0604020202090204" charset="0"/>
-                <a:ea typeface="SimSun" pitchFamily="2" charset="-122"/>
-                <a:cs typeface="Arial Bold" panose="020B0604020202090204" charset="0"/>
-              </a:rPr>
-              <a:t>getter</a:t>
-            </a:r>
-            <a:endParaRPr kumimoji="0" lang="en-US" altLang="zh-CN" sz="1800" i="0" u="none" strike="noStrike" cap="none" normalizeH="0" baseline="0" smtClean="0">
-              <a:ln>
-                <a:noFill/>
-              </a:ln>
-              <a:solidFill>
-                <a:schemeClr val="tx1"/>
-              </a:solidFill>
-              <a:effectLst/>
-              <a:latin typeface="Arial" panose="020B0604020202090204" pitchFamily="34" charset="0"/>
-              <a:ea typeface="SimSun" pitchFamily="2" charset="-122"/>
-              <a:cs typeface="Arial" panose="020B0604020202090204" pitchFamily="34" charset="0"/>
-            </a:endParaRPr>
-          </a:p>
-          <a:p>
-            <a:pPr marL="0" marR="0" indent="0" algn="l" defTabSz="914400" rtl="0" eaLnBrk="1" fontAlgn="base" latinLnBrk="0" hangingPunct="1">
-              <a:lnSpc>
-                <a:spcPct val="100000"/>
-              </a:lnSpc>
-              <a:spcBef>
-                <a:spcPct val="0"/>
-              </a:spcBef>
-              <a:spcAft>
-                <a:spcPct val="0"/>
-              </a:spcAft>
-              <a:buClrTx/>
-              <a:buSzTx/>
-              <a:buFontTx/>
-              <a:buNone/>
-            </a:pPr>
-            <a:r>
-              <a:rPr kumimoji="0" lang="en-US" altLang="zh-CN" sz="1800" i="0" u="none" strike="noStrike" cap="none" normalizeH="0" baseline="0" smtClean="0">
-                <a:ln>
-                  <a:noFill/>
-                </a:ln>
-                <a:solidFill>
-                  <a:schemeClr val="tx1"/>
-                </a:solidFill>
-                <a:effectLst/>
-                <a:latin typeface="Arial" panose="020B0604020202090204" pitchFamily="34" charset="0"/>
-                <a:ea typeface="SimSun" pitchFamily="2" charset="-122"/>
-                <a:cs typeface="Arial" panose="020B0604020202090204" pitchFamily="34" charset="0"/>
-              </a:rPr>
-              <a:t>with all of these methods you can execute other statement or </a:t>
-            </a:r>
-            <a:endParaRPr kumimoji="0" lang="en-US" altLang="zh-CN" sz="1800" i="0" u="none" strike="noStrike" cap="none" normalizeH="0" baseline="0" smtClean="0">
-              <a:ln>
-                <a:noFill/>
-              </a:ln>
-              <a:solidFill>
-                <a:schemeClr val="tx1"/>
-              </a:solidFill>
-              <a:effectLst/>
-              <a:latin typeface="Arial" panose="020B0604020202090204" pitchFamily="34" charset="0"/>
-              <a:ea typeface="SimSun" pitchFamily="2" charset="-122"/>
-              <a:cs typeface="Arial" panose="020B0604020202090204" pitchFamily="34" charset="0"/>
-            </a:endParaRPr>
-          </a:p>
-          <a:p>
-            <a:pPr marL="0" marR="0" indent="0" algn="l" defTabSz="914400" rtl="0" eaLnBrk="1" fontAlgn="base" latinLnBrk="0" hangingPunct="1">
-              <a:lnSpc>
-                <a:spcPct val="100000"/>
-              </a:lnSpc>
-              <a:spcBef>
-                <a:spcPct val="0"/>
-              </a:spcBef>
-              <a:spcAft>
-                <a:spcPct val="0"/>
-              </a:spcAft>
-              <a:buClrTx/>
-              <a:buSzTx/>
-              <a:buFontTx/>
-              <a:buNone/>
-            </a:pPr>
-            <a:r>
-              <a:rPr kumimoji="0" lang="en-US" altLang="zh-CN" sz="1800" i="0" u="none" strike="noStrike" cap="none" normalizeH="0" baseline="0" smtClean="0">
-                <a:ln>
-                  <a:noFill/>
-                </a:ln>
-                <a:solidFill>
-                  <a:schemeClr val="tx1"/>
-                </a:solidFill>
-                <a:effectLst/>
                 <a:latin typeface="Arial" panose="020B0604020202090204" pitchFamily="34" charset="0"/>
                 <a:ea typeface="SimSun" pitchFamily="2" charset="-122"/>
                 <a:cs typeface="Arial" panose="020B0604020202090204" pitchFamily="34" charset="0"/>
               </a:rPr>
               <a:t>method within its code, which field can't do it</a:t>
             </a:r>
-            <a:endParaRPr kumimoji="0" lang="en-US" altLang="zh-CN" sz="1800" i="0" u="none" strike="noStrike" cap="none" normalizeH="0" baseline="0" smtClean="0">
-              <a:ln>
-                <a:noFill/>
-              </a:ln>
-              <a:solidFill>
-                <a:schemeClr val="tx1"/>
-              </a:solidFill>
-              <a:effectLst/>
-              <a:latin typeface="Arial" panose="020B0604020202090204" pitchFamily="34" charset="0"/>
-              <a:ea typeface="SimSun" pitchFamily="2" charset="-122"/>
-              <a:cs typeface="Arial" panose="020B0604020202090204" pitchFamily="34" charset="0"/>
-            </a:endParaRPr>
           </a:p>
           <a:p>
             <a:pPr marL="0" marR="0" indent="0" algn="l" defTabSz="914400" rtl="0" eaLnBrk="1" fontAlgn="base" latinLnBrk="0" hangingPunct="1">
@@ -17383,6 +15896,7 @@
         </p:spPr>
         <p:txBody>
           <a:bodyPr vert="horz" wrap="none" lIns="91440" tIns="45720" rIns="91440" bIns="45720" numCol="1" anchor="t" anchorCtr="0" compatLnSpc="1"/>
+          <a:lstStyle/>
           <a:p>
             <a:pPr marL="0" marR="0" indent="0" algn="l" defTabSz="914400" rtl="0" eaLnBrk="1" fontAlgn="base" latinLnBrk="0" hangingPunct="1">
               <a:lnSpc>
@@ -17429,18 +15943,6 @@
               </a:rPr>
               <a:t>: are an array of method that will be executed when </a:t>
             </a:r>
-            <a:endParaRPr kumimoji="0" lang="en-US" altLang="zh-CN" sz="1800" i="0" u="none" strike="noStrike" cap="none" normalizeH="0" baseline="0" smtClean="0">
-              <a:ln>
-                <a:noFill/>
-              </a:ln>
-              <a:solidFill>
-                <a:schemeClr val="tx1"/>
-              </a:solidFill>
-              <a:effectLst/>
-              <a:latin typeface="Arial" panose="020B0604020202090204" pitchFamily="34" charset="0"/>
-              <a:ea typeface="SimSun" pitchFamily="2" charset="-122"/>
-              <a:cs typeface="Arial" panose="020B0604020202090204" pitchFamily="34" charset="0"/>
-            </a:endParaRPr>
           </a:p>
           <a:p>
             <a:pPr marL="0" marR="0" indent="0" algn="l" defTabSz="914400" rtl="0" eaLnBrk="1" fontAlgn="base" latinLnBrk="0" hangingPunct="1">
@@ -17488,18 +15990,6 @@
               </a:rPr>
               <a:t>triggered</a:t>
             </a:r>
-            <a:endParaRPr kumimoji="0" lang="en-US" altLang="zh-CN" sz="1800" i="0" u="sng" strike="noStrike" cap="none" normalizeH="0" baseline="0" smtClean="0">
-              <a:ln>
-                <a:noFill/>
-              </a:ln>
-              <a:solidFill>
-                <a:schemeClr val="tx1"/>
-              </a:solidFill>
-              <a:effectLst/>
-              <a:latin typeface="Arial" panose="020B0604020202090204" pitchFamily="34" charset="0"/>
-              <a:ea typeface="SimSun" pitchFamily="2" charset="-122"/>
-              <a:cs typeface="Arial" panose="020B0604020202090204" pitchFamily="34" charset="0"/>
-            </a:endParaRPr>
           </a:p>
         </p:txBody>
       </p:sp>
@@ -17508,6 +15998,13 @@
   <p:clrMapOvr>
     <a:masterClrMapping/>
   </p:clrMapOvr>
+  <p:timing>
+    <p:tnLst>
+      <p:par>
+        <p:cTn id="1" dur="indefinite" restart="never" nodeType="tmRoot"/>
+      </p:par>
+    </p:tnLst>
+  </p:timing>
 </p:sld>
 </file>
 
@@ -17520,7 +16017,14 @@
         <p:cNvGrpSpPr/>
         <p:nvPr/>
       </p:nvGrpSpPr>
-      <p:grpSpPr/>
+      <p:grpSpPr>
+        <a:xfrm>
+          <a:off x="0" y="0"/>
+          <a:ext cx="0" cy="0"/>
+          <a:chOff x="0" y="0"/>
+          <a:chExt cx="0" cy="0"/>
+        </a:xfrm>
+      </p:grpSpPr>
       <p:sp>
         <p:nvSpPr>
           <p:cNvPr id="2" name="Title 1"/>
@@ -17534,12 +16038,12 @@
         <p:spPr/>
         <p:txBody>
           <a:bodyPr/>
+          <a:lstStyle/>
           <a:p>
             <a:r>
               <a:rPr lang="en-US"/>
               <a:t>ADVANCE JAVASCRIPT</a:t>
             </a:r>
-            <a:endParaRPr lang="en-US"/>
           </a:p>
         </p:txBody>
       </p:sp>
@@ -17563,6 +16067,7 @@
           <a:bodyPr wrap="none" rtlCol="0">
             <a:spAutoFit/>
           </a:bodyPr>
+          <a:lstStyle/>
           <a:p>
             <a:r>
               <a:rPr lang="en-US" b="1">
@@ -17571,10 +16076,6 @@
               </a:rPr>
               <a:t>OBJECT : DEFINING A PROPERTY #1</a:t>
             </a:r>
-            <a:endParaRPr lang="en-US" b="1">
-              <a:latin typeface="Arial Bold" panose="020B0604020202090204" charset="0"/>
-              <a:cs typeface="Arial Bold" panose="020B0604020202090204" charset="0"/>
-            </a:endParaRPr>
           </a:p>
         </p:txBody>
       </p:sp>
@@ -17617,6 +16118,7 @@
         </p:spPr>
         <p:txBody>
           <a:bodyPr vert="horz" wrap="none" lIns="91440" tIns="45720" rIns="91440" bIns="45720" numCol="1" anchor="t" anchorCtr="0" compatLnSpc="1"/>
+          <a:lstStyle/>
           <a:p>
             <a:pPr marL="0" marR="0" indent="0" algn="l" defTabSz="914400" rtl="0" eaLnBrk="1" fontAlgn="base" latinLnBrk="0" hangingPunct="1">
               <a:lnSpc>
@@ -17634,7 +16136,7 @@
               <a:buNone/>
             </a:pPr>
             <a:r>
-              <a:rPr kumimoji="0" lang="en-US" altLang="zh-CN" sz="1800" i="0" u="none" strike="noStrike" cap="none" normalizeH="0" baseline="0" smtClean="0">
+              <a:rPr kumimoji="0" lang="en-US" altLang="zh-CN" sz="1800" i="0" u="none" strike="noStrike" cap="none" normalizeH="0" baseline="0" dirty="0" err="1" smtClean="0">
                 <a:ln>
                   <a:noFill/>
                 </a:ln>
@@ -17644,9 +16146,39 @@
                 <a:effectLst/>
                 <a:ea typeface="SimSun" pitchFamily="2" charset="-122"/>
               </a:rPr>
-              <a:t>const object1 = {};</a:t>
-            </a:r>
-            <a:endParaRPr kumimoji="0" lang="en-US" altLang="zh-CN" sz="1800" i="0" u="none" strike="noStrike" cap="none" normalizeH="0" baseline="0" smtClean="0">
+              <a:t>const</a:t>
+            </a:r>
+            <a:r>
+              <a:rPr kumimoji="0" lang="en-US" altLang="zh-CN" sz="1800" i="0" u="none" strike="noStrike" cap="none" normalizeH="0" baseline="0" dirty="0" smtClean="0">
+                <a:ln>
+                  <a:noFill/>
+                </a:ln>
+                <a:solidFill>
+                  <a:schemeClr val="tx1"/>
+                </a:solidFill>
+                <a:effectLst/>
+                <a:ea typeface="SimSun" pitchFamily="2" charset="-122"/>
+              </a:rPr>
+              <a:t> object1 = {};</a:t>
+            </a:r>
+          </a:p>
+          <a:p>
+            <a:pPr marL="0" marR="0" indent="0" algn="l" defTabSz="914400" rtl="0" eaLnBrk="1" fontAlgn="base" latinLnBrk="0" hangingPunct="1">
+              <a:lnSpc>
+                <a:spcPct val="100000"/>
+              </a:lnSpc>
+              <a:spcBef>
+                <a:spcPct val="0"/>
+              </a:spcBef>
+              <a:spcAft>
+                <a:spcPct val="0"/>
+              </a:spcAft>
+              <a:buClrTx/>
+              <a:buSzTx/>
+              <a:buFontTx/>
+              <a:buNone/>
+            </a:pPr>
+            <a:endParaRPr kumimoji="0" lang="en-US" altLang="zh-CN" sz="1800" i="0" u="none" strike="noStrike" cap="none" normalizeH="0" baseline="0" dirty="0" smtClean="0">
               <a:ln>
                 <a:noFill/>
               </a:ln>
@@ -17673,7 +16205,330 @@
               <a:buFontTx/>
               <a:buNone/>
             </a:pPr>
-            <a:endParaRPr kumimoji="0" lang="en-US" altLang="zh-CN" sz="1800" i="0" u="none" strike="noStrike" cap="none" normalizeH="0" baseline="0" smtClean="0">
+            <a:r>
+              <a:rPr kumimoji="0" lang="en-US" altLang="zh-CN" sz="1800" i="0" u="none" strike="noStrike" cap="none" normalizeH="0" baseline="0" dirty="0" smtClean="0">
+                <a:ln>
+                  <a:noFill/>
+                </a:ln>
+                <a:solidFill>
+                  <a:schemeClr val="tx1"/>
+                </a:solidFill>
+                <a:effectLst/>
+                <a:ea typeface="SimSun" pitchFamily="2" charset="-122"/>
+              </a:rPr>
+              <a:t>// SIMPLE READ ONLY|READ WRITE|WRITE ONLY PROPERTY</a:t>
+            </a:r>
+          </a:p>
+          <a:p>
+            <a:pPr marL="0" marR="0" indent="0" algn="l" defTabSz="914400" rtl="0" eaLnBrk="1" fontAlgn="base" latinLnBrk="0" hangingPunct="1">
+              <a:lnSpc>
+                <a:spcPct val="100000"/>
+              </a:lnSpc>
+              <a:spcBef>
+                <a:spcPct val="0"/>
+              </a:spcBef>
+              <a:spcAft>
+                <a:spcPct val="0"/>
+              </a:spcAft>
+              <a:buClrTx/>
+              <a:buSzTx/>
+              <a:buFontTx/>
+              <a:buNone/>
+            </a:pPr>
+            <a:r>
+              <a:rPr kumimoji="0" lang="en-US" altLang="zh-CN" sz="1800" i="0" u="none" strike="noStrike" cap="none" normalizeH="0" baseline="0" dirty="0" err="1" smtClean="0">
+                <a:ln>
+                  <a:noFill/>
+                </a:ln>
+                <a:solidFill>
+                  <a:schemeClr val="tx1"/>
+                </a:solidFill>
+                <a:effectLst/>
+                <a:ea typeface="SimSun" pitchFamily="2" charset="-122"/>
+              </a:rPr>
+              <a:t>Object.defineProperty</a:t>
+            </a:r>
+            <a:r>
+              <a:rPr kumimoji="0" lang="en-US" altLang="zh-CN" sz="1800" i="0" u="none" strike="noStrike" cap="none" normalizeH="0" baseline="0" dirty="0" smtClean="0">
+                <a:ln>
+                  <a:noFill/>
+                </a:ln>
+                <a:solidFill>
+                  <a:schemeClr val="tx1"/>
+                </a:solidFill>
+                <a:effectLst/>
+                <a:ea typeface="SimSun" pitchFamily="2" charset="-122"/>
+              </a:rPr>
+              <a:t>(</a:t>
+            </a:r>
+            <a:r>
+              <a:rPr kumimoji="0" lang="en-US" altLang="zh-CN" sz="1800" i="0" u="none" strike="noStrike" cap="none" normalizeH="0" baseline="0" dirty="0" smtClean="0">
+                <a:ln>
+                  <a:noFill/>
+                </a:ln>
+                <a:solidFill>
+                  <a:srgbClr val="FF0000"/>
+                </a:solidFill>
+                <a:effectLst/>
+                <a:ea typeface="SimSun" pitchFamily="2" charset="-122"/>
+              </a:rPr>
+              <a:t>object1</a:t>
+            </a:r>
+            <a:r>
+              <a:rPr kumimoji="0" lang="en-US" altLang="zh-CN" sz="1800" i="0" u="none" strike="noStrike" cap="none" normalizeH="0" baseline="0" dirty="0" smtClean="0">
+                <a:ln>
+                  <a:noFill/>
+                </a:ln>
+                <a:solidFill>
+                  <a:schemeClr val="tx1"/>
+                </a:solidFill>
+                <a:effectLst/>
+                <a:ea typeface="SimSun" pitchFamily="2" charset="-122"/>
+              </a:rPr>
+              <a:t>, </a:t>
+            </a:r>
+            <a:r>
+              <a:rPr kumimoji="0" lang="en-US" altLang="zh-CN" sz="1800" i="0" u="none" strike="noStrike" cap="none" normalizeH="0" baseline="0" dirty="0" smtClean="0">
+                <a:ln>
+                  <a:noFill/>
+                </a:ln>
+                <a:solidFill>
+                  <a:srgbClr val="FF0000"/>
+                </a:solidFill>
+                <a:effectLst/>
+                <a:ea typeface="SimSun" pitchFamily="2" charset="-122"/>
+              </a:rPr>
+              <a:t>'</a:t>
+            </a:r>
+            <a:r>
+              <a:rPr kumimoji="0" lang="en-US" altLang="zh-CN" sz="1800" i="0" u="none" strike="noStrike" cap="none" normalizeH="0" baseline="0" dirty="0" err="1" smtClean="0">
+                <a:ln>
+                  <a:noFill/>
+                </a:ln>
+                <a:solidFill>
+                  <a:srgbClr val="FF0000"/>
+                </a:solidFill>
+                <a:effectLst/>
+                <a:ea typeface="SimSun" pitchFamily="2" charset="-122"/>
+              </a:rPr>
+              <a:t>propertyName</a:t>
+            </a:r>
+            <a:r>
+              <a:rPr kumimoji="0" lang="en-US" altLang="zh-CN" sz="1800" i="0" u="none" strike="noStrike" cap="none" normalizeH="0" baseline="0" dirty="0" smtClean="0">
+                <a:ln>
+                  <a:noFill/>
+                </a:ln>
+                <a:solidFill>
+                  <a:srgbClr val="FF0000"/>
+                </a:solidFill>
+                <a:effectLst/>
+                <a:ea typeface="SimSun" pitchFamily="2" charset="-122"/>
+              </a:rPr>
+              <a:t>'</a:t>
+            </a:r>
+            <a:r>
+              <a:rPr kumimoji="0" lang="en-US" altLang="zh-CN" sz="1800" i="0" u="none" strike="noStrike" cap="none" normalizeH="0" baseline="0" dirty="0" smtClean="0">
+                <a:ln>
+                  <a:noFill/>
+                </a:ln>
+                <a:solidFill>
+                  <a:schemeClr val="tx1"/>
+                </a:solidFill>
+                <a:effectLst/>
+                <a:ea typeface="SimSun" pitchFamily="2" charset="-122"/>
+              </a:rPr>
+              <a:t>, {</a:t>
+            </a:r>
+          </a:p>
+          <a:p>
+            <a:pPr marL="0" marR="0" indent="0" algn="l" defTabSz="914400" rtl="0" eaLnBrk="1" fontAlgn="base" latinLnBrk="0" hangingPunct="1">
+              <a:lnSpc>
+                <a:spcPct val="100000"/>
+              </a:lnSpc>
+              <a:spcBef>
+                <a:spcPct val="0"/>
+              </a:spcBef>
+              <a:spcAft>
+                <a:spcPct val="0"/>
+              </a:spcAft>
+              <a:buClrTx/>
+              <a:buSzTx/>
+              <a:buFontTx/>
+              <a:buNone/>
+            </a:pPr>
+            <a:r>
+              <a:rPr kumimoji="0" lang="en-US" altLang="zh-CN" sz="1800" i="0" u="none" strike="noStrike" cap="none" normalizeH="0" baseline="0" dirty="0" smtClean="0">
+                <a:ln>
+                  <a:noFill/>
+                </a:ln>
+                <a:solidFill>
+                  <a:schemeClr val="tx1"/>
+                </a:solidFill>
+                <a:effectLst/>
+                <a:ea typeface="SimSun" pitchFamily="2" charset="-122"/>
+              </a:rPr>
+              <a:t>  value: [value],</a:t>
+            </a:r>
+          </a:p>
+          <a:p>
+            <a:pPr marL="0" marR="0" indent="0" algn="l" defTabSz="914400" rtl="0" eaLnBrk="1" fontAlgn="base" latinLnBrk="0" hangingPunct="1">
+              <a:lnSpc>
+                <a:spcPct val="100000"/>
+              </a:lnSpc>
+              <a:spcBef>
+                <a:spcPct val="0"/>
+              </a:spcBef>
+              <a:spcAft>
+                <a:spcPct val="0"/>
+              </a:spcAft>
+              <a:buClrTx/>
+              <a:buSzTx/>
+              <a:buFontTx/>
+              <a:buNone/>
+            </a:pPr>
+            <a:r>
+              <a:rPr kumimoji="0" lang="en-US" altLang="zh-CN" sz="1800" i="0" u="none" strike="noStrike" cap="none" normalizeH="0" baseline="0" dirty="0" smtClean="0">
+                <a:ln>
+                  <a:noFill/>
+                </a:ln>
+                <a:solidFill>
+                  <a:schemeClr val="tx1"/>
+                </a:solidFill>
+                <a:effectLst/>
+                <a:ea typeface="SimSun" pitchFamily="2" charset="-122"/>
+              </a:rPr>
+              <a:t>  writable: </a:t>
+            </a:r>
+            <a:r>
+              <a:rPr kumimoji="0" lang="en-US" altLang="zh-CN" sz="1800" i="0" u="none" strike="noStrike" cap="none" normalizeH="0" baseline="0" dirty="0" err="1" smtClean="0">
+                <a:ln>
+                  <a:noFill/>
+                </a:ln>
+                <a:solidFill>
+                  <a:schemeClr val="tx1"/>
+                </a:solidFill>
+                <a:effectLst/>
+                <a:ea typeface="SimSun" pitchFamily="2" charset="-122"/>
+              </a:rPr>
+              <a:t>false|true</a:t>
+            </a:r>
+            <a:r>
+              <a:rPr kumimoji="0" lang="en-US" altLang="zh-CN" sz="1800" i="0" u="none" strike="noStrike" cap="none" normalizeH="0" baseline="0" dirty="0" smtClean="0">
+                <a:ln>
+                  <a:noFill/>
+                </a:ln>
+                <a:solidFill>
+                  <a:schemeClr val="tx1"/>
+                </a:solidFill>
+                <a:effectLst/>
+                <a:ea typeface="SimSun" pitchFamily="2" charset="-122"/>
+              </a:rPr>
+              <a:t>,</a:t>
+            </a:r>
+          </a:p>
+          <a:p>
+            <a:pPr marL="0" marR="0" indent="0" algn="l" defTabSz="914400" rtl="0" eaLnBrk="1" fontAlgn="base" latinLnBrk="0" hangingPunct="1">
+              <a:lnSpc>
+                <a:spcPct val="100000"/>
+              </a:lnSpc>
+              <a:spcBef>
+                <a:spcPct val="0"/>
+              </a:spcBef>
+              <a:spcAft>
+                <a:spcPct val="0"/>
+              </a:spcAft>
+              <a:buClrTx/>
+              <a:buSzTx/>
+              <a:buFontTx/>
+              <a:buNone/>
+            </a:pPr>
+            <a:r>
+              <a:rPr kumimoji="0" lang="en-US" altLang="zh-CN" sz="1800" i="0" u="none" strike="noStrike" cap="none" normalizeH="0" baseline="0" dirty="0" smtClean="0">
+                <a:ln>
+                  <a:noFill/>
+                </a:ln>
+                <a:solidFill>
+                  <a:schemeClr val="tx1"/>
+                </a:solidFill>
+                <a:effectLst/>
+                <a:ea typeface="SimSun" pitchFamily="2" charset="-122"/>
+              </a:rPr>
+              <a:t>  enumerable: </a:t>
+            </a:r>
+            <a:r>
+              <a:rPr kumimoji="0" lang="en-US" altLang="zh-CN" sz="1800" i="0" u="none" strike="noStrike" cap="none" normalizeH="0" baseline="0" dirty="0" err="1" smtClean="0">
+                <a:ln>
+                  <a:noFill/>
+                </a:ln>
+                <a:solidFill>
+                  <a:schemeClr val="tx1"/>
+                </a:solidFill>
+                <a:effectLst/>
+                <a:ea typeface="SimSun" pitchFamily="2" charset="-122"/>
+              </a:rPr>
+              <a:t>true|false</a:t>
+            </a:r>
+            <a:r>
+              <a:rPr kumimoji="0" lang="en-US" altLang="zh-CN" sz="1800" i="0" u="none" strike="noStrike" cap="none" normalizeH="0" baseline="0" dirty="0" smtClean="0">
+                <a:ln>
+                  <a:noFill/>
+                </a:ln>
+                <a:solidFill>
+                  <a:schemeClr val="tx1"/>
+                </a:solidFill>
+                <a:effectLst/>
+                <a:ea typeface="SimSun" pitchFamily="2" charset="-122"/>
+              </a:rPr>
+              <a:t>,</a:t>
+            </a:r>
+          </a:p>
+          <a:p>
+            <a:pPr marL="0" marR="0" indent="0" algn="l" defTabSz="914400" rtl="0" eaLnBrk="1" fontAlgn="base" latinLnBrk="0" hangingPunct="1">
+              <a:lnSpc>
+                <a:spcPct val="100000"/>
+              </a:lnSpc>
+              <a:spcBef>
+                <a:spcPct val="0"/>
+              </a:spcBef>
+              <a:spcAft>
+                <a:spcPct val="0"/>
+              </a:spcAft>
+              <a:buClrTx/>
+              <a:buSzTx/>
+              <a:buFontTx/>
+              <a:buNone/>
+            </a:pPr>
+            <a:r>
+              <a:rPr kumimoji="0" lang="en-US" altLang="zh-CN" sz="1800" i="0" u="none" strike="noStrike" cap="none" normalizeH="0" baseline="0" dirty="0" smtClean="0">
+                <a:ln>
+                  <a:noFill/>
+                </a:ln>
+                <a:solidFill>
+                  <a:schemeClr val="tx1"/>
+                </a:solidFill>
+                <a:effectLst/>
+                <a:ea typeface="SimSun" pitchFamily="2" charset="-122"/>
+              </a:rPr>
+              <a:t>});</a:t>
+            </a:r>
+          </a:p>
+          <a:p>
+            <a:pPr marL="0" marR="0" indent="0" algn="l" defTabSz="914400" rtl="0" eaLnBrk="1" fontAlgn="base" latinLnBrk="0" hangingPunct="1">
+              <a:lnSpc>
+                <a:spcPct val="100000"/>
+              </a:lnSpc>
+              <a:spcBef>
+                <a:spcPct val="0"/>
+              </a:spcBef>
+              <a:spcAft>
+                <a:spcPct val="0"/>
+              </a:spcAft>
+              <a:buClrTx/>
+              <a:buSzTx/>
+              <a:buFontTx/>
+              <a:buNone/>
+            </a:pPr>
+            <a:endParaRPr kumimoji="0" lang="en-US" altLang="zh-CN" sz="1800" i="0" u="none" strike="noStrike" cap="none" normalizeH="0" baseline="0" dirty="0" smtClean="0">
               <a:ln>
                 <a:noFill/>
               </a:ln>
@@ -17701,7 +16556,7 @@
               <a:buNone/>
             </a:pPr>
             <a:r>
-              <a:rPr kumimoji="0" lang="en-US" altLang="zh-CN" sz="1800" i="0" u="none" strike="noStrike" cap="none" normalizeH="0" baseline="0" smtClean="0">
+              <a:rPr kumimoji="0" lang="en-US" altLang="zh-CN" sz="1800" i="0" u="none" strike="noStrike" cap="none" normalizeH="0" baseline="0" dirty="0" smtClean="0">
                 <a:ln>
                   <a:noFill/>
                 </a:ln>
@@ -17711,9 +16566,233 @@
                 <a:effectLst/>
                 <a:ea typeface="SimSun" pitchFamily="2" charset="-122"/>
               </a:rPr>
-              <a:t>// SIMPLE READ ONLY|READ WRITE|WRITE ONLY PROPERTY</a:t>
-            </a:r>
-            <a:endParaRPr kumimoji="0" lang="en-US" altLang="zh-CN" sz="1800" i="0" u="none" strike="noStrike" cap="none" normalizeH="0" baseline="0" smtClean="0">
+              <a:t>// PROPERTY with Setter and Getter</a:t>
+            </a:r>
+          </a:p>
+          <a:p>
+            <a:pPr marL="0" marR="0" indent="0" algn="l" defTabSz="914400" rtl="0" eaLnBrk="1" fontAlgn="base" latinLnBrk="0" hangingPunct="1">
+              <a:lnSpc>
+                <a:spcPct val="100000"/>
+              </a:lnSpc>
+              <a:spcBef>
+                <a:spcPct val="0"/>
+              </a:spcBef>
+              <a:spcAft>
+                <a:spcPct val="0"/>
+              </a:spcAft>
+              <a:buClrTx/>
+              <a:buSzTx/>
+              <a:buFontTx/>
+              <a:buNone/>
+            </a:pPr>
+            <a:r>
+              <a:rPr kumimoji="0" lang="en-US" altLang="zh-CN" sz="1800" i="0" u="none" strike="noStrike" cap="none" normalizeH="0" baseline="0" dirty="0" err="1" smtClean="0">
+                <a:ln>
+                  <a:noFill/>
+                </a:ln>
+                <a:solidFill>
+                  <a:schemeClr val="tx1"/>
+                </a:solidFill>
+                <a:effectLst/>
+                <a:ea typeface="SimSun" pitchFamily="2" charset="-122"/>
+              </a:rPr>
+              <a:t>Object.defineProperty</a:t>
+            </a:r>
+            <a:r>
+              <a:rPr kumimoji="0" lang="en-US" altLang="zh-CN" sz="1800" i="0" u="none" strike="noStrike" cap="none" normalizeH="0" baseline="0" dirty="0" smtClean="0">
+                <a:ln>
+                  <a:noFill/>
+                </a:ln>
+                <a:solidFill>
+                  <a:schemeClr val="tx1"/>
+                </a:solidFill>
+                <a:effectLst/>
+                <a:ea typeface="SimSun" pitchFamily="2" charset="-122"/>
+              </a:rPr>
+              <a:t>(</a:t>
+            </a:r>
+            <a:r>
+              <a:rPr kumimoji="0" lang="en-US" altLang="zh-CN" sz="1800" i="0" u="none" strike="noStrike" cap="none" normalizeH="0" baseline="0" dirty="0" smtClean="0">
+                <a:ln>
+                  <a:noFill/>
+                </a:ln>
+                <a:solidFill>
+                  <a:srgbClr val="FF0000"/>
+                </a:solidFill>
+                <a:effectLst/>
+                <a:ea typeface="SimSun" pitchFamily="2" charset="-122"/>
+              </a:rPr>
+              <a:t>object1</a:t>
+            </a:r>
+            <a:r>
+              <a:rPr kumimoji="0" lang="en-US" altLang="zh-CN" sz="1800" i="0" u="none" strike="noStrike" cap="none" normalizeH="0" baseline="0" dirty="0" smtClean="0">
+                <a:ln>
+                  <a:noFill/>
+                </a:ln>
+                <a:solidFill>
+                  <a:schemeClr val="tx1"/>
+                </a:solidFill>
+                <a:effectLst/>
+                <a:ea typeface="SimSun" pitchFamily="2" charset="-122"/>
+              </a:rPr>
+              <a:t>, </a:t>
+            </a:r>
+            <a:r>
+              <a:rPr kumimoji="0" lang="en-US" altLang="zh-CN" sz="1800" i="0" u="none" strike="noStrike" cap="none" normalizeH="0" baseline="0" dirty="0" smtClean="0">
+                <a:ln>
+                  <a:noFill/>
+                </a:ln>
+                <a:solidFill>
+                  <a:srgbClr val="FF0000"/>
+                </a:solidFill>
+                <a:effectLst/>
+                <a:ea typeface="SimSun" pitchFamily="2" charset="-122"/>
+              </a:rPr>
+              <a:t>'</a:t>
+            </a:r>
+            <a:r>
+              <a:rPr kumimoji="0" lang="en-US" altLang="zh-CN" sz="1800" i="0" u="none" strike="noStrike" cap="none" normalizeH="0" baseline="0" dirty="0" err="1" smtClean="0">
+                <a:ln>
+                  <a:noFill/>
+                </a:ln>
+                <a:solidFill>
+                  <a:srgbClr val="FF0000"/>
+                </a:solidFill>
+                <a:effectLst/>
+                <a:ea typeface="SimSun" pitchFamily="2" charset="-122"/>
+              </a:rPr>
+              <a:t>propertyName</a:t>
+            </a:r>
+            <a:r>
+              <a:rPr kumimoji="0" lang="en-US" altLang="zh-CN" sz="1800" i="0" u="none" strike="noStrike" cap="none" normalizeH="0" baseline="0" dirty="0" smtClean="0">
+                <a:ln>
+                  <a:noFill/>
+                </a:ln>
+                <a:solidFill>
+                  <a:srgbClr val="FF0000"/>
+                </a:solidFill>
+                <a:effectLst/>
+                <a:ea typeface="SimSun" pitchFamily="2" charset="-122"/>
+              </a:rPr>
+              <a:t>'</a:t>
+            </a:r>
+            <a:r>
+              <a:rPr kumimoji="0" lang="en-US" altLang="zh-CN" sz="1800" i="0" u="none" strike="noStrike" cap="none" normalizeH="0" baseline="0" dirty="0" smtClean="0">
+                <a:ln>
+                  <a:noFill/>
+                </a:ln>
+                <a:solidFill>
+                  <a:schemeClr val="tx1"/>
+                </a:solidFill>
+                <a:effectLst/>
+                <a:ea typeface="SimSun" pitchFamily="2" charset="-122"/>
+              </a:rPr>
+              <a:t>, {</a:t>
+            </a:r>
+          </a:p>
+          <a:p>
+            <a:pPr marL="0" marR="0" indent="0" algn="l" defTabSz="914400" rtl="0" eaLnBrk="1" fontAlgn="base" latinLnBrk="0" hangingPunct="1">
+              <a:lnSpc>
+                <a:spcPct val="100000"/>
+              </a:lnSpc>
+              <a:spcBef>
+                <a:spcPct val="0"/>
+              </a:spcBef>
+              <a:spcAft>
+                <a:spcPct val="0"/>
+              </a:spcAft>
+              <a:buClrTx/>
+              <a:buSzTx/>
+              <a:buFontTx/>
+              <a:buNone/>
+            </a:pPr>
+            <a:r>
+              <a:rPr kumimoji="0" lang="en-US" altLang="zh-CN" sz="1800" i="0" u="none" strike="noStrike" cap="none" normalizeH="0" baseline="0" dirty="0" smtClean="0">
+                <a:ln>
+                  <a:noFill/>
+                </a:ln>
+                <a:solidFill>
+                  <a:schemeClr val="tx1"/>
+                </a:solidFill>
+                <a:effectLst/>
+                <a:ea typeface="SimSun" pitchFamily="2" charset="-122"/>
+              </a:rPr>
+              <a:t>  set() {</a:t>
+            </a:r>
+          </a:p>
+          <a:p>
+            <a:pPr marL="0" marR="0" indent="0" algn="l" defTabSz="914400" rtl="0" eaLnBrk="1" fontAlgn="base" latinLnBrk="0" hangingPunct="1">
+              <a:lnSpc>
+                <a:spcPct val="100000"/>
+              </a:lnSpc>
+              <a:spcBef>
+                <a:spcPct val="0"/>
+              </a:spcBef>
+              <a:spcAft>
+                <a:spcPct val="0"/>
+              </a:spcAft>
+              <a:buClrTx/>
+              <a:buSzTx/>
+              <a:buFontTx/>
+              <a:buNone/>
+            </a:pPr>
+            <a:r>
+              <a:rPr kumimoji="0" lang="en-US" altLang="zh-CN" sz="1800" i="0" u="none" strike="noStrike" cap="none" normalizeH="0" baseline="0" dirty="0" smtClean="0">
+                <a:ln>
+                  <a:noFill/>
+                </a:ln>
+                <a:solidFill>
+                  <a:schemeClr val="tx1"/>
+                </a:solidFill>
+                <a:effectLst/>
+                <a:ea typeface="SimSun" pitchFamily="2" charset="-122"/>
+              </a:rPr>
+              <a:t>        .....</a:t>
+            </a:r>
+          </a:p>
+          <a:p>
+            <a:pPr marL="0" marR="0" indent="0" algn="l" defTabSz="914400" rtl="0" eaLnBrk="1" fontAlgn="base" latinLnBrk="0" hangingPunct="1">
+              <a:lnSpc>
+                <a:spcPct val="100000"/>
+              </a:lnSpc>
+              <a:spcBef>
+                <a:spcPct val="0"/>
+              </a:spcBef>
+              <a:spcAft>
+                <a:spcPct val="0"/>
+              </a:spcAft>
+              <a:buClrTx/>
+              <a:buSzTx/>
+              <a:buFontTx/>
+              <a:buNone/>
+            </a:pPr>
+            <a:r>
+              <a:rPr kumimoji="0" lang="en-US" altLang="zh-CN" sz="1800" i="0" u="none" strike="noStrike" cap="none" normalizeH="0" baseline="0" dirty="0" smtClean="0">
+                <a:ln>
+                  <a:noFill/>
+                </a:ln>
+                <a:solidFill>
+                  <a:schemeClr val="tx1"/>
+                </a:solidFill>
+                <a:effectLst/>
+                <a:ea typeface="SimSun" pitchFamily="2" charset="-122"/>
+              </a:rPr>
+              <a:t>  </a:t>
+            </a:r>
+            <a:r>
+              <a:rPr kumimoji="0" lang="en-US" altLang="zh-CN" sz="1800" i="0" u="none" strike="noStrike" cap="none" normalizeH="0" baseline="0" dirty="0" smtClean="0">
+                <a:ln>
+                  <a:noFill/>
+                </a:ln>
+                <a:solidFill>
+                  <a:schemeClr val="tx1"/>
+                </a:solidFill>
+                <a:effectLst/>
+                <a:ea typeface="SimSun" pitchFamily="2" charset="-122"/>
+              </a:rPr>
+              <a:t>},</a:t>
+            </a:r>
+            <a:endParaRPr kumimoji="0" lang="en-US" altLang="zh-CN" sz="1800" i="0" u="none" strike="noStrike" cap="none" normalizeH="0" baseline="0" dirty="0" smtClean="0">
               <a:ln>
                 <a:noFill/>
               </a:ln>
@@ -17741,7 +16820,7 @@
               <a:buNone/>
             </a:pPr>
             <a:r>
-              <a:rPr kumimoji="0" lang="en-US" altLang="zh-CN" sz="1800" i="0" u="none" strike="noStrike" cap="none" normalizeH="0" baseline="0" smtClean="0">
+              <a:rPr kumimoji="0" lang="en-US" altLang="zh-CN" sz="1800" i="0" u="none" strike="noStrike" cap="none" normalizeH="0" baseline="0" dirty="0" smtClean="0">
                 <a:ln>
                   <a:noFill/>
                 </a:ln>
@@ -17751,23 +16830,27 @@
                 <a:effectLst/>
                 <a:ea typeface="SimSun" pitchFamily="2" charset="-122"/>
               </a:rPr>
-              <a:t>Object.defineProperty(</a:t>
-            </a:r>
-            <a:r>
-              <a:rPr kumimoji="0" lang="en-US" altLang="zh-CN" sz="1800" i="0" u="none" strike="noStrike" cap="none" normalizeH="0" baseline="0" smtClean="0">
-                <a:ln>
-                  <a:noFill/>
-                </a:ln>
-                <a:solidFill>
-                  <a:srgbClr val="FF0000"/>
-                </a:solidFill>
-                <a:effectLst/>
-                <a:ea typeface="SimSun" pitchFamily="2" charset="-122"/>
-              </a:rPr>
-              <a:t>object1</a:t>
-            </a:r>
-            <a:r>
-              <a:rPr kumimoji="0" lang="en-US" altLang="zh-CN" sz="1800" i="0" u="none" strike="noStrike" cap="none" normalizeH="0" baseline="0" smtClean="0">
+              <a:t>  get() {</a:t>
+            </a:r>
+          </a:p>
+          <a:p>
+            <a:pPr marL="0" marR="0" indent="0" algn="l" defTabSz="914400" rtl="0" eaLnBrk="1" fontAlgn="base" latinLnBrk="0" hangingPunct="1">
+              <a:lnSpc>
+                <a:spcPct val="100000"/>
+              </a:lnSpc>
+              <a:spcBef>
+                <a:spcPct val="0"/>
+              </a:spcBef>
+              <a:spcAft>
+                <a:spcPct val="0"/>
+              </a:spcAft>
+              <a:buClrTx/>
+              <a:buSzTx/>
+              <a:buFontTx/>
+              <a:buNone/>
+            </a:pPr>
+            <a:r>
+              <a:rPr kumimoji="0" lang="en-US" altLang="zh-CN" sz="1800" i="0" u="none" strike="noStrike" cap="none" normalizeH="0" baseline="0" dirty="0" smtClean="0">
                 <a:ln>
                   <a:noFill/>
                 </a:ln>
@@ -17777,23 +16860,27 @@
                 <a:effectLst/>
                 <a:ea typeface="SimSun" pitchFamily="2" charset="-122"/>
               </a:rPr>
-              <a:t>, </a:t>
-            </a:r>
-            <a:r>
-              <a:rPr kumimoji="0" lang="en-US" altLang="zh-CN" sz="1800" i="0" u="none" strike="noStrike" cap="none" normalizeH="0" baseline="0" smtClean="0">
-                <a:ln>
-                  <a:noFill/>
-                </a:ln>
-                <a:solidFill>
-                  <a:srgbClr val="FF0000"/>
-                </a:solidFill>
-                <a:effectLst/>
-                <a:ea typeface="SimSun" pitchFamily="2" charset="-122"/>
-              </a:rPr>
-              <a:t>'propertyName'</a:t>
-            </a:r>
-            <a:r>
-              <a:rPr kumimoji="0" lang="en-US" altLang="zh-CN" sz="1800" i="0" u="none" strike="noStrike" cap="none" normalizeH="0" baseline="0" smtClean="0">
+              <a:t>      ....</a:t>
+            </a:r>
+          </a:p>
+          <a:p>
+            <a:pPr marL="0" marR="0" indent="0" algn="l" defTabSz="914400" rtl="0" eaLnBrk="1" fontAlgn="base" latinLnBrk="0" hangingPunct="1">
+              <a:lnSpc>
+                <a:spcPct val="100000"/>
+              </a:lnSpc>
+              <a:spcBef>
+                <a:spcPct val="0"/>
+              </a:spcBef>
+              <a:spcAft>
+                <a:spcPct val="0"/>
+              </a:spcAft>
+              <a:buClrTx/>
+              <a:buSzTx/>
+              <a:buFontTx/>
+              <a:buNone/>
+            </a:pPr>
+            <a:r>
+              <a:rPr kumimoji="0" lang="en-US" altLang="zh-CN" sz="1800" i="0" u="none" strike="noStrike" cap="none" normalizeH="0" baseline="0" dirty="0" smtClean="0">
                 <a:ln>
                   <a:noFill/>
                 </a:ln>
@@ -17803,18 +16890,8 @@
                 <a:effectLst/>
                 <a:ea typeface="SimSun" pitchFamily="2" charset="-122"/>
               </a:rPr>
-              <a:t>, {</a:t>
-            </a:r>
-            <a:endParaRPr kumimoji="0" lang="en-US" altLang="zh-CN" sz="1800" i="0" u="none" strike="noStrike" cap="none" normalizeH="0" baseline="0" smtClean="0">
-              <a:ln>
-                <a:noFill/>
-              </a:ln>
-              <a:solidFill>
-                <a:schemeClr val="tx1"/>
-              </a:solidFill>
-              <a:effectLst/>
-              <a:ea typeface="SimSun" pitchFamily="2" charset="-122"/>
-            </a:endParaRPr>
+              <a:t>      return ....</a:t>
+            </a:r>
           </a:p>
           <a:p>
             <a:pPr marL="0" marR="0" indent="0" algn="l" defTabSz="914400" rtl="0" eaLnBrk="1" fontAlgn="base" latinLnBrk="0" hangingPunct="1">
@@ -17833,7 +16910,7 @@
               <a:buNone/>
             </a:pPr>
             <a:r>
-              <a:rPr kumimoji="0" lang="en-US" altLang="zh-CN" sz="1800" i="0" u="none" strike="noStrike" cap="none" normalizeH="0" baseline="0" smtClean="0">
+              <a:rPr kumimoji="0" lang="en-US" altLang="zh-CN" sz="1800" i="0" u="none" strike="noStrike" cap="none" normalizeH="0" baseline="0" dirty="0" smtClean="0">
                 <a:ln>
                   <a:noFill/>
                 </a:ln>
@@ -17843,18 +16920,8 @@
                 <a:effectLst/>
                 <a:ea typeface="SimSun" pitchFamily="2" charset="-122"/>
               </a:rPr>
-              <a:t>  value: [value],</a:t>
-            </a:r>
-            <a:endParaRPr kumimoji="0" lang="en-US" altLang="zh-CN" sz="1800" i="0" u="none" strike="noStrike" cap="none" normalizeH="0" baseline="0" smtClean="0">
-              <a:ln>
-                <a:noFill/>
-              </a:ln>
-              <a:solidFill>
-                <a:schemeClr val="tx1"/>
-              </a:solidFill>
-              <a:effectLst/>
-              <a:ea typeface="SimSun" pitchFamily="2" charset="-122"/>
-            </a:endParaRPr>
+              <a:t>  }</a:t>
+            </a:r>
           </a:p>
           <a:p>
             <a:pPr marL="0" marR="0" indent="0" algn="l" defTabSz="914400" rtl="0" eaLnBrk="1" fontAlgn="base" latinLnBrk="0" hangingPunct="1">
@@ -17873,7 +16940,7 @@
               <a:buNone/>
             </a:pPr>
             <a:r>
-              <a:rPr kumimoji="0" lang="en-US" altLang="zh-CN" sz="1800" i="0" u="none" strike="noStrike" cap="none" normalizeH="0" baseline="0" smtClean="0">
+              <a:rPr kumimoji="0" lang="en-US" altLang="zh-CN" sz="1800" i="0" u="none" strike="noStrike" cap="none" normalizeH="0" baseline="0" dirty="0" smtClean="0">
                 <a:ln>
                   <a:noFill/>
                 </a:ln>
@@ -17883,577 +16950,8 @@
                 <a:effectLst/>
                 <a:ea typeface="SimSun" pitchFamily="2" charset="-122"/>
               </a:rPr>
-              <a:t>  writable: false|true,</a:t>
-            </a:r>
-            <a:endParaRPr kumimoji="0" lang="en-US" altLang="zh-CN" sz="1800" i="0" u="none" strike="noStrike" cap="none" normalizeH="0" baseline="0" smtClean="0">
-              <a:ln>
-                <a:noFill/>
-              </a:ln>
-              <a:solidFill>
-                <a:schemeClr val="tx1"/>
-              </a:solidFill>
-              <a:effectLst/>
-              <a:ea typeface="SimSun" pitchFamily="2" charset="-122"/>
-            </a:endParaRPr>
-          </a:p>
-          <a:p>
-            <a:pPr marL="0" marR="0" indent="0" algn="l" defTabSz="914400" rtl="0" eaLnBrk="1" fontAlgn="base" latinLnBrk="0" hangingPunct="1">
-              <a:lnSpc>
-                <a:spcPct val="100000"/>
-              </a:lnSpc>
-              <a:spcBef>
-                <a:spcPct val="0"/>
-              </a:spcBef>
-              <a:spcAft>
-                <a:spcPct val="0"/>
-              </a:spcAft>
-              <a:buClrTx/>
-              <a:buSzTx/>
-              <a:buFontTx/>
-              <a:buNone/>
-            </a:pPr>
-            <a:r>
-              <a:rPr kumimoji="0" lang="en-US" altLang="zh-CN" sz="1800" i="0" u="none" strike="noStrike" cap="none" normalizeH="0" baseline="0" smtClean="0">
-                <a:ln>
-                  <a:noFill/>
-                </a:ln>
-                <a:solidFill>
-                  <a:schemeClr val="tx1"/>
-                </a:solidFill>
-                <a:effectLst/>
-                <a:ea typeface="SimSun" pitchFamily="2" charset="-122"/>
-              </a:rPr>
-              <a:t>  enumerable: true|false,</a:t>
-            </a:r>
-            <a:endParaRPr kumimoji="0" lang="en-US" altLang="zh-CN" sz="1800" i="0" u="none" strike="noStrike" cap="none" normalizeH="0" baseline="0" smtClean="0">
-              <a:ln>
-                <a:noFill/>
-              </a:ln>
-              <a:solidFill>
-                <a:schemeClr val="tx1"/>
-              </a:solidFill>
-              <a:effectLst/>
-              <a:ea typeface="SimSun" pitchFamily="2" charset="-122"/>
-            </a:endParaRPr>
-          </a:p>
-          <a:p>
-            <a:pPr marL="0" marR="0" indent="0" algn="l" defTabSz="914400" rtl="0" eaLnBrk="1" fontAlgn="base" latinLnBrk="0" hangingPunct="1">
-              <a:lnSpc>
-                <a:spcPct val="100000"/>
-              </a:lnSpc>
-              <a:spcBef>
-                <a:spcPct val="0"/>
-              </a:spcBef>
-              <a:spcAft>
-                <a:spcPct val="0"/>
-              </a:spcAft>
-              <a:buClrTx/>
-              <a:buSzTx/>
-              <a:buFontTx/>
-              <a:buNone/>
-            </a:pPr>
-            <a:r>
-              <a:rPr kumimoji="0" lang="en-US" altLang="zh-CN" sz="1800" i="0" u="none" strike="noStrike" cap="none" normalizeH="0" baseline="0" smtClean="0">
-                <a:ln>
-                  <a:noFill/>
-                </a:ln>
-                <a:solidFill>
-                  <a:schemeClr val="tx1"/>
-                </a:solidFill>
-                <a:effectLst/>
-                <a:ea typeface="SimSun" pitchFamily="2" charset="-122"/>
-              </a:rPr>
               <a:t>});</a:t>
             </a:r>
-            <a:endParaRPr kumimoji="0" lang="en-US" altLang="zh-CN" sz="1800" i="0" u="none" strike="noStrike" cap="none" normalizeH="0" baseline="0" smtClean="0">
-              <a:ln>
-                <a:noFill/>
-              </a:ln>
-              <a:solidFill>
-                <a:schemeClr val="tx1"/>
-              </a:solidFill>
-              <a:effectLst/>
-              <a:ea typeface="SimSun" pitchFamily="2" charset="-122"/>
-            </a:endParaRPr>
-          </a:p>
-          <a:p>
-            <a:pPr marL="0" marR="0" indent="0" algn="l" defTabSz="914400" rtl="0" eaLnBrk="1" fontAlgn="base" latinLnBrk="0" hangingPunct="1">
-              <a:lnSpc>
-                <a:spcPct val="100000"/>
-              </a:lnSpc>
-              <a:spcBef>
-                <a:spcPct val="0"/>
-              </a:spcBef>
-              <a:spcAft>
-                <a:spcPct val="0"/>
-              </a:spcAft>
-              <a:buClrTx/>
-              <a:buSzTx/>
-              <a:buFontTx/>
-              <a:buNone/>
-            </a:pPr>
-            <a:endParaRPr kumimoji="0" lang="en-US" altLang="zh-CN" sz="1800" i="0" u="none" strike="noStrike" cap="none" normalizeH="0" baseline="0" smtClean="0">
-              <a:ln>
-                <a:noFill/>
-              </a:ln>
-              <a:solidFill>
-                <a:schemeClr val="tx1"/>
-              </a:solidFill>
-              <a:effectLst/>
-              <a:ea typeface="SimSun" pitchFamily="2" charset="-122"/>
-            </a:endParaRPr>
-          </a:p>
-          <a:p>
-            <a:pPr marL="0" marR="0" indent="0" algn="l" defTabSz="914400" rtl="0" eaLnBrk="1" fontAlgn="base" latinLnBrk="0" hangingPunct="1">
-              <a:lnSpc>
-                <a:spcPct val="100000"/>
-              </a:lnSpc>
-              <a:spcBef>
-                <a:spcPct val="0"/>
-              </a:spcBef>
-              <a:spcAft>
-                <a:spcPct val="0"/>
-              </a:spcAft>
-              <a:buClrTx/>
-              <a:buSzTx/>
-              <a:buFontTx/>
-              <a:buNone/>
-            </a:pPr>
-            <a:r>
-              <a:rPr kumimoji="0" lang="en-US" altLang="zh-CN" sz="1800" i="0" u="none" strike="noStrike" cap="none" normalizeH="0" baseline="0" smtClean="0">
-                <a:ln>
-                  <a:noFill/>
-                </a:ln>
-                <a:solidFill>
-                  <a:schemeClr val="tx1"/>
-                </a:solidFill>
-                <a:effectLst/>
-                <a:ea typeface="SimSun" pitchFamily="2" charset="-122"/>
-              </a:rPr>
-              <a:t>// PROPERTY with Setter and Getter</a:t>
-            </a:r>
-            <a:endParaRPr kumimoji="0" lang="en-US" altLang="zh-CN" sz="1800" i="0" u="none" strike="noStrike" cap="none" normalizeH="0" baseline="0" smtClean="0">
-              <a:ln>
-                <a:noFill/>
-              </a:ln>
-              <a:solidFill>
-                <a:schemeClr val="tx1"/>
-              </a:solidFill>
-              <a:effectLst/>
-              <a:ea typeface="SimSun" pitchFamily="2" charset="-122"/>
-            </a:endParaRPr>
-          </a:p>
-          <a:p>
-            <a:pPr marL="0" marR="0" indent="0" algn="l" defTabSz="914400" rtl="0" eaLnBrk="1" fontAlgn="base" latinLnBrk="0" hangingPunct="1">
-              <a:lnSpc>
-                <a:spcPct val="100000"/>
-              </a:lnSpc>
-              <a:spcBef>
-                <a:spcPct val="0"/>
-              </a:spcBef>
-              <a:spcAft>
-                <a:spcPct val="0"/>
-              </a:spcAft>
-              <a:buClrTx/>
-              <a:buSzTx/>
-              <a:buFontTx/>
-              <a:buNone/>
-            </a:pPr>
-            <a:r>
-              <a:rPr kumimoji="0" lang="en-US" altLang="zh-CN" sz="1800" i="0" u="none" strike="noStrike" cap="none" normalizeH="0" baseline="0" smtClean="0">
-                <a:ln>
-                  <a:noFill/>
-                </a:ln>
-                <a:solidFill>
-                  <a:schemeClr val="tx1"/>
-                </a:solidFill>
-                <a:effectLst/>
-                <a:ea typeface="SimSun" pitchFamily="2" charset="-122"/>
-              </a:rPr>
-              <a:t>Object.defineProperty(</a:t>
-            </a:r>
-            <a:r>
-              <a:rPr kumimoji="0" lang="en-US" altLang="zh-CN" sz="1800" i="0" u="none" strike="noStrike" cap="none" normalizeH="0" baseline="0" smtClean="0">
-                <a:ln>
-                  <a:noFill/>
-                </a:ln>
-                <a:solidFill>
-                  <a:srgbClr val="FF0000"/>
-                </a:solidFill>
-                <a:effectLst/>
-                <a:ea typeface="SimSun" pitchFamily="2" charset="-122"/>
-              </a:rPr>
-              <a:t>object1</a:t>
-            </a:r>
-            <a:r>
-              <a:rPr kumimoji="0" lang="en-US" altLang="zh-CN" sz="1800" i="0" u="none" strike="noStrike" cap="none" normalizeH="0" baseline="0" smtClean="0">
-                <a:ln>
-                  <a:noFill/>
-                </a:ln>
-                <a:solidFill>
-                  <a:schemeClr val="tx1"/>
-                </a:solidFill>
-                <a:effectLst/>
-                <a:ea typeface="SimSun" pitchFamily="2" charset="-122"/>
-              </a:rPr>
-              <a:t>, </a:t>
-            </a:r>
-            <a:r>
-              <a:rPr kumimoji="0" lang="en-US" altLang="zh-CN" sz="1800" i="0" u="none" strike="noStrike" cap="none" normalizeH="0" baseline="0" smtClean="0">
-                <a:ln>
-                  <a:noFill/>
-                </a:ln>
-                <a:solidFill>
-                  <a:srgbClr val="FF0000"/>
-                </a:solidFill>
-                <a:effectLst/>
-                <a:ea typeface="SimSun" pitchFamily="2" charset="-122"/>
-              </a:rPr>
-              <a:t>'propertyName'</a:t>
-            </a:r>
-            <a:r>
-              <a:rPr kumimoji="0" lang="en-US" altLang="zh-CN" sz="1800" i="0" u="none" strike="noStrike" cap="none" normalizeH="0" baseline="0" smtClean="0">
-                <a:ln>
-                  <a:noFill/>
-                </a:ln>
-                <a:solidFill>
-                  <a:schemeClr val="tx1"/>
-                </a:solidFill>
-                <a:effectLst/>
-                <a:ea typeface="SimSun" pitchFamily="2" charset="-122"/>
-              </a:rPr>
-              <a:t>, {</a:t>
-            </a:r>
-            <a:endParaRPr kumimoji="0" lang="en-US" altLang="zh-CN" sz="1800" i="0" u="none" strike="noStrike" cap="none" normalizeH="0" baseline="0" smtClean="0">
-              <a:ln>
-                <a:noFill/>
-              </a:ln>
-              <a:solidFill>
-                <a:schemeClr val="tx1"/>
-              </a:solidFill>
-              <a:effectLst/>
-              <a:ea typeface="SimSun" pitchFamily="2" charset="-122"/>
-            </a:endParaRPr>
-          </a:p>
-          <a:p>
-            <a:pPr marL="0" marR="0" indent="0" algn="l" defTabSz="914400" rtl="0" eaLnBrk="1" fontAlgn="base" latinLnBrk="0" hangingPunct="1">
-              <a:lnSpc>
-                <a:spcPct val="100000"/>
-              </a:lnSpc>
-              <a:spcBef>
-                <a:spcPct val="0"/>
-              </a:spcBef>
-              <a:spcAft>
-                <a:spcPct val="0"/>
-              </a:spcAft>
-              <a:buClrTx/>
-              <a:buSzTx/>
-              <a:buFontTx/>
-              <a:buNone/>
-            </a:pPr>
-            <a:r>
-              <a:rPr kumimoji="0" lang="en-US" altLang="zh-CN" sz="1800" i="0" u="none" strike="noStrike" cap="none" normalizeH="0" baseline="0" smtClean="0">
-                <a:ln>
-                  <a:noFill/>
-                </a:ln>
-                <a:solidFill>
-                  <a:schemeClr val="tx1"/>
-                </a:solidFill>
-                <a:effectLst/>
-                <a:ea typeface="SimSun" pitchFamily="2" charset="-122"/>
-              </a:rPr>
-              <a:t>  set() {</a:t>
-            </a:r>
-            <a:endParaRPr kumimoji="0" lang="en-US" altLang="zh-CN" sz="1800" i="0" u="none" strike="noStrike" cap="none" normalizeH="0" baseline="0" smtClean="0">
-              <a:ln>
-                <a:noFill/>
-              </a:ln>
-              <a:solidFill>
-                <a:schemeClr val="tx1"/>
-              </a:solidFill>
-              <a:effectLst/>
-              <a:ea typeface="SimSun" pitchFamily="2" charset="-122"/>
-            </a:endParaRPr>
-          </a:p>
-          <a:p>
-            <a:pPr marL="0" marR="0" indent="0" algn="l" defTabSz="914400" rtl="0" eaLnBrk="1" fontAlgn="base" latinLnBrk="0" hangingPunct="1">
-              <a:lnSpc>
-                <a:spcPct val="100000"/>
-              </a:lnSpc>
-              <a:spcBef>
-                <a:spcPct val="0"/>
-              </a:spcBef>
-              <a:spcAft>
-                <a:spcPct val="0"/>
-              </a:spcAft>
-              <a:buClrTx/>
-              <a:buSzTx/>
-              <a:buFontTx/>
-              <a:buNone/>
-            </a:pPr>
-            <a:r>
-              <a:rPr kumimoji="0" lang="en-US" altLang="zh-CN" sz="1800" i="0" u="none" strike="noStrike" cap="none" normalizeH="0" baseline="0" smtClean="0">
-                <a:ln>
-                  <a:noFill/>
-                </a:ln>
-                <a:solidFill>
-                  <a:schemeClr val="tx1"/>
-                </a:solidFill>
-                <a:effectLst/>
-                <a:ea typeface="SimSun" pitchFamily="2" charset="-122"/>
-              </a:rPr>
-              <a:t>        .....</a:t>
-            </a:r>
-            <a:endParaRPr kumimoji="0" lang="en-US" altLang="zh-CN" sz="1800" i="0" u="none" strike="noStrike" cap="none" normalizeH="0" baseline="0" smtClean="0">
-              <a:ln>
-                <a:noFill/>
-              </a:ln>
-              <a:solidFill>
-                <a:schemeClr val="tx1"/>
-              </a:solidFill>
-              <a:effectLst/>
-              <a:ea typeface="SimSun" pitchFamily="2" charset="-122"/>
-            </a:endParaRPr>
-          </a:p>
-          <a:p>
-            <a:pPr marL="0" marR="0" indent="0" algn="l" defTabSz="914400" rtl="0" eaLnBrk="1" fontAlgn="base" latinLnBrk="0" hangingPunct="1">
-              <a:lnSpc>
-                <a:spcPct val="100000"/>
-              </a:lnSpc>
-              <a:spcBef>
-                <a:spcPct val="0"/>
-              </a:spcBef>
-              <a:spcAft>
-                <a:spcPct val="0"/>
-              </a:spcAft>
-              <a:buClrTx/>
-              <a:buSzTx/>
-              <a:buFontTx/>
-              <a:buNone/>
-            </a:pPr>
-            <a:r>
-              <a:rPr kumimoji="0" lang="en-US" altLang="zh-CN" sz="1800" i="0" u="none" strike="noStrike" cap="none" normalizeH="0" baseline="0" smtClean="0">
-                <a:ln>
-                  <a:noFill/>
-                </a:ln>
-                <a:solidFill>
-                  <a:schemeClr val="tx1"/>
-                </a:solidFill>
-                <a:effectLst/>
-                <a:ea typeface="SimSun" pitchFamily="2" charset="-122"/>
-              </a:rPr>
-              <a:t>  }</a:t>
-            </a:r>
-            <a:endParaRPr kumimoji="0" lang="en-US" altLang="zh-CN" sz="1800" i="0" u="none" strike="noStrike" cap="none" normalizeH="0" baseline="0" smtClean="0">
-              <a:ln>
-                <a:noFill/>
-              </a:ln>
-              <a:solidFill>
-                <a:schemeClr val="tx1"/>
-              </a:solidFill>
-              <a:effectLst/>
-              <a:ea typeface="SimSun" pitchFamily="2" charset="-122"/>
-            </a:endParaRPr>
-          </a:p>
-          <a:p>
-            <a:pPr marL="0" marR="0" indent="0" algn="l" defTabSz="914400" rtl="0" eaLnBrk="1" fontAlgn="base" latinLnBrk="0" hangingPunct="1">
-              <a:lnSpc>
-                <a:spcPct val="100000"/>
-              </a:lnSpc>
-              <a:spcBef>
-                <a:spcPct val="0"/>
-              </a:spcBef>
-              <a:spcAft>
-                <a:spcPct val="0"/>
-              </a:spcAft>
-              <a:buClrTx/>
-              <a:buSzTx/>
-              <a:buFontTx/>
-              <a:buNone/>
-            </a:pPr>
-            <a:r>
-              <a:rPr kumimoji="0" lang="en-US" altLang="zh-CN" sz="1800" i="0" u="none" strike="noStrike" cap="none" normalizeH="0" baseline="0" smtClean="0">
-                <a:ln>
-                  <a:noFill/>
-                </a:ln>
-                <a:solidFill>
-                  <a:schemeClr val="tx1"/>
-                </a:solidFill>
-                <a:effectLst/>
-                <a:ea typeface="SimSun" pitchFamily="2" charset="-122"/>
-              </a:rPr>
-              <a:t>  get() {</a:t>
-            </a:r>
-            <a:endParaRPr kumimoji="0" lang="en-US" altLang="zh-CN" sz="1800" i="0" u="none" strike="noStrike" cap="none" normalizeH="0" baseline="0" smtClean="0">
-              <a:ln>
-                <a:noFill/>
-              </a:ln>
-              <a:solidFill>
-                <a:schemeClr val="tx1"/>
-              </a:solidFill>
-              <a:effectLst/>
-              <a:ea typeface="SimSun" pitchFamily="2" charset="-122"/>
-            </a:endParaRPr>
-          </a:p>
-          <a:p>
-            <a:pPr marL="0" marR="0" indent="0" algn="l" defTabSz="914400" rtl="0" eaLnBrk="1" fontAlgn="base" latinLnBrk="0" hangingPunct="1">
-              <a:lnSpc>
-                <a:spcPct val="100000"/>
-              </a:lnSpc>
-              <a:spcBef>
-                <a:spcPct val="0"/>
-              </a:spcBef>
-              <a:spcAft>
-                <a:spcPct val="0"/>
-              </a:spcAft>
-              <a:buClrTx/>
-              <a:buSzTx/>
-              <a:buFontTx/>
-              <a:buNone/>
-            </a:pPr>
-            <a:r>
-              <a:rPr kumimoji="0" lang="en-US" altLang="zh-CN" sz="1800" i="0" u="none" strike="noStrike" cap="none" normalizeH="0" baseline="0" smtClean="0">
-                <a:ln>
-                  <a:noFill/>
-                </a:ln>
-                <a:solidFill>
-                  <a:schemeClr val="tx1"/>
-                </a:solidFill>
-                <a:effectLst/>
-                <a:ea typeface="SimSun" pitchFamily="2" charset="-122"/>
-              </a:rPr>
-              <a:t>      ....</a:t>
-            </a:r>
-            <a:endParaRPr kumimoji="0" lang="en-US" altLang="zh-CN" sz="1800" i="0" u="none" strike="noStrike" cap="none" normalizeH="0" baseline="0" smtClean="0">
-              <a:ln>
-                <a:noFill/>
-              </a:ln>
-              <a:solidFill>
-                <a:schemeClr val="tx1"/>
-              </a:solidFill>
-              <a:effectLst/>
-              <a:ea typeface="SimSun" pitchFamily="2" charset="-122"/>
-            </a:endParaRPr>
-          </a:p>
-          <a:p>
-            <a:pPr marL="0" marR="0" indent="0" algn="l" defTabSz="914400" rtl="0" eaLnBrk="1" fontAlgn="base" latinLnBrk="0" hangingPunct="1">
-              <a:lnSpc>
-                <a:spcPct val="100000"/>
-              </a:lnSpc>
-              <a:spcBef>
-                <a:spcPct val="0"/>
-              </a:spcBef>
-              <a:spcAft>
-                <a:spcPct val="0"/>
-              </a:spcAft>
-              <a:buClrTx/>
-              <a:buSzTx/>
-              <a:buFontTx/>
-              <a:buNone/>
-            </a:pPr>
-            <a:r>
-              <a:rPr kumimoji="0" lang="en-US" altLang="zh-CN" sz="1800" i="0" u="none" strike="noStrike" cap="none" normalizeH="0" baseline="0" smtClean="0">
-                <a:ln>
-                  <a:noFill/>
-                </a:ln>
-                <a:solidFill>
-                  <a:schemeClr val="tx1"/>
-                </a:solidFill>
-                <a:effectLst/>
-                <a:ea typeface="SimSun" pitchFamily="2" charset="-122"/>
-              </a:rPr>
-              <a:t>      return ....</a:t>
-            </a:r>
-            <a:endParaRPr kumimoji="0" lang="en-US" altLang="zh-CN" sz="1800" i="0" u="none" strike="noStrike" cap="none" normalizeH="0" baseline="0" smtClean="0">
-              <a:ln>
-                <a:noFill/>
-              </a:ln>
-              <a:solidFill>
-                <a:schemeClr val="tx1"/>
-              </a:solidFill>
-              <a:effectLst/>
-              <a:ea typeface="SimSun" pitchFamily="2" charset="-122"/>
-            </a:endParaRPr>
-          </a:p>
-          <a:p>
-            <a:pPr marL="0" marR="0" indent="0" algn="l" defTabSz="914400" rtl="0" eaLnBrk="1" fontAlgn="base" latinLnBrk="0" hangingPunct="1">
-              <a:lnSpc>
-                <a:spcPct val="100000"/>
-              </a:lnSpc>
-              <a:spcBef>
-                <a:spcPct val="0"/>
-              </a:spcBef>
-              <a:spcAft>
-                <a:spcPct val="0"/>
-              </a:spcAft>
-              <a:buClrTx/>
-              <a:buSzTx/>
-              <a:buFontTx/>
-              <a:buNone/>
-            </a:pPr>
-            <a:r>
-              <a:rPr kumimoji="0" lang="en-US" altLang="zh-CN" sz="1800" i="0" u="none" strike="noStrike" cap="none" normalizeH="0" baseline="0" smtClean="0">
-                <a:ln>
-                  <a:noFill/>
-                </a:ln>
-                <a:solidFill>
-                  <a:schemeClr val="tx1"/>
-                </a:solidFill>
-                <a:effectLst/>
-                <a:ea typeface="SimSun" pitchFamily="2" charset="-122"/>
-              </a:rPr>
-              <a:t>  }</a:t>
-            </a:r>
-            <a:endParaRPr kumimoji="0" lang="en-US" altLang="zh-CN" sz="1800" i="0" u="none" strike="noStrike" cap="none" normalizeH="0" baseline="0" smtClean="0">
-              <a:ln>
-                <a:noFill/>
-              </a:ln>
-              <a:solidFill>
-                <a:schemeClr val="tx1"/>
-              </a:solidFill>
-              <a:effectLst/>
-              <a:ea typeface="SimSun" pitchFamily="2" charset="-122"/>
-            </a:endParaRPr>
-          </a:p>
-          <a:p>
-            <a:pPr marL="0" marR="0" indent="0" algn="l" defTabSz="914400" rtl="0" eaLnBrk="1" fontAlgn="base" latinLnBrk="0" hangingPunct="1">
-              <a:lnSpc>
-                <a:spcPct val="100000"/>
-              </a:lnSpc>
-              <a:spcBef>
-                <a:spcPct val="0"/>
-              </a:spcBef>
-              <a:spcAft>
-                <a:spcPct val="0"/>
-              </a:spcAft>
-              <a:buClrTx/>
-              <a:buSzTx/>
-              <a:buFontTx/>
-              <a:buNone/>
-            </a:pPr>
-            <a:r>
-              <a:rPr kumimoji="0" lang="en-US" altLang="zh-CN" sz="1800" i="0" u="none" strike="noStrike" cap="none" normalizeH="0" baseline="0" smtClean="0">
-                <a:ln>
-                  <a:noFill/>
-                </a:ln>
-                <a:solidFill>
-                  <a:schemeClr val="tx1"/>
-                </a:solidFill>
-                <a:effectLst/>
-                <a:ea typeface="SimSun" pitchFamily="2" charset="-122"/>
-              </a:rPr>
-              <a:t>});</a:t>
-            </a:r>
-            <a:endParaRPr kumimoji="0" lang="en-US" altLang="zh-CN" sz="1800" i="0" u="none" strike="noStrike" cap="none" normalizeH="0" baseline="0" smtClean="0">
-              <a:ln>
-                <a:noFill/>
-              </a:ln>
-              <a:solidFill>
-                <a:schemeClr val="tx1"/>
-              </a:solidFill>
-              <a:effectLst/>
-              <a:ea typeface="SimSun" pitchFamily="2" charset="-122"/>
-            </a:endParaRPr>
           </a:p>
         </p:txBody>
       </p:sp>
@@ -18479,6 +16977,7 @@
           <a:bodyPr wrap="square" rtlCol="0" anchor="t">
             <a:spAutoFit/>
           </a:bodyPr>
+          <a:lstStyle/>
           <a:p>
             <a:r>
               <a:rPr lang="en-US" b="1">
@@ -18490,6 +16989,8 @@
               </a:rPr>
               <a:t>Object.defineProperty(obj, prop, descriptor)</a:t>
             </a:r>
+          </a:p>
+          <a:p>
             <a:endParaRPr lang="en-US" b="1">
               <a:solidFill>
                 <a:schemeClr val="bg1"/>
@@ -18499,15 +17000,6 @@
             </a:endParaRPr>
           </a:p>
           <a:p>
-            <a:endParaRPr lang="en-US" b="1">
-              <a:solidFill>
-                <a:schemeClr val="bg1"/>
-              </a:solidFill>
-              <a:latin typeface="Arial Bold" panose="020B0604020202090204" charset="0"/>
-              <a:cs typeface="Arial Bold" panose="020B0604020202090204" charset="0"/>
-            </a:endParaRPr>
-          </a:p>
-          <a:p>
             <a:r>
               <a:rPr lang="en-US" b="1">
                 <a:solidFill>
@@ -18518,13 +17010,6 @@
               </a:rPr>
               <a:t>Object.defineProperties(obj, props)</a:t>
             </a:r>
-            <a:endParaRPr lang="en-US" b="1">
-              <a:solidFill>
-                <a:schemeClr val="bg1"/>
-              </a:solidFill>
-              <a:latin typeface="Arial Bold" panose="020B0604020202090204" charset="0"/>
-              <a:cs typeface="Arial Bold" panose="020B0604020202090204" charset="0"/>
-            </a:endParaRPr>
           </a:p>
         </p:txBody>
       </p:sp>
@@ -18533,11 +17018,18 @@
   <p:clrMapOvr>
     <a:masterClrMapping/>
   </p:clrMapOvr>
+  <p:timing>
+    <p:tnLst>
+      <p:par>
+        <p:cTn id="1" dur="indefinite" restart="never" nodeType="tmRoot"/>
+      </p:par>
+    </p:tnLst>
+  </p:timing>
 </p:sld>
 </file>
 
 <file path=ppt/tags/tag1.xml><?xml version="1.0" encoding="utf-8"?>
-<p:tagLst xmlns:p="http://schemas.openxmlformats.org/presentationml/2006/main">
+<p:tagLst xmlns:a="http://schemas.openxmlformats.org/drawingml/2006/main" xmlns:r="http://schemas.openxmlformats.org/officeDocument/2006/relationships" xmlns:p="http://schemas.openxmlformats.org/presentationml/2006/main">
   <p:tag name="KSO_WM_SLIDE_MODEL_TYPE" val="cover"/>
 </p:tagLst>
 </file>
